--- a/Personas und Szenarien/Personas_Redesign_RZ.pptx
+++ b/Personas und Szenarien/Personas_Redesign_RZ.pptx
@@ -3795,12 +3795,12 @@
           <a:lstStyle/>
           <a:p>
             <a:r>
-              <a:rPr lang="de-DE" dirty="0" smtClean="0"/>
+              <a:rPr lang="de-DE" smtClean="0"/>
               <a:t>Version </a:t>
             </a:r>
             <a:r>
-              <a:rPr lang="de-DE" dirty="0" smtClean="0"/>
-              <a:t>1.2</a:t>
+              <a:rPr lang="de-DE" smtClean="0"/>
+              <a:t>2.0</a:t>
             </a:r>
             <a:endParaRPr lang="de-DE" dirty="0"/>
           </a:p>
@@ -3930,7 +3930,7 @@
             </a:r>
             <a:r>
               <a:rPr lang="de-DE" sz="1800" dirty="0" smtClean="0"/>
-              <a:t>Medizin. Das erste Staatsexamen hat sie bereits in der Ukraine absolviert, jedoch hiernach einen Platz an der Uni Regensburg bekommen.</a:t>
+              <a:t>Medizin. Nachdem sie das erste Staatsexamen in der Ukraine absolviert hat, wechselte sie an die Universität Regensburg.</a:t>
             </a:r>
           </a:p>
           <a:p>
@@ -4044,7 +4044,7 @@
             </a:r>
             <a:r>
               <a:rPr lang="en-US" sz="1800" dirty="0" err="1" smtClean="0"/>
-              <a:t>deshalb</a:t>
+              <a:t>mitlerweile</a:t>
             </a:r>
             <a:r>
               <a:rPr lang="en-US" sz="1800" dirty="0" smtClean="0"/>
@@ -4052,7 +4052,15 @@
             </a:r>
             <a:r>
               <a:rPr lang="en-US" sz="1800" dirty="0" err="1" smtClean="0"/>
-              <a:t>mitlerweile</a:t>
+              <a:t>sehr</a:t>
+            </a:r>
+            <a:r>
+              <a:rPr lang="en-US" sz="1800" dirty="0" smtClean="0"/>
+              <a:t> gut auf der </a:t>
+            </a:r>
+            <a:r>
+              <a:rPr lang="en-US" sz="1800" dirty="0" err="1" smtClean="0"/>
+              <a:t>Rechenzentrumswebseite</a:t>
             </a:r>
             <a:r>
               <a:rPr lang="en-US" sz="1800" dirty="0" smtClean="0"/>
@@ -4060,15 +4068,23 @@
             </a:r>
             <a:r>
               <a:rPr lang="en-US" sz="1800" dirty="0" err="1" smtClean="0"/>
-              <a:t>sehr</a:t>
+              <a:t>zurecht</a:t>
             </a:r>
             <a:r>
               <a:rPr lang="en-US" sz="1800" dirty="0" smtClean="0"/>
-              <a:t> gut auf der </a:t>
+              <a:t>, </a:t>
             </a:r>
             <a:r>
               <a:rPr lang="en-US" sz="1800" dirty="0" err="1" smtClean="0"/>
-              <a:t>Rechenzentrumswebseite</a:t>
+              <a:t>jedoch</a:t>
+            </a:r>
+            <a:r>
+              <a:rPr lang="en-US" sz="1800" dirty="0" smtClean="0"/>
+              <a:t> hat dies </a:t>
+            </a:r>
+            <a:r>
+              <a:rPr lang="en-US" sz="1800" dirty="0" err="1" smtClean="0"/>
+              <a:t>einige</a:t>
             </a:r>
             <a:r>
               <a:rPr lang="en-US" sz="1800" dirty="0" smtClean="0"/>
@@ -4076,15 +4092,147 @@
             </a:r>
             <a:r>
               <a:rPr lang="en-US" sz="1800" dirty="0" err="1" smtClean="0"/>
-              <a:t>zurecht</a:t>
+              <a:t>Zeit</a:t>
             </a:r>
             <a:r>
               <a:rPr lang="en-US" sz="1800" dirty="0" smtClean="0"/>
-              <a:t>, </a:t>
+              <a:t> in </a:t>
             </a:r>
             <a:r>
               <a:rPr lang="en-US" sz="1800" dirty="0" err="1" smtClean="0"/>
-              <a:t>jedoch</a:t>
+              <a:t>Anspriuch</a:t>
+            </a:r>
+            <a:r>
+              <a:rPr lang="en-US" sz="1800" dirty="0" smtClean="0"/>
+              <a:t> </a:t>
+            </a:r>
+            <a:r>
+              <a:rPr lang="en-US" sz="1800" dirty="0" err="1" smtClean="0"/>
+              <a:t>genommen</a:t>
+            </a:r>
+            <a:r>
+              <a:rPr lang="en-US" sz="1800" dirty="0" smtClean="0"/>
+              <a:t>.</a:t>
+            </a:r>
+          </a:p>
+          <a:p>
+            <a:r>
+              <a:rPr lang="en-US" sz="1800" dirty="0" err="1" smtClean="0"/>
+              <a:t>Neben</a:t>
+            </a:r>
+            <a:r>
+              <a:rPr lang="en-US" sz="1800" dirty="0" smtClean="0"/>
+              <a:t> der </a:t>
+            </a:r>
+            <a:r>
+              <a:rPr lang="en-US" sz="1800" dirty="0" err="1" smtClean="0"/>
+              <a:t>Softwarebeschaffung</a:t>
+            </a:r>
+            <a:r>
+              <a:rPr lang="en-US" sz="1800" dirty="0" smtClean="0"/>
+              <a:t> </a:t>
+            </a:r>
+            <a:r>
+              <a:rPr lang="en-US" sz="1800" dirty="0" err="1" smtClean="0"/>
+              <a:t>über</a:t>
+            </a:r>
+            <a:r>
+              <a:rPr lang="en-US" sz="1800" dirty="0" smtClean="0"/>
+              <a:t> das </a:t>
+            </a:r>
+            <a:r>
+              <a:rPr lang="en-US" sz="1800" dirty="0" err="1" smtClean="0"/>
+              <a:t>Rechenzentrum</a:t>
+            </a:r>
+            <a:r>
+              <a:rPr lang="en-US" sz="1800" dirty="0" smtClean="0"/>
+              <a:t> </a:t>
+            </a:r>
+            <a:r>
+              <a:rPr lang="en-US" sz="1800" dirty="0" err="1" smtClean="0"/>
+              <a:t>ist</a:t>
+            </a:r>
+            <a:r>
+              <a:rPr lang="en-US" sz="1800" dirty="0" smtClean="0"/>
+              <a:t> Olga </a:t>
+            </a:r>
+            <a:r>
+              <a:rPr lang="en-US" sz="1800" dirty="0" err="1" smtClean="0"/>
+              <a:t>vor</a:t>
+            </a:r>
+            <a:r>
+              <a:rPr lang="en-US" sz="1800" dirty="0" smtClean="0"/>
+              <a:t> </a:t>
+            </a:r>
+            <a:r>
+              <a:rPr lang="en-US" sz="1800" dirty="0" err="1" smtClean="0"/>
+              <a:t>allem</a:t>
+            </a:r>
+            <a:r>
+              <a:rPr lang="en-US" sz="1800" dirty="0" smtClean="0"/>
+              <a:t> an den </a:t>
+            </a:r>
+            <a:r>
+              <a:rPr lang="en-US" sz="1800" dirty="0" err="1" smtClean="0"/>
+              <a:t>Supportinhalten</a:t>
+            </a:r>
+            <a:r>
+              <a:rPr lang="en-US" sz="1800" dirty="0"/>
+              <a:t> </a:t>
+            </a:r>
+            <a:r>
+              <a:rPr lang="en-US" sz="1800" dirty="0" err="1" smtClean="0"/>
+              <a:t>interresiert</a:t>
+            </a:r>
+            <a:r>
+              <a:rPr lang="en-US" sz="1800" dirty="0" smtClean="0"/>
+              <a:t>.</a:t>
+            </a:r>
+          </a:p>
+          <a:p>
+            <a:r>
+              <a:rPr lang="en-US" sz="1800" dirty="0" err="1" smtClean="0"/>
+              <a:t>Aus</a:t>
+            </a:r>
+            <a:r>
+              <a:rPr lang="en-US" sz="1800" dirty="0" smtClean="0"/>
+              <a:t> Angst das </a:t>
+            </a:r>
+            <a:r>
+              <a:rPr lang="en-US" sz="1800" dirty="0" err="1" smtClean="0"/>
+              <a:t>Zeitfenster</a:t>
+            </a:r>
+            <a:r>
+              <a:rPr lang="en-US" sz="1800" dirty="0" smtClean="0"/>
+              <a:t> </a:t>
+            </a:r>
+            <a:r>
+              <a:rPr lang="en-US" sz="1800" dirty="0" err="1" smtClean="0"/>
+              <a:t>für</a:t>
+            </a:r>
+            <a:r>
+              <a:rPr lang="en-US" sz="1800" dirty="0" smtClean="0"/>
+              <a:t> die </a:t>
+            </a:r>
+            <a:r>
+              <a:rPr lang="en-US" sz="1800" dirty="0" err="1" smtClean="0"/>
+              <a:t>Passwortänderung</a:t>
+            </a:r>
+            <a:r>
+              <a:rPr lang="en-US" sz="1800" dirty="0" smtClean="0"/>
+              <a:t> </a:t>
+            </a:r>
+            <a:r>
+              <a:rPr lang="en-US" sz="1800" dirty="0" err="1" smtClean="0"/>
+              <a:t>zu</a:t>
+            </a:r>
+            <a:r>
+              <a:rPr lang="en-US" sz="1800" dirty="0" smtClean="0"/>
+              <a:t> </a:t>
+            </a:r>
+            <a:r>
+              <a:rPr lang="en-US" sz="1800" dirty="0" err="1" smtClean="0"/>
+              <a:t>versäumen</a:t>
             </a:r>
             <a:r>
               <a:rPr lang="en-US" sz="1800" dirty="0" smtClean="0"/>
@@ -4092,7 +4240,15 @@
             </a:r>
             <a:r>
               <a:rPr lang="en-US" sz="1800" dirty="0" err="1" smtClean="0"/>
-              <a:t>sie</a:t>
+              <a:t>sich</a:t>
+            </a:r>
+            <a:r>
+              <a:rPr lang="en-US" sz="1800" dirty="0" smtClean="0"/>
+              <a:t> Olga </a:t>
+            </a:r>
+            <a:r>
+              <a:rPr lang="en-US" sz="1800" dirty="0" err="1" smtClean="0"/>
+              <a:t>vor</a:t>
             </a:r>
             <a:r>
               <a:rPr lang="en-US" sz="1800" dirty="0" smtClean="0"/>
@@ -4100,251 +4256,7 @@
             </a:r>
             <a:r>
               <a:rPr lang="en-US" sz="1800" dirty="0" err="1" smtClean="0"/>
-              <a:t>hierfür</a:t>
-            </a:r>
-            <a:r>
-              <a:rPr lang="en-US" sz="1800" dirty="0" smtClean="0"/>
-              <a:t> </a:t>
-            </a:r>
-            <a:r>
-              <a:rPr lang="en-US" sz="1800" dirty="0" err="1" smtClean="0"/>
-              <a:t>sehr</a:t>
-            </a:r>
-            <a:r>
-              <a:rPr lang="en-US" sz="1800" dirty="0" smtClean="0"/>
-              <a:t> </a:t>
-            </a:r>
-            <a:r>
-              <a:rPr lang="en-US" sz="1800" dirty="0" err="1" smtClean="0"/>
-              <a:t>lange</a:t>
-            </a:r>
-            <a:r>
-              <a:rPr lang="en-US" sz="1800" dirty="0" smtClean="0"/>
-              <a:t> </a:t>
-            </a:r>
-            <a:r>
-              <a:rPr lang="en-US" sz="1800" dirty="0" err="1" smtClean="0"/>
-              <a:t>benötigt</a:t>
-            </a:r>
-            <a:r>
-              <a:rPr lang="en-US" sz="1800" dirty="0" smtClean="0"/>
-              <a:t>.</a:t>
-            </a:r>
-          </a:p>
-          <a:p>
-            <a:r>
-              <a:rPr lang="en-US" sz="1800" dirty="0" err="1" smtClean="0"/>
-              <a:t>Interresiert</a:t>
-            </a:r>
-            <a:r>
-              <a:rPr lang="en-US" sz="1800" dirty="0" smtClean="0"/>
-              <a:t> </a:t>
-            </a:r>
-            <a:r>
-              <a:rPr lang="en-US" sz="1800" dirty="0" err="1" smtClean="0"/>
-              <a:t>ist</a:t>
-            </a:r>
-            <a:r>
-              <a:rPr lang="en-US" sz="1800" dirty="0" smtClean="0"/>
-              <a:t> Olga </a:t>
-            </a:r>
-            <a:r>
-              <a:rPr lang="en-US" sz="1800" dirty="0" err="1" smtClean="0"/>
-              <a:t>vor</a:t>
-            </a:r>
-            <a:r>
-              <a:rPr lang="en-US" sz="1800" dirty="0" smtClean="0"/>
-              <a:t> </a:t>
-            </a:r>
-            <a:r>
-              <a:rPr lang="en-US" sz="1800" dirty="0" err="1" smtClean="0"/>
-              <a:t>allem</a:t>
-            </a:r>
-            <a:r>
-              <a:rPr lang="en-US" sz="1800" dirty="0" smtClean="0"/>
-              <a:t> an Software die </a:t>
-            </a:r>
-            <a:r>
-              <a:rPr lang="en-US" sz="1800" dirty="0" err="1"/>
-              <a:t>s</a:t>
-            </a:r>
-            <a:r>
-              <a:rPr lang="en-US" sz="1800" dirty="0" err="1" smtClean="0"/>
-              <a:t>ie</a:t>
-            </a:r>
-            <a:r>
-              <a:rPr lang="en-US" sz="1800" dirty="0" smtClean="0"/>
-              <a:t> </a:t>
-            </a:r>
-            <a:r>
-              <a:rPr lang="en-US" sz="1800" dirty="0" err="1" smtClean="0"/>
-              <a:t>über</a:t>
-            </a:r>
-            <a:r>
-              <a:rPr lang="en-US" sz="1800" dirty="0" smtClean="0"/>
-              <a:t> das </a:t>
-            </a:r>
-            <a:r>
-              <a:rPr lang="en-US" sz="1800" dirty="0" err="1" smtClean="0"/>
-              <a:t>Rechenzentrum</a:t>
-            </a:r>
-            <a:r>
-              <a:rPr lang="en-US" sz="1800" dirty="0" smtClean="0"/>
-              <a:t> </a:t>
-            </a:r>
-            <a:r>
-              <a:rPr lang="en-US" sz="1800" dirty="0" err="1" smtClean="0"/>
-              <a:t>zur</a:t>
-            </a:r>
-            <a:r>
-              <a:rPr lang="en-US" sz="1800" dirty="0" smtClean="0"/>
-              <a:t> </a:t>
-            </a:r>
-            <a:r>
-              <a:rPr lang="en-US" sz="1800" dirty="0" err="1" smtClean="0"/>
-              <a:t>Verfügung</a:t>
-            </a:r>
-            <a:r>
-              <a:rPr lang="en-US" sz="1800" dirty="0" smtClean="0"/>
-              <a:t> </a:t>
-            </a:r>
-            <a:r>
-              <a:rPr lang="en-US" sz="1800" dirty="0" err="1" smtClean="0"/>
-              <a:t>gestellt</a:t>
-            </a:r>
-            <a:r>
-              <a:rPr lang="en-US" sz="1800" dirty="0" smtClean="0"/>
-              <a:t> </a:t>
-            </a:r>
-            <a:r>
-              <a:rPr lang="en-US" sz="1800" dirty="0" err="1" smtClean="0"/>
-              <a:t>bekommt</a:t>
-            </a:r>
-            <a:r>
-              <a:rPr lang="en-US" sz="1800" dirty="0" smtClean="0"/>
-              <a:t> und an den Support seiten, falls </a:t>
-            </a:r>
-            <a:r>
-              <a:rPr lang="en-US" sz="1800" dirty="0" err="1" smtClean="0"/>
-              <a:t>Fragen</a:t>
-            </a:r>
-            <a:r>
-              <a:rPr lang="en-US" sz="1800" dirty="0" smtClean="0"/>
-              <a:t> </a:t>
-            </a:r>
-            <a:r>
-              <a:rPr lang="en-US" sz="1800" dirty="0" err="1" smtClean="0"/>
-              <a:t>auftreten</a:t>
-            </a:r>
-            <a:r>
-              <a:rPr lang="en-US" sz="1800" dirty="0" smtClean="0"/>
-              <a:t>.</a:t>
-            </a:r>
-          </a:p>
-          <a:p>
-            <a:r>
-              <a:rPr lang="en-US" sz="1800" dirty="0" smtClean="0"/>
-              <a:t>Das </a:t>
-            </a:r>
-            <a:r>
-              <a:rPr lang="en-US" sz="1800" dirty="0" err="1" smtClean="0"/>
-              <a:t>Passwort</a:t>
-            </a:r>
-            <a:r>
-              <a:rPr lang="en-US" sz="1800" dirty="0" smtClean="0"/>
-              <a:t> </a:t>
-            </a:r>
-            <a:r>
-              <a:rPr lang="en-US" sz="1800" dirty="0" err="1" smtClean="0"/>
-              <a:t>ändert</a:t>
-            </a:r>
-            <a:r>
-              <a:rPr lang="en-US" sz="1800" dirty="0" smtClean="0"/>
-              <a:t> </a:t>
-            </a:r>
-            <a:r>
-              <a:rPr lang="en-US" sz="1800" dirty="0" err="1" smtClean="0"/>
-              <a:t>sie</a:t>
-            </a:r>
-            <a:r>
-              <a:rPr lang="en-US" sz="1800" dirty="0" smtClean="0"/>
-              <a:t> </a:t>
-            </a:r>
-            <a:r>
-              <a:rPr lang="en-US" sz="1800" dirty="0" err="1" smtClean="0"/>
-              <a:t>immer</a:t>
-            </a:r>
-            <a:r>
-              <a:rPr lang="en-US" sz="1800" dirty="0" smtClean="0"/>
-              <a:t> so </a:t>
-            </a:r>
-            <a:r>
-              <a:rPr lang="en-US" sz="1800" dirty="0" err="1" smtClean="0"/>
-              <a:t>spät</a:t>
-            </a:r>
-            <a:r>
-              <a:rPr lang="en-US" sz="1800" dirty="0" smtClean="0"/>
-              <a:t> </a:t>
-            </a:r>
-            <a:r>
-              <a:rPr lang="en-US" sz="1800" dirty="0" err="1" smtClean="0"/>
-              <a:t>wie</a:t>
-            </a:r>
-            <a:r>
-              <a:rPr lang="en-US" sz="1800" dirty="0" smtClean="0"/>
-              <a:t> </a:t>
-            </a:r>
-            <a:r>
-              <a:rPr lang="en-US" sz="1800" dirty="0" err="1" smtClean="0"/>
-              <a:t>möglich</a:t>
-            </a:r>
-            <a:r>
-              <a:rPr lang="en-US" sz="1800" dirty="0" smtClean="0"/>
-              <a:t>, </a:t>
-            </a:r>
-            <a:r>
-              <a:rPr lang="en-US" sz="1800" dirty="0" err="1" smtClean="0"/>
-              <a:t>weshalb</a:t>
-            </a:r>
-            <a:r>
-              <a:rPr lang="en-US" sz="1800" dirty="0" smtClean="0"/>
-              <a:t> </a:t>
-            </a:r>
-            <a:r>
-              <a:rPr lang="en-US" sz="1800" dirty="0" err="1" smtClean="0"/>
-              <a:t>sie</a:t>
-            </a:r>
-            <a:r>
-              <a:rPr lang="en-US" sz="1800" dirty="0" smtClean="0"/>
-              <a:t> </a:t>
-            </a:r>
-            <a:r>
-              <a:rPr lang="en-US" sz="1800" dirty="0" err="1" smtClean="0"/>
-              <a:t>sich</a:t>
-            </a:r>
-            <a:r>
-              <a:rPr lang="en-US" sz="1800" dirty="0" smtClean="0"/>
-              <a:t> </a:t>
-            </a:r>
-            <a:r>
-              <a:rPr lang="en-US" sz="1800" dirty="0" err="1" smtClean="0"/>
-              <a:t>vor</a:t>
-            </a:r>
-            <a:r>
-              <a:rPr lang="en-US" sz="1800" dirty="0" smtClean="0"/>
-              <a:t> </a:t>
-            </a:r>
-            <a:r>
-              <a:rPr lang="en-US" sz="1800" dirty="0" err="1" smtClean="0"/>
-              <a:t>kurzen</a:t>
-            </a:r>
-            <a:r>
-              <a:rPr lang="en-US" sz="1800" dirty="0" smtClean="0"/>
-              <a:t> </a:t>
-            </a:r>
-            <a:r>
-              <a:rPr lang="en-US" sz="1800" dirty="0" err="1" smtClean="0"/>
-              <a:t>erst</a:t>
+              <a:t>kurzem</a:t>
             </a:r>
             <a:r>
               <a:rPr lang="en-US" sz="1800" dirty="0" smtClean="0"/>
@@ -4356,54 +4268,6 @@
             </a:r>
             <a:r>
               <a:rPr lang="en-US" sz="1800" dirty="0" smtClean="0"/>
-              <a:t> hat, </a:t>
-            </a:r>
-            <a:r>
-              <a:rPr lang="en-US" sz="1800" dirty="0" err="1" smtClean="0"/>
-              <a:t>aus</a:t>
-            </a:r>
-            <a:r>
-              <a:rPr lang="en-US" sz="1800" dirty="0" smtClean="0"/>
-              <a:t> Angst </a:t>
-            </a:r>
-            <a:r>
-              <a:rPr lang="en-US" sz="1800" dirty="0" err="1" smtClean="0"/>
-              <a:t>sie</a:t>
-            </a:r>
-            <a:r>
-              <a:rPr lang="en-US" sz="1800" dirty="0" smtClean="0"/>
-              <a:t> </a:t>
-            </a:r>
-            <a:r>
-              <a:rPr lang="en-US" sz="1800" dirty="0" err="1" smtClean="0"/>
-              <a:t>vergesse</a:t>
-            </a:r>
-            <a:r>
-              <a:rPr lang="en-US" sz="1800" dirty="0" smtClean="0"/>
-              <a:t> </a:t>
-            </a:r>
-            <a:r>
-              <a:rPr lang="en-US" sz="1800" dirty="0" err="1" smtClean="0"/>
-              <a:t>es</a:t>
-            </a:r>
-            <a:r>
-              <a:rPr lang="en-US" sz="1800" dirty="0" smtClean="0"/>
-              <a:t> </a:t>
-            </a:r>
-            <a:r>
-              <a:rPr lang="en-US" sz="1800" dirty="0" err="1" smtClean="0"/>
-              <a:t>doch</a:t>
-            </a:r>
-            <a:r>
-              <a:rPr lang="en-US" sz="1800" dirty="0" smtClean="0"/>
-              <a:t> </a:t>
-            </a:r>
-            <a:r>
-              <a:rPr lang="en-US" sz="1800" dirty="0" err="1" smtClean="0"/>
-              <a:t>einmal</a:t>
-            </a:r>
-            <a:r>
-              <a:rPr lang="en-US" sz="1800" dirty="0"/>
               <a:t>.</a:t>
             </a:r>
             <a:endParaRPr lang="en-US" sz="1400" dirty="0"/>
@@ -4546,7 +4410,7 @@
             </a:r>
             <a:r>
               <a:rPr lang="de-DE" sz="1500" dirty="0" smtClean="0"/>
-              <a:t>ändern und ihren SMS Service einrichten.</a:t>
+              <a:t>ändern und im Anschluss ihren SMS Service einrichten.</a:t>
             </a:r>
             <a:endParaRPr lang="de-DE" sz="1800" dirty="0"/>
           </a:p>
@@ -4564,7 +4428,7 @@
             <a:pPr lvl="1"/>
             <a:r>
               <a:rPr lang="de-DE" sz="1500" dirty="0" smtClean="0"/>
-              <a:t>Olga hat vor kurzem Ihr Passwort vergessen, kann sich jedoch nicht mehr daran erinnern. Weshalb sie den vor kurzen eingerichteten SMS Service in Anspruch nimmt um ihr Passwort zurück zu setzen. </a:t>
+              <a:t>Olga hat Ihr Passwort vergessen, weshalb sie den eingerichteten SMS Service in Anspruch nimmt um ihr Passwort zurückzusetzen.</a:t>
             </a:r>
           </a:p>
           <a:p>
@@ -4577,7 +4441,7 @@
             <a:pPr lvl="1"/>
             <a:r>
               <a:rPr lang="de-DE" sz="1500" dirty="0" smtClean="0"/>
-              <a:t>Um sich nicht jedes mal an das Passwort erinnern zu müssen beschließt Olga ihr E-Mail Konto mit Outlook zu verbinden und informiert sich hierfür auf der RZ Seite, wie dies funktioniert.</a:t>
+              <a:t>Um sich nicht jedes mal an das Passwort erinnern zu müssen beschließt Olga ihr E-Mail Konto mit Outlook zu verbinden und informiert sich hierfür auf der RZ Seite.</a:t>
             </a:r>
             <a:endParaRPr lang="de-DE" sz="1500" dirty="0"/>
           </a:p>
@@ -4592,13 +4456,8 @@
             <a:pPr lvl="1"/>
             <a:r>
               <a:rPr lang="de-DE" sz="1500" dirty="0" smtClean="0"/>
-              <a:t>Nachdem Olga weiß wie sie das Konto mit Outlook verbindet, bemerkt sie, dass auf ihrem Rechner noch kein Outlook installiert ist, weshalb sie nun nach dem Office Paket sucht und dieses </a:t>
-            </a:r>
-            <a:r>
-              <a:rPr lang="de-DE" sz="1500" dirty="0" smtClean="0"/>
-              <a:t>herunterlädt.</a:t>
-            </a:r>
-            <a:endParaRPr lang="de-DE" sz="1500" dirty="0" smtClean="0"/>
+              <a:t>Nachdem Olga weiß wie sie das Konto mit Outlook verbindet, bemerkt sie, dass auf ihrem Rechner noch kein Outlook installiert ist. Deshalb sucht sie nach ein Downloadoption für das Microsoft Office Paket.</a:t>
+            </a:r>
           </a:p>
           <a:p>
             <a:pPr lvl="1"/>
@@ -4703,17 +4562,17 @@
           <a:lstStyle/>
           <a:p>
             <a:r>
-              <a:rPr lang="de-DE" sz="2800" smtClean="0"/>
+              <a:rPr lang="de-DE" sz="2800" dirty="0" smtClean="0"/>
               <a:t/>
             </a:r>
             <a:br>
-              <a:rPr lang="de-DE" sz="2800" smtClean="0"/>
+              <a:rPr lang="de-DE" sz="2800" dirty="0" smtClean="0"/>
             </a:br>
             <a:r>
-              <a:rPr lang="en-US" sz="2800" b="1" smtClean="0"/>
-              <a:t>Hubert</a:t>
-            </a:r>
-            <a:endParaRPr lang="de-DE" sz="2800"/>
+              <a:rPr lang="en-US" sz="2800" b="1" dirty="0" smtClean="0"/>
+              <a:t>Joachim</a:t>
+            </a:r>
+            <a:endParaRPr lang="de-DE" sz="2800" dirty="0"/>
           </a:p>
         </p:txBody>
       </p:sp>
@@ -4726,14 +4585,14 @@
           <p:nvPr>
             <p:extLst>
               <p:ext uri="{D42A27DB-BD31-4B8C-83A1-F6EECF244321}">
-                <p14:modId xmlns:p14="http://schemas.microsoft.com/office/powerpoint/2010/main" val="2602628368"/>
+                <p14:modId xmlns:p14="http://schemas.microsoft.com/office/powerpoint/2010/main" val="3904162907"/>
               </p:ext>
             </p:extLst>
           </p:nvPr>
         </p:nvGraphicFramePr>
         <p:xfrm>
           <a:off x="3203848" y="1772816"/>
-          <a:ext cx="5472608" cy="4046222"/>
+          <a:ext cx="5472608" cy="4198622"/>
         </p:xfrm>
         <a:graphic>
           <a:graphicData uri="http://schemas.openxmlformats.org/drawingml/2006/table">
@@ -5007,7 +4866,7 @@
                           <a:effectLst/>
                           <a:latin typeface="Arial" charset="0"/>
                         </a:rPr>
-                        <a:t>Literaturwissenschaft</a:t>
+                        <a:t>Psychologie </a:t>
                       </a:r>
                       <a:r>
                         <a:rPr kumimoji="0" lang="en-US" sz="1000" b="0" i="0" u="none" strike="noStrike" cap="none" normalizeH="0" baseline="0" dirty="0" smtClean="0">
@@ -5203,20 +5062,7 @@
                           <a:effectLst/>
                           <a:latin typeface="Arial" charset="0"/>
                         </a:rPr>
-                        <a:t> </a:t>
-                      </a:r>
-                      <a:r>
-                        <a:rPr kumimoji="0" lang="en-US" sz="1000" b="0" i="0" u="none" strike="noStrike" cap="none" normalizeH="0" baseline="0" dirty="0" smtClean="0">
-                          <a:ln>
-                            <a:noFill/>
-                          </a:ln>
-                          <a:solidFill>
-                            <a:schemeClr val="tx1"/>
-                          </a:solidFill>
-                          <a:effectLst/>
-                          <a:latin typeface="Arial" charset="0"/>
-                        </a:rPr>
-                        <a:t>sein </a:t>
+                        <a:t> sein </a:t>
                       </a:r>
                       <a:r>
                         <a:rPr kumimoji="0" lang="en-US" sz="1000" b="0" i="0" u="none" strike="noStrike" cap="none" normalizeH="0" baseline="0" dirty="0" err="1" smtClean="0">
@@ -5242,7 +5088,7 @@
                           <a:effectLst/>
                           <a:latin typeface="Arial" charset="0"/>
                         </a:rPr>
-                        <a:t> </a:t>
+                        <a:t>, </a:t>
                       </a:r>
                       <a:r>
                         <a:rPr kumimoji="0" lang="en-US" sz="1000" b="0" i="0" u="none" strike="noStrike" cap="none" normalizeH="0" baseline="0" dirty="0" err="1" smtClean="0">
@@ -5429,33 +5275,11 @@
                           <a:effectLst/>
                           <a:latin typeface="Arial" charset="0"/>
                         </a:rPr>
-                        <a:t> </a:t>
-                      </a:r>
-                      <a:r>
-                        <a:rPr kumimoji="0" lang="en-US" sz="1000" b="0" i="0" u="none" strike="noStrike" cap="none" normalizeH="0" baseline="0" dirty="0" smtClean="0">
-                          <a:ln>
-                            <a:noFill/>
-                          </a:ln>
-                          <a:solidFill>
-                            <a:schemeClr val="tx1"/>
-                          </a:solidFill>
-                          <a:effectLst/>
-                          <a:latin typeface="Arial" charset="0"/>
-                        </a:rPr>
-                        <a:t>die </a:t>
-                      </a:r>
-                      <a:r>
-                        <a:rPr kumimoji="0" lang="en-US" sz="1000" b="0" i="0" u="none" strike="noStrike" cap="none" normalizeH="0" baseline="0" dirty="0" err="1" smtClean="0">
-                          <a:ln>
-                            <a:noFill/>
-                          </a:ln>
-                          <a:solidFill>
-                            <a:schemeClr val="tx1"/>
-                          </a:solidFill>
-                          <a:effectLst/>
-                          <a:latin typeface="Arial" charset="0"/>
-                        </a:rPr>
-                        <a:t>Seite</a:t>
+                        <a:t> die </a:t>
+                      </a:r>
+                      <a:r>
+                        <a:rPr lang="en-US" sz="1000" dirty="0" err="1" smtClean="0"/>
+                        <a:t>Rechenzentrumswebseite</a:t>
                       </a:r>
                       <a:r>
                         <a:rPr kumimoji="0" lang="en-US" sz="1000" b="0" i="0" u="none" strike="noStrike" cap="none" normalizeH="0" baseline="0" dirty="0" smtClean="0">
@@ -5803,7 +5627,7 @@
                           <a:effectLst/>
                           <a:latin typeface="Arial" charset="0"/>
                         </a:rPr>
-                        <a:t>Sachen</a:t>
+                        <a:t>Problemen</a:t>
                       </a:r>
                       <a:r>
                         <a:rPr kumimoji="0" lang="en-US" sz="1000" b="0" i="0" u="none" strike="noStrike" cap="none" normalizeH="0" baseline="0" dirty="0" smtClean="0">
@@ -6237,32 +6061,6 @@
                           <a:effectLst/>
                           <a:latin typeface="Arial" charset="0"/>
                         </a:rPr>
-                        <a:t> </a:t>
-                      </a:r>
-                      <a:r>
-                        <a:rPr kumimoji="0" lang="en-US" sz="1000" b="0" i="0" u="none" strike="noStrike" cap="none" normalizeH="0" baseline="0" dirty="0" err="1" smtClean="0">
-                          <a:ln>
-                            <a:noFill/>
-                          </a:ln>
-                          <a:solidFill>
-                            <a:schemeClr val="tx1"/>
-                          </a:solidFill>
-                          <a:effectLst/>
-                          <a:latin typeface="Arial" charset="0"/>
-                        </a:rPr>
-                        <a:t>soweit</a:t>
-                      </a:r>
-                      <a:r>
-                        <a:rPr kumimoji="0" lang="en-US" sz="1000" b="0" i="0" u="none" strike="noStrike" cap="none" normalizeH="0" baseline="0" dirty="0" smtClean="0">
-                          <a:ln>
-                            <a:noFill/>
-                          </a:ln>
-                          <a:solidFill>
-                            <a:schemeClr val="tx1"/>
-                          </a:solidFill>
-                          <a:effectLst/>
-                          <a:latin typeface="Arial" charset="0"/>
-                        </a:rPr>
                         <a:t> gut </a:t>
                       </a:r>
                       <a:r>
@@ -6289,187 +6087,8 @@
                           <a:effectLst/>
                           <a:latin typeface="Arial" charset="0"/>
                         </a:rPr>
-                        <a:t> und </a:t>
-                      </a:r>
-                      <a:r>
-                        <a:rPr kumimoji="0" lang="en-US" sz="1000" b="0" i="0" u="none" strike="noStrike" cap="none" normalizeH="0" baseline="0" dirty="0" err="1" smtClean="0">
-                          <a:ln>
-                            <a:noFill/>
-                          </a:ln>
-                          <a:solidFill>
-                            <a:schemeClr val="tx1"/>
-                          </a:solidFill>
-                          <a:effectLst/>
-                          <a:latin typeface="Arial" charset="0"/>
-                        </a:rPr>
-                        <a:t>hofft</a:t>
-                      </a:r>
-                      <a:r>
-                        <a:rPr kumimoji="0" lang="en-US" sz="1000" b="0" i="0" u="none" strike="noStrike" cap="none" normalizeH="0" baseline="0" dirty="0" smtClean="0">
-                          <a:ln>
-                            <a:noFill/>
-                          </a:ln>
-                          <a:solidFill>
-                            <a:schemeClr val="tx1"/>
-                          </a:solidFill>
-                          <a:effectLst/>
-                          <a:latin typeface="Arial" charset="0"/>
-                        </a:rPr>
-                        <a:t>, </a:t>
-                      </a:r>
-                      <a:r>
-                        <a:rPr kumimoji="0" lang="en-US" sz="1000" b="0" i="0" u="none" strike="noStrike" cap="none" normalizeH="0" baseline="0" dirty="0" err="1" smtClean="0">
-                          <a:ln>
-                            <a:noFill/>
-                          </a:ln>
-                          <a:solidFill>
-                            <a:schemeClr val="tx1"/>
-                          </a:solidFill>
-                          <a:effectLst/>
-                          <a:latin typeface="Arial" charset="0"/>
-                        </a:rPr>
-                        <a:t>dass</a:t>
-                      </a:r>
-                      <a:r>
-                        <a:rPr kumimoji="0" lang="en-US" sz="1000" b="0" i="0" u="none" strike="noStrike" cap="none" normalizeH="0" baseline="0" dirty="0" smtClean="0">
-                          <a:ln>
-                            <a:noFill/>
-                          </a:ln>
-                          <a:solidFill>
-                            <a:schemeClr val="tx1"/>
-                          </a:solidFill>
-                          <a:effectLst/>
-                          <a:latin typeface="Arial" charset="0"/>
-                        </a:rPr>
-                        <a:t> der </a:t>
-                      </a:r>
-                      <a:r>
-                        <a:rPr kumimoji="0" lang="en-US" sz="1000" b="0" i="0" u="none" strike="noStrike" cap="none" normalizeH="0" baseline="0" dirty="0" err="1" smtClean="0">
-                          <a:ln>
-                            <a:noFill/>
-                          </a:ln>
-                          <a:solidFill>
-                            <a:schemeClr val="tx1"/>
-                          </a:solidFill>
-                          <a:effectLst/>
-                          <a:latin typeface="Arial" charset="0"/>
-                        </a:rPr>
-                        <a:t>neue</a:t>
-                      </a:r>
-                      <a:r>
-                        <a:rPr kumimoji="0" lang="en-US" sz="1000" b="0" i="0" u="none" strike="noStrike" cap="none" normalizeH="0" baseline="0" dirty="0" smtClean="0">
-                          <a:ln>
-                            <a:noFill/>
-                          </a:ln>
-                          <a:solidFill>
-                            <a:schemeClr val="tx1"/>
-                          </a:solidFill>
-                          <a:effectLst/>
-                          <a:latin typeface="Arial" charset="0"/>
-                        </a:rPr>
-                        <a:t> </a:t>
-                      </a:r>
-                      <a:r>
-                        <a:rPr kumimoji="0" lang="en-US" sz="1000" b="0" i="0" u="none" strike="noStrike" cap="none" normalizeH="0" baseline="0" dirty="0" err="1" smtClean="0">
-                          <a:ln>
-                            <a:noFill/>
-                          </a:ln>
-                          <a:solidFill>
-                            <a:schemeClr val="tx1"/>
-                          </a:solidFill>
-                          <a:effectLst/>
-                          <a:latin typeface="Arial" charset="0"/>
-                        </a:rPr>
-                        <a:t>Aufbau</a:t>
-                      </a:r>
-                      <a:r>
-                        <a:rPr kumimoji="0" lang="en-US" sz="1000" b="0" i="0" u="none" strike="noStrike" cap="none" normalizeH="0" baseline="0" dirty="0" smtClean="0">
-                          <a:ln>
-                            <a:noFill/>
-                          </a:ln>
-                          <a:solidFill>
-                            <a:schemeClr val="tx1"/>
-                          </a:solidFill>
-                          <a:effectLst/>
-                          <a:latin typeface="Arial" charset="0"/>
-                        </a:rPr>
-                        <a:t> </a:t>
-                      </a:r>
-                      <a:r>
-                        <a:rPr kumimoji="0" lang="en-US" sz="1000" b="0" i="0" u="none" strike="noStrike" cap="none" normalizeH="0" baseline="0" dirty="0" err="1" smtClean="0">
-                          <a:ln>
-                            <a:noFill/>
-                          </a:ln>
-                          <a:solidFill>
-                            <a:schemeClr val="tx1"/>
-                          </a:solidFill>
-                          <a:effectLst/>
-                          <a:latin typeface="Arial" charset="0"/>
-                        </a:rPr>
-                        <a:t>nicht</a:t>
-                      </a:r>
-                      <a:r>
-                        <a:rPr kumimoji="0" lang="en-US" sz="1000" b="0" i="0" u="none" strike="noStrike" cap="none" normalizeH="0" baseline="0" dirty="0" smtClean="0">
-                          <a:ln>
-                            <a:noFill/>
-                          </a:ln>
-                          <a:solidFill>
-                            <a:schemeClr val="tx1"/>
-                          </a:solidFill>
-                          <a:effectLst/>
-                          <a:latin typeface="Arial" charset="0"/>
-                        </a:rPr>
-                        <a:t> </a:t>
-                      </a:r>
-                      <a:r>
-                        <a:rPr kumimoji="0" lang="en-US" sz="1000" b="0" i="0" u="none" strike="noStrike" cap="none" normalizeH="0" baseline="0" dirty="0" err="1" smtClean="0">
-                          <a:ln>
-                            <a:noFill/>
-                          </a:ln>
-                          <a:solidFill>
-                            <a:schemeClr val="tx1"/>
-                          </a:solidFill>
-                          <a:effectLst/>
-                          <a:latin typeface="Arial" charset="0"/>
-                        </a:rPr>
-                        <a:t>schlechter</a:t>
-                      </a:r>
-                      <a:r>
-                        <a:rPr kumimoji="0" lang="en-US" sz="1000" b="0" i="0" u="none" strike="noStrike" cap="none" normalizeH="0" baseline="0" dirty="0" smtClean="0">
-                          <a:ln>
-                            <a:noFill/>
-                          </a:ln>
-                          <a:solidFill>
-                            <a:schemeClr val="tx1"/>
-                          </a:solidFill>
-                          <a:effectLst/>
-                          <a:latin typeface="Arial" charset="0"/>
-                        </a:rPr>
-                        <a:t> </a:t>
-                      </a:r>
-                      <a:r>
-                        <a:rPr kumimoji="0" lang="en-US" sz="1000" b="0" i="0" u="none" strike="noStrike" cap="none" normalizeH="0" baseline="0" dirty="0" err="1" smtClean="0">
-                          <a:ln>
-                            <a:noFill/>
-                          </a:ln>
-                          <a:solidFill>
-                            <a:schemeClr val="tx1"/>
-                          </a:solidFill>
-                          <a:effectLst/>
-                          <a:latin typeface="Arial" charset="0"/>
-                        </a:rPr>
-                        <a:t>ist</a:t>
-                      </a:r>
-                      <a:endParaRPr kumimoji="0" lang="en-US" sz="1000" b="0" i="0" u="none" strike="noStrike" cap="none" normalizeH="0" baseline="0" dirty="0" smtClean="0">
-                        <a:ln>
-                          <a:noFill/>
-                        </a:ln>
-                        <a:solidFill>
-                          <a:schemeClr val="tx1"/>
-                        </a:solidFill>
-                        <a:effectLst/>
-                        <a:latin typeface="Arial" charset="0"/>
-                      </a:endParaRPr>
+                        <a:t> </a:t>
+                      </a:r>
                     </a:p>
                     <a:p>
                       <a:pPr marL="0" marR="0" lvl="0" indent="0" algn="l" defTabSz="914400" rtl="0" eaLnBrk="1" fontAlgn="base" latinLnBrk="0" hangingPunct="1">
@@ -6515,32 +6134,6 @@
                           <a:latin typeface="Arial" charset="0"/>
                         </a:rPr>
                         <a:t>Ist</a:t>
-                      </a:r>
-                      <a:r>
-                        <a:rPr kumimoji="0" lang="en-US" sz="1000" b="0" i="0" u="none" strike="noStrike" cap="none" normalizeH="0" baseline="0" dirty="0" smtClean="0">
-                          <a:ln>
-                            <a:noFill/>
-                          </a:ln>
-                          <a:solidFill>
-                            <a:schemeClr val="tx1"/>
-                          </a:solidFill>
-                          <a:effectLst/>
-                          <a:latin typeface="Arial" charset="0"/>
-                        </a:rPr>
-                        <a:t> </a:t>
-                      </a:r>
-                      <a:r>
-                        <a:rPr kumimoji="0" lang="en-US" sz="1000" b="0" i="0" u="none" strike="noStrike" cap="none" normalizeH="0" baseline="0" dirty="0" err="1" smtClean="0">
-                          <a:ln>
-                            <a:noFill/>
-                          </a:ln>
-                          <a:solidFill>
-                            <a:schemeClr val="tx1"/>
-                          </a:solidFill>
-                          <a:effectLst/>
-                          <a:latin typeface="Arial" charset="0"/>
-                        </a:rPr>
-                        <a:t>jedoch</a:t>
                       </a:r>
                       <a:r>
                         <a:rPr kumimoji="0" lang="en-US" sz="1000" b="0" i="0" u="none" strike="noStrike" cap="none" normalizeH="0" baseline="0" dirty="0" smtClean="0">
@@ -7254,7 +6847,7 @@
           <a:p>
             <a:r>
               <a:rPr lang="de-DE" dirty="0" smtClean="0"/>
-              <a:t>Hubert</a:t>
+              <a:t>Joachim</a:t>
             </a:r>
             <a:endParaRPr lang="de-DE" dirty="0"/>
           </a:p>
@@ -7284,34 +6877,41 @@
           <a:p>
             <a:r>
               <a:rPr lang="de-DE" sz="1800" dirty="0" smtClean="0"/>
-              <a:t>Hubert </a:t>
+              <a:t>Joachim ist 48 Jahre alt und Professor der Psychologie an der Universität Regensburg. Ein Kind von ihm studiert noch an der Universität Chemie. Seine restlichen drei Kinder haben bereits fertig studiert und arbeiten in der Wirtschaft. Bei technischen Fragen zu Hause wird eines der Kinder herangezogen. Auch bei Problemen in der Uni mit Software oder Hardware bezieht </a:t>
+            </a:r>
+            <a:r>
+              <a:rPr lang="de-DE" sz="1800" dirty="0"/>
+              <a:t>Joachim erst </a:t>
             </a:r>
             <a:r>
               <a:rPr lang="de-DE" sz="1800" dirty="0" smtClean="0"/>
-              <a:t>ist 48 Jahre alt und Professor der Literaturwissenschaft an der Universität Regensburg. Seine Frau arbeitet ebenfalls an der Universität als Chemie Professorin. Ein Kind von ihm studiert noch an der Universität Chemie. Seine restlichen drei Kinder haben bereits fertig studiert und arbeiten in der Wirtschaft. Bei technischen Fragen zu Hause wird bei fragen immer eines der Kinder herangezogen. Auch bei Problemen in der Uni mit Software oder Hardware bezieht Hubert erst seine Kinder mit ein bevor er den Support kontaktiert.</a:t>
+              <a:t>seine Kinder mit ein, bevor er den Support kontaktiert.</a:t>
             </a:r>
           </a:p>
           <a:p>
             <a:r>
               <a:rPr lang="de-DE" sz="1800" dirty="0" smtClean="0"/>
-              <a:t>Informationen zu seinen Fragen und Problemen hat Hubert meist auch der Rechenzentrum Seite gefunden, jedoch ist der Weg dorthin für ihn meist sehr beschwerlich, wenn er nicht genau weiß wo er suchen muss.</a:t>
+              <a:t>Antworten auf seine Fragen hat Joachim meist auf der Rechenzentrumswebseite gefunden. Der Weg dorthin bereitete ihm stellenweiße Probleme und war zeitaufwändig.</a:t>
             </a:r>
           </a:p>
           <a:p>
             <a:r>
               <a:rPr lang="de-DE" sz="1800" dirty="0" smtClean="0"/>
-              <a:t>Hubert arbeitet außerdem ein bis zwei mal pro Woche von zu Hause aus, je nachdem welche Termine er in der Universität wahrnehmen </a:t>
-            </a:r>
+              <a:t>Abhängig von seinen Terminen arbeitet Joachim ein- bis zweimal pro Woche von zu Hause aus.</a:t>
+            </a:r>
+          </a:p>
+          <a:p>
             <a:r>
               <a:rPr lang="de-DE" sz="1800" dirty="0" smtClean="0"/>
-              <a:t>muss.</a:t>
-            </a:r>
-            <a:endParaRPr lang="de-DE" sz="1800" dirty="0" smtClean="0"/>
-          </a:p>
-          <a:p>
+              <a:t>Interessiert ist </a:t>
+            </a:r>
+            <a:r>
+              <a:rPr lang="de-DE" sz="1800" dirty="0"/>
+              <a:t>Joachim </a:t>
+            </a:r>
             <a:r>
               <a:rPr lang="de-DE" sz="1800" dirty="0" smtClean="0"/>
-              <a:t>Interessiert ist Hubert vor allem am Softwareangebot. </a:t>
+              <a:t>vor allem am Softwareangebot. </a:t>
             </a:r>
             <a:endParaRPr lang="en-US" sz="1400" dirty="0"/>
           </a:p>
@@ -7405,7 +7005,7 @@
           <a:p>
             <a:r>
               <a:rPr lang="de-DE" dirty="0" smtClean="0"/>
-              <a:t>Hubert</a:t>
+              <a:t>Joachim</a:t>
             </a:r>
             <a:endParaRPr lang="de-DE" dirty="0"/>
           </a:p>
@@ -7437,7 +7037,15 @@
             <a:pPr lvl="1"/>
             <a:r>
               <a:rPr lang="de-DE" sz="1500" dirty="0" smtClean="0"/>
-              <a:t>Hubert ist heute zu Hause und möchte sich ein Programm herunterladen. Jedoch geht dies nicht ohne VPN. Deswegen informiert sich Hubert wie dies funktioniert und richtet sich seinen VPN Zugang ein.</a:t>
+              <a:t>Joachim ist heute zu Hause und möchte sich ein Programm herunterladen. Jedoch geht dies nicht ohne VPN. Deswegen informiert sich </a:t>
+            </a:r>
+            <a:r>
+              <a:rPr lang="de-DE" sz="1500" dirty="0"/>
+              <a:t>Joachim </a:t>
+            </a:r>
+            <a:r>
+              <a:rPr lang="de-DE" sz="1500" dirty="0" smtClean="0"/>
+              <a:t>über die Einrichtung eines VPN Zugangs.</a:t>
             </a:r>
             <a:endParaRPr lang="de-DE" sz="1800" dirty="0" smtClean="0"/>
           </a:p>
@@ -7451,7 +7059,15 @@
             <a:pPr lvl="1"/>
             <a:r>
               <a:rPr lang="de-DE" sz="1500" dirty="0" smtClean="0"/>
-              <a:t>Anschließend macht Hubert auch die Suche nach dem Statistik Programm SPSS und prüft zunächst ob die Angebotene Version mit seinem Rechner kompatibel ist. </a:t>
+              <a:t>Anschließend macht sich </a:t>
+            </a:r>
+            <a:r>
+              <a:rPr lang="de-DE" sz="1500" dirty="0"/>
+              <a:t>Joachim </a:t>
+            </a:r>
+            <a:r>
+              <a:rPr lang="de-DE" sz="1500" dirty="0" smtClean="0"/>
+              <a:t>auf die Suche nach dem Programm SPSS und prüft zunächst ob die angebotene Version mit seinem Rechner kompatibel ist. </a:t>
             </a:r>
             <a:endParaRPr lang="de-DE" sz="1500" dirty="0"/>
           </a:p>
@@ -7465,7 +7081,15 @@
             <a:pPr lvl="1"/>
             <a:r>
               <a:rPr lang="de-DE" sz="1500" dirty="0" smtClean="0"/>
-              <a:t>Da Hubert dieses Semester zum ersten mal seine eigenen Vorlesungen aufzeichnen lassen will, informiert er sich, welche Qualität diese Videos haben werden.</a:t>
+              <a:t>Da </a:t>
+            </a:r>
+            <a:r>
+              <a:rPr lang="de-DE" sz="1500" dirty="0"/>
+              <a:t>Joachim </a:t>
+            </a:r>
+            <a:r>
+              <a:rPr lang="de-DE" sz="1500" dirty="0" smtClean="0"/>
+              <a:t>dieses Semester zum ersten Mal seine eigenen Vorlesungen aufzeichnen lassen will, informiert er sich über Qualität dieser Videos.</a:t>
             </a:r>
           </a:p>
           <a:p>
@@ -7477,17 +7101,13 @@
           <a:p>
             <a:pPr lvl="1"/>
             <a:r>
+              <a:rPr lang="de-DE" sz="1500" dirty="0"/>
+              <a:t>Joachim </a:t>
+            </a:r>
+            <a:r>
               <a:rPr lang="de-DE" sz="1500" dirty="0" smtClean="0"/>
-              <a:t>Hubert ist mit der Videos zufrieden und beschließt sich nun weiter damit Vertraut zu machen, welche Schritte unternommen werden müssen um seine Vorlesung aufzeichnen zu </a:t>
-            </a:r>
-            <a:r>
-              <a:rPr lang="de-DE" sz="1500" dirty="0" smtClean="0"/>
-              <a:t>lassen.</a:t>
-            </a:r>
-            <a:endParaRPr lang="de-DE" sz="1500" dirty="0"/>
-          </a:p>
-          <a:p>
-            <a:pPr lvl="1"/>
+              <a:t>ist mit der Qualität der Videos zufrieden und beschließt nun sich weiter mit dieser Thematik vertraut zu machen. Anschließend kontaktiert er die Zuständige Person für die Aufzeichnungen. </a:t>
+            </a:r>
             <a:endParaRPr lang="de-DE" sz="700" dirty="0"/>
           </a:p>
           <a:p>
@@ -7608,14 +7228,14 @@
           <p:nvPr>
             <p:extLst>
               <p:ext uri="{D42A27DB-BD31-4B8C-83A1-F6EECF244321}">
-                <p14:modId xmlns:p14="http://schemas.microsoft.com/office/powerpoint/2010/main" val="3397424421"/>
+                <p14:modId xmlns:p14="http://schemas.microsoft.com/office/powerpoint/2010/main" val="3576766471"/>
               </p:ext>
             </p:extLst>
           </p:nvPr>
         </p:nvGraphicFramePr>
         <p:xfrm>
           <a:off x="3203848" y="1772816"/>
-          <a:ext cx="5472608" cy="3940399"/>
+          <a:ext cx="5472608" cy="3985262"/>
         </p:xfrm>
         <a:graphic>
           <a:graphicData uri="http://schemas.openxmlformats.org/drawingml/2006/table">
@@ -8386,7 +8006,33 @@
                           <a:effectLst/>
                           <a:latin typeface="Arial" charset="0"/>
                         </a:rPr>
-                        <a:t> </a:t>
+                        <a:t> den Support </a:t>
+                      </a:r>
+                      <a:r>
+                        <a:rPr kumimoji="0" lang="en-US" sz="1000" b="0" i="0" u="none" strike="noStrike" cap="none" normalizeH="0" baseline="0" dirty="0" err="1" smtClean="0">
+                          <a:ln>
+                            <a:noFill/>
+                          </a:ln>
+                          <a:solidFill>
+                            <a:schemeClr val="tx1"/>
+                          </a:solidFill>
+                          <a:effectLst/>
+                          <a:latin typeface="Arial" charset="0"/>
+                        </a:rPr>
+                        <a:t>erledigen</a:t>
+                      </a:r>
+                      <a:r>
+                        <a:rPr kumimoji="0" lang="en-US" sz="1000" b="0" i="0" u="none" strike="noStrike" cap="none" normalizeH="0" baseline="0" dirty="0" smtClean="0">
+                          <a:ln>
+                            <a:noFill/>
+                          </a:ln>
+                          <a:solidFill>
+                            <a:schemeClr val="tx1"/>
+                          </a:solidFill>
+                          <a:effectLst/>
+                          <a:latin typeface="Arial" charset="0"/>
+                        </a:rPr>
+                        <a:t>, </a:t>
                       </a:r>
                       <a:r>
                         <a:rPr kumimoji="0" lang="en-US" sz="1000" b="0" i="0" u="none" strike="noStrike" cap="none" normalizeH="0" baseline="0" dirty="0" err="1" smtClean="0">
@@ -8490,31 +8136,34 @@
                           <a:effectLst/>
                           <a:latin typeface="Arial" charset="0"/>
                         </a:rPr>
-                        <a:t> warden den Support </a:t>
-                      </a:r>
-                      <a:r>
-                        <a:rPr kumimoji="0" lang="en-US" sz="1000" b="0" i="0" u="none" strike="noStrike" cap="none" normalizeH="0" baseline="0" dirty="0" err="1" smtClean="0">
-                          <a:ln>
-                            <a:noFill/>
-                          </a:ln>
-                          <a:solidFill>
-                            <a:schemeClr val="tx1"/>
-                          </a:solidFill>
-                          <a:effectLst/>
-                          <a:latin typeface="Arial" charset="0"/>
-                        </a:rPr>
-                        <a:t>erledigen</a:t>
-                      </a:r>
-                      <a:endParaRPr kumimoji="0" lang="en-US" sz="1000" b="0" i="0" u="none" strike="noStrike" cap="none" normalizeH="0" baseline="0" dirty="0" smtClean="0">
-                        <a:ln>
-                          <a:noFill/>
-                        </a:ln>
-                        <a:solidFill>
-                          <a:schemeClr val="tx1"/>
-                        </a:solidFill>
-                        <a:effectLst/>
-                        <a:latin typeface="Arial" charset="0"/>
-                      </a:endParaRPr>
+                        <a:t> </a:t>
+                      </a:r>
+                      <a:r>
+                        <a:rPr kumimoji="0" lang="en-US" sz="1000" b="0" i="0" u="none" strike="noStrike" cap="none" normalizeH="0" baseline="0" dirty="0" err="1" smtClean="0">
+                          <a:ln>
+                            <a:noFill/>
+                          </a:ln>
+                          <a:solidFill>
+                            <a:schemeClr val="tx1"/>
+                          </a:solidFill>
+                          <a:effectLst/>
+                          <a:latin typeface="Arial" charset="0"/>
+                        </a:rPr>
+                        <a:t>werden</a:t>
+                      </a:r>
+                      <a:r>
+                        <a:rPr kumimoji="0" lang="en-US" sz="1000" b="0" i="0" u="none" strike="noStrike" cap="none" normalizeH="0" baseline="0" dirty="0" smtClean="0">
+                          <a:ln>
+                            <a:noFill/>
+                          </a:ln>
+                          <a:solidFill>
+                            <a:schemeClr val="tx1"/>
+                          </a:solidFill>
+                          <a:effectLst/>
+                          <a:latin typeface="Arial" charset="0"/>
+                        </a:rPr>
+                        <a:t> </a:t>
+                      </a:r>
                     </a:p>
                     <a:p>
                       <a:pPr marL="0" marR="0" lvl="0" indent="0" algn="l" defTabSz="914400" rtl="0" eaLnBrk="1" fontAlgn="base" latinLnBrk="0" hangingPunct="1">
@@ -8651,7 +8300,33 @@
                           <a:effectLst/>
                           <a:latin typeface="Arial" charset="0"/>
                         </a:rPr>
-                        <a:t> Mensch und mag </a:t>
+                        <a:t> Mensch und </a:t>
+                      </a:r>
+                      <a:r>
+                        <a:rPr kumimoji="0" lang="en-US" sz="1000" b="0" i="0" u="none" strike="noStrike" cap="none" normalizeH="0" baseline="0" dirty="0" err="1" smtClean="0">
+                          <a:ln>
+                            <a:noFill/>
+                          </a:ln>
+                          <a:solidFill>
+                            <a:schemeClr val="tx1"/>
+                          </a:solidFill>
+                          <a:effectLst/>
+                          <a:latin typeface="Arial" charset="0"/>
+                        </a:rPr>
+                        <a:t>bevorzugt</a:t>
+                      </a:r>
+                      <a:r>
+                        <a:rPr kumimoji="0" lang="en-US" sz="1000" b="0" i="0" u="none" strike="noStrike" cap="none" normalizeH="0" baseline="0" dirty="0" smtClean="0">
+                          <a:ln>
+                            <a:noFill/>
+                          </a:ln>
+                          <a:solidFill>
+                            <a:schemeClr val="tx1"/>
+                          </a:solidFill>
+                          <a:effectLst/>
+                          <a:latin typeface="Arial" charset="0"/>
+                        </a:rPr>
+                        <a:t> </a:t>
                       </a:r>
                       <a:r>
                         <a:rPr kumimoji="0" lang="en-US" sz="1000" b="0" i="0" u="none" strike="noStrike" cap="none" normalizeH="0" baseline="0" dirty="0" err="1" smtClean="0">
@@ -8690,33 +8365,33 @@
                           <a:effectLst/>
                           <a:latin typeface="Arial" charset="0"/>
                         </a:rPr>
-                        <a:t>auch</a:t>
-                      </a:r>
-                      <a:r>
-                        <a:rPr kumimoji="0" lang="en-US" sz="1000" b="0" i="0" u="none" strike="noStrike" cap="none" normalizeH="0" baseline="0" dirty="0" smtClean="0">
-                          <a:ln>
-                            <a:noFill/>
-                          </a:ln>
-                          <a:solidFill>
-                            <a:schemeClr val="tx1"/>
-                          </a:solidFill>
-                          <a:effectLst/>
-                          <a:latin typeface="Arial" charset="0"/>
-                        </a:rPr>
-                        <a:t> </a:t>
-                      </a:r>
-                      <a:r>
-                        <a:rPr kumimoji="0" lang="en-US" sz="1000" b="0" i="0" u="none" strike="noStrike" cap="none" normalizeH="0" baseline="0" dirty="0" err="1" smtClean="0">
-                          <a:ln>
-                            <a:noFill/>
-                          </a:ln>
-                          <a:solidFill>
-                            <a:schemeClr val="tx1"/>
-                          </a:solidFill>
-                          <a:effectLst/>
-                          <a:latin typeface="Arial" charset="0"/>
-                        </a:rPr>
-                        <a:t>aufgeräumte</a:t>
+                        <a:t>klare</a:t>
+                      </a:r>
+                      <a:r>
+                        <a:rPr kumimoji="0" lang="en-US" sz="1000" b="0" i="0" u="none" strike="noStrike" cap="none" normalizeH="0" baseline="0" dirty="0" smtClean="0">
+                          <a:ln>
+                            <a:noFill/>
+                          </a:ln>
+                          <a:solidFill>
+                            <a:schemeClr val="tx1"/>
+                          </a:solidFill>
+                          <a:effectLst/>
+                          <a:latin typeface="Arial" charset="0"/>
+                        </a:rPr>
+                        <a:t> und </a:t>
+                      </a:r>
+                      <a:r>
+                        <a:rPr kumimoji="0" lang="en-US" sz="1000" b="0" i="0" u="none" strike="noStrike" cap="none" normalizeH="0" baseline="0" dirty="0" err="1" smtClean="0">
+                          <a:ln>
+                            <a:noFill/>
+                          </a:ln>
+                          <a:solidFill>
+                            <a:schemeClr val="tx1"/>
+                          </a:solidFill>
+                          <a:effectLst/>
+                          <a:latin typeface="Arial" charset="0"/>
+                        </a:rPr>
+                        <a:t>eindeutige</a:t>
                       </a:r>
                       <a:r>
                         <a:rPr kumimoji="0" lang="en-US" sz="1000" b="0" i="0" u="none" strike="noStrike" cap="none" normalizeH="0" baseline="0" dirty="0" smtClean="0">
@@ -9002,6 +8677,58 @@
                           <a:effectLst/>
                           <a:latin typeface="Arial" charset="0"/>
                         </a:rPr>
+                        <a:t>ein</a:t>
+                      </a:r>
+                      <a:r>
+                        <a:rPr kumimoji="0" lang="en-US" sz="1000" b="0" i="0" u="none" strike="noStrike" cap="none" normalizeH="0" baseline="0" dirty="0" smtClean="0">
+                          <a:ln>
+                            <a:noFill/>
+                          </a:ln>
+                          <a:solidFill>
+                            <a:schemeClr val="tx1"/>
+                          </a:solidFill>
+                          <a:effectLst/>
+                          <a:latin typeface="Arial" charset="0"/>
+                        </a:rPr>
+                        <a:t> </a:t>
+                      </a:r>
+                      <a:r>
+                        <a:rPr kumimoji="0" lang="en-US" sz="1000" b="0" i="0" u="none" strike="noStrike" cap="none" normalizeH="0" baseline="0" dirty="0" err="1" smtClean="0">
+                          <a:ln>
+                            <a:noFill/>
+                          </a:ln>
+                          <a:solidFill>
+                            <a:schemeClr val="tx1"/>
+                          </a:solidFill>
+                          <a:effectLst/>
+                          <a:latin typeface="Arial" charset="0"/>
+                        </a:rPr>
+                        <a:t>übersichtliches</a:t>
+                      </a:r>
+                      <a:r>
+                        <a:rPr kumimoji="0" lang="en-US" sz="1000" b="0" i="0" u="none" strike="noStrike" cap="none" normalizeH="0" baseline="0" dirty="0" smtClean="0">
+                          <a:ln>
+                            <a:noFill/>
+                          </a:ln>
+                          <a:solidFill>
+                            <a:schemeClr val="tx1"/>
+                          </a:solidFill>
+                          <a:effectLst/>
+                          <a:latin typeface="Arial" charset="0"/>
+                        </a:rPr>
+                        <a:t> Schema und </a:t>
+                      </a:r>
+                      <a:r>
+                        <a:rPr kumimoji="0" lang="en-US" sz="1000" b="0" i="0" u="none" strike="noStrike" cap="none" normalizeH="0" baseline="0" dirty="0" err="1" smtClean="0">
+                          <a:ln>
+                            <a:noFill/>
+                          </a:ln>
+                          <a:solidFill>
+                            <a:schemeClr val="tx1"/>
+                          </a:solidFill>
+                          <a:effectLst/>
+                          <a:latin typeface="Arial" charset="0"/>
+                        </a:rPr>
                         <a:t>eine</a:t>
                       </a:r>
                       <a:r>
@@ -9054,32 +8781,6 @@
                           <a:effectLst/>
                           <a:latin typeface="Arial" charset="0"/>
                         </a:rPr>
-                        <a:t>Struktur</a:t>
-                      </a:r>
-                      <a:r>
-                        <a:rPr kumimoji="0" lang="en-US" sz="1000" b="0" i="0" u="none" strike="noStrike" cap="none" normalizeH="0" baseline="0" dirty="0" smtClean="0">
-                          <a:ln>
-                            <a:noFill/>
-                          </a:ln>
-                          <a:solidFill>
-                            <a:schemeClr val="tx1"/>
-                          </a:solidFill>
-                          <a:effectLst/>
-                          <a:latin typeface="Arial" charset="0"/>
-                        </a:rPr>
-                        <a:t> und </a:t>
-                      </a:r>
-                      <a:r>
-                        <a:rPr kumimoji="0" lang="en-US" sz="1000" b="0" i="0" u="none" strike="noStrike" cap="none" normalizeH="0" baseline="0" dirty="0" err="1" smtClean="0">
-                          <a:ln>
-                            <a:noFill/>
-                          </a:ln>
-                          <a:solidFill>
-                            <a:schemeClr val="tx1"/>
-                          </a:solidFill>
-                          <a:effectLst/>
-                          <a:latin typeface="Arial" charset="0"/>
-                        </a:rPr>
                         <a:t>Bezeichung</a:t>
                       </a:r>
                       <a:r>
@@ -9132,7 +8833,7 @@
                           <a:effectLst/>
                           <a:latin typeface="Arial" charset="0"/>
                         </a:rPr>
-                        <a:t>ist</a:t>
+                        <a:t>sind</a:t>
                       </a:r>
                       <a:r>
                         <a:rPr kumimoji="0" lang="en-US" sz="1000" b="0" i="0" u="none" strike="noStrike" cap="none" normalizeH="0" baseline="0" dirty="0" smtClean="0">
@@ -9223,103 +8924,73 @@
                           <a:effectLst/>
                           <a:latin typeface="Arial" charset="0"/>
                         </a:rPr>
-                        <a:t> </a:t>
-                      </a:r>
-                      <a:r>
-                        <a:rPr kumimoji="0" lang="en-US" sz="1000" b="0" i="0" u="none" strike="noStrike" cap="none" normalizeH="0" baseline="0" dirty="0" err="1" smtClean="0">
-                          <a:ln>
-                            <a:noFill/>
-                          </a:ln>
-                          <a:solidFill>
-                            <a:schemeClr val="tx1"/>
-                          </a:solidFill>
-                          <a:effectLst/>
-                          <a:latin typeface="Arial" charset="0"/>
-                        </a:rPr>
-                        <a:t>mit</a:t>
-                      </a:r>
-                      <a:r>
-                        <a:rPr kumimoji="0" lang="en-US" sz="1000" b="0" i="0" u="none" strike="noStrike" cap="none" normalizeH="0" baseline="0" dirty="0" smtClean="0">
-                          <a:ln>
-                            <a:noFill/>
-                          </a:ln>
-                          <a:solidFill>
-                            <a:schemeClr val="tx1"/>
-                          </a:solidFill>
-                          <a:effectLst/>
-                          <a:latin typeface="Arial" charset="0"/>
-                        </a:rPr>
-                        <a:t> </a:t>
-                      </a:r>
-                      <a:r>
-                        <a:rPr kumimoji="0" lang="en-US" sz="1000" b="0" i="0" u="none" strike="noStrike" cap="none" normalizeH="0" baseline="0" dirty="0" err="1" smtClean="0">
-                          <a:ln>
-                            <a:noFill/>
-                          </a:ln>
-                          <a:solidFill>
-                            <a:schemeClr val="tx1"/>
-                          </a:solidFill>
-                          <a:effectLst/>
-                          <a:latin typeface="Arial" charset="0"/>
-                        </a:rPr>
-                        <a:t>neuen</a:t>
-                      </a:r>
-                      <a:r>
-                        <a:rPr kumimoji="0" lang="en-US" sz="1000" b="0" i="0" u="none" strike="noStrike" cap="none" normalizeH="0" baseline="0" dirty="0" smtClean="0">
-                          <a:ln>
-                            <a:noFill/>
-                          </a:ln>
-                          <a:solidFill>
-                            <a:schemeClr val="tx1"/>
-                          </a:solidFill>
-                          <a:effectLst/>
-                          <a:latin typeface="Arial" charset="0"/>
-                        </a:rPr>
-                        <a:t> </a:t>
-                      </a:r>
-                      <a:r>
-                        <a:rPr kumimoji="0" lang="en-US" sz="1000" b="0" i="0" u="none" strike="noStrike" cap="none" normalizeH="0" baseline="0" dirty="0" err="1" smtClean="0">
-                          <a:ln>
-                            <a:noFill/>
-                          </a:ln>
-                          <a:solidFill>
-                            <a:schemeClr val="tx1"/>
-                          </a:solidFill>
-                          <a:effectLst/>
-                          <a:latin typeface="Arial" charset="0"/>
-                        </a:rPr>
-                        <a:t>Sachen</a:t>
-                      </a:r>
-                      <a:endParaRPr kumimoji="0" lang="en-US" sz="1000" b="0" i="0" u="none" strike="noStrike" cap="none" normalizeH="0" baseline="0" dirty="0" smtClean="0">
-                        <a:ln>
-                          <a:noFill/>
-                        </a:ln>
-                        <a:solidFill>
-                          <a:schemeClr val="tx1"/>
-                        </a:solidFill>
-                        <a:effectLst/>
-                        <a:latin typeface="Arial" charset="0"/>
-                      </a:endParaRPr>
-                    </a:p>
-                    <a:p>
-                      <a:pPr marL="0" marR="0" lvl="0" indent="0" algn="l" defTabSz="914400" rtl="0" eaLnBrk="1" fontAlgn="base" latinLnBrk="0" hangingPunct="1">
-                        <a:lnSpc>
-                          <a:spcPct val="100000"/>
-                        </a:lnSpc>
-                        <a:spcBef>
-                          <a:spcPct val="20000"/>
-                        </a:spcBef>
-                        <a:spcAft>
-                          <a:spcPct val="0"/>
-                        </a:spcAft>
-                        <a:buClr>
-                          <a:schemeClr val="accent2"/>
-                        </a:buClr>
-                        <a:buSzPct val="100000"/>
-                        <a:buFont typeface="Wingdings" pitchFamily="2" charset="2"/>
-                        <a:buChar char="§"/>
-                        <a:tabLst/>
-                      </a:pPr>
+                        <a:t> in </a:t>
+                      </a:r>
+                      <a:r>
+                        <a:rPr kumimoji="0" lang="en-US" sz="1000" b="0" i="0" u="none" strike="noStrike" cap="none" normalizeH="0" baseline="0" dirty="0" err="1" smtClean="0">
+                          <a:ln>
+                            <a:noFill/>
+                          </a:ln>
+                          <a:solidFill>
+                            <a:schemeClr val="tx1"/>
+                          </a:solidFill>
+                          <a:effectLst/>
+                          <a:latin typeface="Arial" charset="0"/>
+                        </a:rPr>
+                        <a:t>neue</a:t>
+                      </a:r>
+                      <a:r>
+                        <a:rPr kumimoji="0" lang="en-US" sz="1000" b="0" i="0" u="none" strike="noStrike" cap="none" normalizeH="0" baseline="0" dirty="0" smtClean="0">
+                          <a:ln>
+                            <a:noFill/>
+                          </a:ln>
+                          <a:solidFill>
+                            <a:schemeClr val="tx1"/>
+                          </a:solidFill>
+                          <a:effectLst/>
+                          <a:latin typeface="Arial" charset="0"/>
+                        </a:rPr>
+                        <a:t> </a:t>
+                      </a:r>
+                      <a:r>
+                        <a:rPr kumimoji="0" lang="en-US" sz="1000" b="0" i="0" u="none" strike="noStrike" cap="none" normalizeH="0" baseline="0" dirty="0" err="1" smtClean="0">
+                          <a:ln>
+                            <a:noFill/>
+                          </a:ln>
+                          <a:solidFill>
+                            <a:schemeClr val="tx1"/>
+                          </a:solidFill>
+                          <a:effectLst/>
+                          <a:latin typeface="Arial" charset="0"/>
+                        </a:rPr>
+                        <a:t>Systeme</a:t>
+                      </a:r>
+                      <a:r>
+                        <a:rPr kumimoji="0" lang="en-US" sz="1000" b="0" i="0" u="none" strike="noStrike" cap="none" normalizeH="0" baseline="0" dirty="0" smtClean="0">
+                          <a:ln>
+                            <a:noFill/>
+                          </a:ln>
+                          <a:solidFill>
+                            <a:schemeClr val="tx1"/>
+                          </a:solidFill>
+                          <a:effectLst/>
+                          <a:latin typeface="Arial" charset="0"/>
+                        </a:rPr>
+                        <a:t> </a:t>
+                      </a:r>
+                      <a:r>
+                        <a:rPr kumimoji="0" lang="en-US" sz="1000" b="0" i="0" u="none" strike="noStrike" cap="none" normalizeH="0" baseline="0" dirty="0" err="1" smtClean="0">
+                          <a:ln>
+                            <a:noFill/>
+                          </a:ln>
+                          <a:solidFill>
+                            <a:schemeClr val="tx1"/>
+                          </a:solidFill>
+                          <a:effectLst/>
+                          <a:latin typeface="Arial" charset="0"/>
+                        </a:rPr>
+                        <a:t>ein</a:t>
+                      </a:r>
                       <a:endParaRPr kumimoji="0" lang="en-US" sz="1000" b="0" i="0" u="none" strike="noStrike" cap="none" normalizeH="0" baseline="0" dirty="0" smtClean="0">
                         <a:ln>
                           <a:noFill/>
@@ -9533,7 +9204,7 @@
                           <a:effectLst/>
                           <a:latin typeface="Arial" charset="0"/>
                         </a:rPr>
-                        <a:t>Uni</a:t>
+                        <a:t>Universität</a:t>
                       </a:r>
                       <a:r>
                         <a:rPr kumimoji="0" lang="en-US" sz="1000" b="0" i="0" u="none" strike="noStrike" cap="none" normalizeH="0" baseline="0" dirty="0" smtClean="0">
@@ -9585,59 +9256,59 @@
                           <a:effectLst/>
                           <a:latin typeface="Arial" charset="0"/>
                         </a:rPr>
-                        <a:t>wissen</a:t>
-                      </a:r>
-                      <a:r>
-                        <a:rPr kumimoji="0" lang="en-US" sz="1000" b="0" i="0" u="none" strike="noStrike" cap="none" normalizeH="0" baseline="0" dirty="0" smtClean="0">
-                          <a:ln>
-                            <a:noFill/>
-                          </a:ln>
-                          <a:solidFill>
-                            <a:schemeClr val="tx1"/>
-                          </a:solidFill>
-                          <a:effectLst/>
-                          <a:latin typeface="Arial" charset="0"/>
-                        </a:rPr>
-                        <a:t> </a:t>
-                      </a:r>
-                      <a:r>
-                        <a:rPr kumimoji="0" lang="en-US" sz="1000" b="0" i="0" u="none" strike="noStrike" cap="none" normalizeH="0" baseline="0" dirty="0" err="1" smtClean="0">
-                          <a:ln>
-                            <a:noFill/>
-                          </a:ln>
-                          <a:solidFill>
-                            <a:schemeClr val="tx1"/>
-                          </a:solidFill>
-                          <a:effectLst/>
-                          <a:latin typeface="Arial" charset="0"/>
-                        </a:rPr>
-                        <a:t>wie</a:t>
-                      </a:r>
-                      <a:r>
-                        <a:rPr kumimoji="0" lang="en-US" sz="1000" b="0" i="0" u="none" strike="noStrike" cap="none" normalizeH="0" baseline="0" dirty="0" smtClean="0">
-                          <a:ln>
-                            <a:noFill/>
-                          </a:ln>
-                          <a:solidFill>
-                            <a:schemeClr val="tx1"/>
-                          </a:solidFill>
-                          <a:effectLst/>
-                          <a:latin typeface="Arial" charset="0"/>
-                        </a:rPr>
-                        <a:t> </a:t>
-                      </a:r>
-                      <a:r>
-                        <a:rPr kumimoji="0" lang="en-US" sz="1000" b="0" i="0" u="none" strike="noStrike" cap="none" normalizeH="0" baseline="0" dirty="0" err="1" smtClean="0">
-                          <a:ln>
-                            <a:noFill/>
-                          </a:ln>
-                          <a:solidFill>
-                            <a:schemeClr val="tx1"/>
-                          </a:solidFill>
-                          <a:effectLst/>
-                          <a:latin typeface="Arial" charset="0"/>
-                        </a:rPr>
-                        <a:t>hier</a:t>
+                        <a:t>sich</a:t>
+                      </a:r>
+                      <a:r>
+                        <a:rPr kumimoji="0" lang="en-US" sz="1000" b="0" i="0" u="none" strike="noStrike" cap="none" normalizeH="0" baseline="0" dirty="0" smtClean="0">
+                          <a:ln>
+                            <a:noFill/>
+                          </a:ln>
+                          <a:solidFill>
+                            <a:schemeClr val="tx1"/>
+                          </a:solidFill>
+                          <a:effectLst/>
+                          <a:latin typeface="Arial" charset="0"/>
+                        </a:rPr>
+                        <a:t> </a:t>
+                      </a:r>
+                      <a:r>
+                        <a:rPr kumimoji="0" lang="en-US" sz="1000" b="0" i="0" u="none" strike="noStrike" cap="none" normalizeH="0" baseline="0" dirty="0" err="1" smtClean="0">
+                          <a:ln>
+                            <a:noFill/>
+                          </a:ln>
+                          <a:solidFill>
+                            <a:schemeClr val="tx1"/>
+                          </a:solidFill>
+                          <a:effectLst/>
+                          <a:latin typeface="Arial" charset="0"/>
+                        </a:rPr>
+                        <a:t>deshalb</a:t>
+                      </a:r>
+                      <a:r>
+                        <a:rPr kumimoji="0" lang="en-US" sz="1000" b="0" i="0" u="none" strike="noStrike" cap="none" normalizeH="0" baseline="0" dirty="0" smtClean="0">
+                          <a:ln>
+                            <a:noFill/>
+                          </a:ln>
+                          <a:solidFill>
+                            <a:schemeClr val="tx1"/>
+                          </a:solidFill>
+                          <a:effectLst/>
+                          <a:latin typeface="Arial" charset="0"/>
+                        </a:rPr>
+                        <a:t> </a:t>
+                      </a:r>
+                      <a:r>
+                        <a:rPr kumimoji="0" lang="en-US" sz="1000" b="0" i="0" u="none" strike="noStrike" cap="none" normalizeH="0" baseline="0" dirty="0" err="1" smtClean="0">
+                          <a:ln>
+                            <a:noFill/>
+                          </a:ln>
+                          <a:solidFill>
+                            <a:schemeClr val="tx1"/>
+                          </a:solidFill>
+                          <a:effectLst/>
+                          <a:latin typeface="Arial" charset="0"/>
+                        </a:rPr>
+                        <a:t>über</a:t>
                       </a:r>
                       <a:r>
                         <a:rPr kumimoji="0" lang="en-US" sz="1000" b="0" i="0" u="none" strike="noStrike" cap="none" normalizeH="0" baseline="0" dirty="0" smtClean="0">
@@ -9663,44 +9334,73 @@
                           <a:effectLst/>
                           <a:latin typeface="Arial" charset="0"/>
                         </a:rPr>
-                        <a:t>Sachen</a:t>
-                      </a:r>
-                      <a:r>
-                        <a:rPr kumimoji="0" lang="en-US" sz="1000" b="0" i="0" u="none" strike="noStrike" cap="none" normalizeH="0" baseline="0" dirty="0" smtClean="0">
-                          <a:ln>
-                            <a:noFill/>
-                          </a:ln>
-                          <a:solidFill>
-                            <a:schemeClr val="tx1"/>
-                          </a:solidFill>
-                          <a:effectLst/>
-                          <a:latin typeface="Arial" charset="0"/>
-                        </a:rPr>
-                        <a:t> so </a:t>
-                      </a:r>
-                      <a:r>
-                        <a:rPr kumimoji="0" lang="en-US" sz="1000" b="0" i="0" u="none" strike="noStrike" cap="none" normalizeH="0" baseline="0" dirty="0" err="1" smtClean="0">
-                          <a:ln>
-                            <a:noFill/>
-                          </a:ln>
-                          <a:solidFill>
-                            <a:schemeClr val="tx1"/>
-                          </a:solidFill>
-                          <a:effectLst/>
-                          <a:latin typeface="Arial" charset="0"/>
-                        </a:rPr>
-                        <a:t>laufen</a:t>
-                      </a:r>
-                      <a:endParaRPr kumimoji="0" lang="en-US" sz="1000" b="0" i="0" u="none" strike="noStrike" cap="none" normalizeH="0" baseline="0" dirty="0" smtClean="0">
-                        <a:ln>
-                          <a:noFill/>
-                        </a:ln>
-                        <a:solidFill>
-                          <a:schemeClr val="tx1"/>
-                        </a:solidFill>
-                        <a:effectLst/>
-                        <a:latin typeface="Arial" charset="0"/>
-                      </a:endParaRPr>
+                        <a:t>Angebote</a:t>
+                      </a:r>
+                      <a:r>
+                        <a:rPr kumimoji="0" lang="en-US" sz="1000" b="0" i="0" u="none" strike="noStrike" cap="none" normalizeH="0" baseline="0" dirty="0" smtClean="0">
+                          <a:ln>
+                            <a:noFill/>
+                          </a:ln>
+                          <a:solidFill>
+                            <a:schemeClr val="tx1"/>
+                          </a:solidFill>
+                          <a:effectLst/>
+                          <a:latin typeface="Arial" charset="0"/>
+                        </a:rPr>
+                        <a:t> des </a:t>
+                      </a:r>
+                      <a:r>
+                        <a:rPr kumimoji="0" lang="en-US" sz="1000" b="0" i="0" u="none" strike="noStrike" cap="none" normalizeH="0" baseline="0" dirty="0" err="1" smtClean="0">
+                          <a:ln>
+                            <a:noFill/>
+                          </a:ln>
+                          <a:solidFill>
+                            <a:schemeClr val="tx1"/>
+                          </a:solidFill>
+                          <a:effectLst/>
+                          <a:latin typeface="Arial" charset="0"/>
+                        </a:rPr>
+                        <a:t>Rechenzenrums</a:t>
+                      </a:r>
+                      <a:r>
+                        <a:rPr kumimoji="0" lang="en-US" sz="1000" b="0" i="0" u="none" strike="noStrike" cap="none" normalizeH="0" baseline="0" dirty="0" smtClean="0">
+                          <a:ln>
+                            <a:noFill/>
+                          </a:ln>
+                          <a:solidFill>
+                            <a:schemeClr val="tx1"/>
+                          </a:solidFill>
+                          <a:effectLst/>
+                          <a:latin typeface="Arial" charset="0"/>
+                        </a:rPr>
+                        <a:t> </a:t>
+                      </a:r>
+                      <a:r>
+                        <a:rPr kumimoji="0" lang="en-US" sz="1000" b="0" i="0" u="none" strike="noStrike" cap="none" normalizeH="0" baseline="0" dirty="0" err="1" smtClean="0">
+                          <a:ln>
+                            <a:noFill/>
+                          </a:ln>
+                          <a:solidFill>
+                            <a:schemeClr val="tx1"/>
+                          </a:solidFill>
+                          <a:effectLst/>
+                          <a:latin typeface="Arial" charset="0"/>
+                        </a:rPr>
+                        <a:t>informieren</a:t>
+                      </a:r>
+                      <a:r>
+                        <a:rPr kumimoji="0" lang="en-US" sz="1000" b="0" i="0" u="none" strike="noStrike" cap="none" normalizeH="0" baseline="0" dirty="0" smtClean="0">
+                          <a:ln>
+                            <a:noFill/>
+                          </a:ln>
+                          <a:solidFill>
+                            <a:schemeClr val="tx1"/>
+                          </a:solidFill>
+                          <a:effectLst/>
+                          <a:latin typeface="Arial" charset="0"/>
+                        </a:rPr>
+                        <a:t>.</a:t>
+                      </a:r>
                     </a:p>
                   </a:txBody>
                   <a:tcPr marL="90488" marR="90488" marT="44450" marB="44450" horzOverflow="overflow">
@@ -9896,8 +9596,194 @@
           </a:p>
           <a:p>
             <a:r>
+              <a:rPr lang="en-US" sz="1800" dirty="0" smtClean="0"/>
+              <a:t>Da </a:t>
+            </a:r>
+            <a:r>
               <a:rPr lang="en-US" sz="1800" dirty="0" err="1" smtClean="0"/>
-              <a:t>Familie</a:t>
+              <a:t>sie</a:t>
+            </a:r>
+            <a:r>
+              <a:rPr lang="en-US" sz="1800" dirty="0" smtClean="0"/>
+              <a:t> </a:t>
+            </a:r>
+            <a:r>
+              <a:rPr lang="en-US" sz="1800" dirty="0" err="1" smtClean="0"/>
+              <a:t>als</a:t>
+            </a:r>
+            <a:r>
+              <a:rPr lang="en-US" sz="1800" dirty="0" smtClean="0"/>
+              <a:t> </a:t>
+            </a:r>
+            <a:r>
+              <a:rPr lang="en-US" sz="1800" dirty="0" err="1" smtClean="0"/>
+              <a:t>Einzelkind</a:t>
+            </a:r>
+            <a:r>
+              <a:rPr lang="en-US" sz="1800" dirty="0" smtClean="0"/>
+              <a:t> </a:t>
+            </a:r>
+            <a:r>
+              <a:rPr lang="en-US" sz="1800" dirty="0" err="1" smtClean="0"/>
+              <a:t>aufgewachsen</a:t>
+            </a:r>
+            <a:r>
+              <a:rPr lang="en-US" sz="1800" dirty="0" smtClean="0"/>
+              <a:t> </a:t>
+            </a:r>
+            <a:r>
+              <a:rPr lang="en-US" sz="1800" dirty="0" err="1" smtClean="0"/>
+              <a:t>ist</a:t>
+            </a:r>
+            <a:r>
+              <a:rPr lang="en-US" sz="1800" dirty="0" smtClean="0"/>
+              <a:t> und </a:t>
+            </a:r>
+            <a:r>
+              <a:rPr lang="en-US" sz="1800" dirty="0" err="1" smtClean="0"/>
+              <a:t>ihre</a:t>
+            </a:r>
+            <a:r>
+              <a:rPr lang="en-US" sz="1800" dirty="0" smtClean="0"/>
+              <a:t> </a:t>
+            </a:r>
+            <a:r>
+              <a:rPr lang="en-US" sz="1800" dirty="0" err="1" smtClean="0"/>
+              <a:t>Etlern</a:t>
+            </a:r>
+            <a:r>
+              <a:rPr lang="en-US" sz="1800" dirty="0" smtClean="0"/>
+              <a:t> </a:t>
+            </a:r>
+            <a:r>
+              <a:rPr lang="en-US" sz="1800" dirty="0" err="1" smtClean="0"/>
+              <a:t>bereits</a:t>
+            </a:r>
+            <a:r>
+              <a:rPr lang="en-US" sz="1800" dirty="0" smtClean="0"/>
+              <a:t> </a:t>
+            </a:r>
+            <a:r>
+              <a:rPr lang="en-US" sz="1800" dirty="0" err="1" smtClean="0"/>
+              <a:t>gestorben</a:t>
+            </a:r>
+            <a:r>
+              <a:rPr lang="en-US" sz="1800" dirty="0" smtClean="0"/>
+              <a:t> </a:t>
+            </a:r>
+            <a:r>
+              <a:rPr lang="en-US" sz="1800" dirty="0" err="1" smtClean="0"/>
+              <a:t>sind</a:t>
+            </a:r>
+            <a:r>
+              <a:rPr lang="en-US" sz="1800" dirty="0" smtClean="0"/>
+              <a:t>, </a:t>
+            </a:r>
+            <a:r>
+              <a:rPr lang="en-US" sz="1800" dirty="0" err="1" smtClean="0"/>
+              <a:t>hindert</a:t>
+            </a:r>
+            <a:r>
+              <a:rPr lang="en-US" sz="1800" dirty="0" smtClean="0"/>
+              <a:t> </a:t>
+            </a:r>
+            <a:r>
+              <a:rPr lang="en-US" sz="1800" dirty="0" err="1" smtClean="0"/>
+              <a:t>sie</a:t>
+            </a:r>
+            <a:r>
+              <a:rPr lang="en-US" sz="1800" dirty="0" smtClean="0"/>
+              <a:t> </a:t>
+            </a:r>
+            <a:r>
+              <a:rPr lang="en-US" sz="1800" dirty="0" err="1" smtClean="0"/>
+              <a:t>nichts</a:t>
+            </a:r>
+            <a:r>
+              <a:rPr lang="en-US" sz="1800" dirty="0" smtClean="0"/>
+              <a:t> </a:t>
+            </a:r>
+            <a:r>
+              <a:rPr lang="en-US" sz="1800" dirty="0" err="1" smtClean="0"/>
+              <a:t>daran</a:t>
+            </a:r>
+            <a:r>
+              <a:rPr lang="en-US" sz="1800" dirty="0" smtClean="0"/>
+              <a:t> </a:t>
+            </a:r>
+            <a:r>
+              <a:rPr lang="en-US" sz="1800" dirty="0" err="1" smtClean="0"/>
+              <a:t>zu</a:t>
+            </a:r>
+            <a:r>
+              <a:rPr lang="en-US" sz="1800" dirty="0" smtClean="0"/>
+              <a:t> </a:t>
+            </a:r>
+            <a:r>
+              <a:rPr lang="en-US" sz="1800" dirty="0" err="1" smtClean="0"/>
+              <a:t>ihrem</a:t>
+            </a:r>
+            <a:r>
+              <a:rPr lang="en-US" sz="1800" dirty="0" smtClean="0"/>
+              <a:t> </a:t>
+            </a:r>
+            <a:r>
+              <a:rPr lang="en-US" sz="1800" dirty="0" err="1" smtClean="0"/>
+              <a:t>Lebensgefährten</a:t>
+            </a:r>
+            <a:r>
+              <a:rPr lang="en-US" sz="1800" dirty="0" smtClean="0"/>
+              <a:t> </a:t>
+            </a:r>
+            <a:r>
+              <a:rPr lang="en-US" sz="1800" dirty="0" err="1" smtClean="0"/>
+              <a:t>nach</a:t>
+            </a:r>
+            <a:r>
+              <a:rPr lang="en-US" sz="1800" dirty="0" smtClean="0"/>
+              <a:t> Regensburg </a:t>
+            </a:r>
+            <a:r>
+              <a:rPr lang="en-US" sz="1800" dirty="0" err="1" smtClean="0"/>
+              <a:t>zu</a:t>
+            </a:r>
+            <a:r>
+              <a:rPr lang="en-US" sz="1800" dirty="0" smtClean="0"/>
+              <a:t> </a:t>
+            </a:r>
+            <a:r>
+              <a:rPr lang="en-US" sz="1800" dirty="0" err="1" smtClean="0"/>
+              <a:t>ziehen</a:t>
+            </a:r>
+            <a:r>
+              <a:rPr lang="en-US" sz="1800" dirty="0" smtClean="0"/>
+              <a:t>.</a:t>
+            </a:r>
+            <a:r>
+              <a:rPr lang="de-DE" sz="1800" dirty="0" smtClean="0"/>
+              <a:t> </a:t>
+            </a:r>
+          </a:p>
+          <a:p>
+            <a:r>
+              <a:rPr lang="en-US" sz="1800" dirty="0" err="1" smtClean="0"/>
+              <a:t>Bei</a:t>
+            </a:r>
+            <a:r>
+              <a:rPr lang="en-US" sz="1800" dirty="0" smtClean="0"/>
+              <a:t> </a:t>
+            </a:r>
+            <a:r>
+              <a:rPr lang="en-US" sz="1800" dirty="0" err="1" smtClean="0"/>
+              <a:t>technischen</a:t>
+            </a:r>
+            <a:r>
+              <a:rPr lang="en-US" sz="1800" dirty="0" smtClean="0"/>
+              <a:t> </a:t>
+            </a:r>
+            <a:r>
+              <a:rPr lang="en-US" sz="1800" dirty="0" err="1" smtClean="0"/>
+              <a:t>Fragen</a:t>
             </a:r>
             <a:r>
               <a:rPr lang="en-US" sz="1800" dirty="0" smtClean="0"/>
@@ -9909,11 +9795,11 @@
             </a:r>
             <a:r>
               <a:rPr lang="en-US" sz="1800" dirty="0" smtClean="0"/>
-              <a:t> </a:t>
+              <a:t> in </a:t>
             </a:r>
             <a:r>
               <a:rPr lang="en-US" sz="1800" dirty="0" err="1" smtClean="0"/>
-              <a:t>keine</a:t>
+              <a:t>ihrer</a:t>
             </a:r>
             <a:r>
               <a:rPr lang="en-US" sz="1800" dirty="0" smtClean="0"/>
@@ -9921,11 +9807,130 @@
             </a:r>
             <a:r>
               <a:rPr lang="en-US" sz="1800" dirty="0" err="1" smtClean="0"/>
-              <a:t>mehr</a:t>
+              <a:t>alten</a:t>
             </a:r>
             <a:r>
               <a:rPr lang="en-US" sz="1800" dirty="0" smtClean="0"/>
-              <a:t>, da </a:t>
+              <a:t> </a:t>
+            </a:r>
+            <a:r>
+              <a:rPr lang="en-US" sz="1800" dirty="0" err="1" smtClean="0"/>
+              <a:t>Universität</a:t>
+            </a:r>
+            <a:r>
+              <a:rPr lang="en-US" sz="1800" dirty="0" smtClean="0"/>
+              <a:t> </a:t>
+            </a:r>
+            <a:r>
+              <a:rPr lang="en-US" sz="1800" dirty="0" err="1" smtClean="0"/>
+              <a:t>immer</a:t>
+            </a:r>
+            <a:r>
+              <a:rPr lang="en-US" sz="1800" dirty="0" smtClean="0"/>
+              <a:t> den Support </a:t>
+            </a:r>
+            <a:r>
+              <a:rPr lang="en-US" sz="1800" dirty="0" err="1" smtClean="0"/>
+              <a:t>angerufen</a:t>
+            </a:r>
+            <a:r>
+              <a:rPr lang="en-US" sz="1800" dirty="0"/>
+              <a:t>.</a:t>
+            </a:r>
+            <a:endParaRPr lang="en-US" sz="1800" dirty="0" smtClean="0"/>
+          </a:p>
+          <a:p>
+            <a:r>
+              <a:rPr lang="en-US" sz="1800" dirty="0" smtClean="0"/>
+              <a:t>Franziska </a:t>
+            </a:r>
+            <a:r>
+              <a:rPr lang="en-US" sz="1800" dirty="0" err="1" smtClean="0"/>
+              <a:t>verwendet</a:t>
+            </a:r>
+            <a:r>
+              <a:rPr lang="en-US" sz="1800" dirty="0" smtClean="0"/>
+              <a:t> </a:t>
+            </a:r>
+            <a:r>
+              <a:rPr lang="en-US" sz="1800" dirty="0" err="1" smtClean="0"/>
+              <a:t>nicht</a:t>
+            </a:r>
+            <a:r>
+              <a:rPr lang="en-US" sz="1800" dirty="0" smtClean="0"/>
+              <a:t> </a:t>
+            </a:r>
+            <a:r>
+              <a:rPr lang="en-US" sz="1800" dirty="0" err="1" smtClean="0"/>
+              <a:t>unnötig</a:t>
+            </a:r>
+            <a:r>
+              <a:rPr lang="en-US" sz="1800" dirty="0" smtClean="0"/>
+              <a:t> </a:t>
+            </a:r>
+            <a:r>
+              <a:rPr lang="en-US" sz="1800" dirty="0" err="1" smtClean="0"/>
+              <a:t>viel</a:t>
+            </a:r>
+            <a:r>
+              <a:rPr lang="en-US" sz="1800" dirty="0" smtClean="0"/>
+              <a:t> </a:t>
+            </a:r>
+            <a:r>
+              <a:rPr lang="en-US" sz="1800" dirty="0" err="1" smtClean="0"/>
+              <a:t>Zeit</a:t>
+            </a:r>
+            <a:r>
+              <a:rPr lang="en-US" sz="1800" dirty="0" smtClean="0"/>
+              <a:t> um </a:t>
+            </a:r>
+            <a:r>
+              <a:rPr lang="en-US" sz="1800" dirty="0" err="1" smtClean="0"/>
+              <a:t>Lösungen</a:t>
+            </a:r>
+            <a:r>
+              <a:rPr lang="en-US" sz="1800" dirty="0" smtClean="0"/>
+              <a:t> </a:t>
+            </a:r>
+            <a:r>
+              <a:rPr lang="en-US" sz="1800" dirty="0" err="1" smtClean="0"/>
+              <a:t>für</a:t>
+            </a:r>
+            <a:r>
+              <a:rPr lang="en-US" sz="1800" dirty="0" smtClean="0"/>
+              <a:t> </a:t>
+            </a:r>
+            <a:r>
+              <a:rPr lang="en-US" sz="1800" dirty="0" err="1" smtClean="0"/>
+              <a:t>Probleme</a:t>
+            </a:r>
+            <a:r>
+              <a:rPr lang="en-US" sz="1800" dirty="0" smtClean="0"/>
+              <a:t> </a:t>
+            </a:r>
+            <a:r>
+              <a:rPr lang="en-US" sz="1800" dirty="0" err="1" smtClean="0"/>
+              <a:t>zu</a:t>
+            </a:r>
+            <a:r>
+              <a:rPr lang="en-US" sz="1800" dirty="0" smtClean="0"/>
+              <a:t> </a:t>
+            </a:r>
+            <a:r>
+              <a:rPr lang="en-US" sz="1800" dirty="0" err="1" smtClean="0"/>
+              <a:t>finden</a:t>
+            </a:r>
+            <a:r>
+              <a:rPr lang="en-US" sz="1800" dirty="0" smtClean="0"/>
+              <a:t>, </a:t>
+            </a:r>
+            <a:r>
+              <a:rPr lang="en-US" sz="1800" dirty="0" err="1" smtClean="0"/>
+              <a:t>weshalb</a:t>
+            </a:r>
+            <a:r>
+              <a:rPr lang="en-US" sz="1800" dirty="0" smtClean="0"/>
+              <a:t> </a:t>
             </a:r>
             <a:r>
               <a:rPr lang="en-US" sz="1800" dirty="0" err="1" smtClean="0"/>
@@ -9937,7 +9942,7 @@
             </a:r>
             <a:r>
               <a:rPr lang="en-US" sz="1800" dirty="0" err="1" smtClean="0"/>
-              <a:t>als</a:t>
+              <a:t>bereits</a:t>
             </a:r>
             <a:r>
               <a:rPr lang="en-US" sz="1800" dirty="0" smtClean="0"/>
@@ -9945,7 +9950,7 @@
             </a:r>
             <a:r>
               <a:rPr lang="en-US" sz="1800" dirty="0" err="1" smtClean="0"/>
-              <a:t>Einzelkind</a:t>
+              <a:t>nach</a:t>
             </a:r>
             <a:r>
               <a:rPr lang="en-US" sz="1800" dirty="0" smtClean="0"/>
@@ -9953,366 +9958,28 @@
             </a:r>
             <a:r>
               <a:rPr lang="en-US" sz="1800" dirty="0" err="1" smtClean="0"/>
-              <a:t>aufgewachsen</a:t>
+              <a:t>kurzer</a:t>
             </a:r>
             <a:r>
               <a:rPr lang="en-US" sz="1800" dirty="0" smtClean="0"/>
               <a:t> </a:t>
             </a:r>
             <a:r>
-              <a:rPr lang="de-DE" sz="1800" dirty="0" smtClean="0"/>
-              <a:t>ist und ihre Eltern bereits verstorben sind. Nach Regensburg ist Franziska gegangen, da hier ihr Lebensgefährt arbeitet und wohnt. </a:t>
-            </a:r>
-          </a:p>
-          <a:p>
-            <a:r>
               <a:rPr lang="en-US" sz="1800" dirty="0" err="1" smtClean="0"/>
-              <a:t>Bei</a:t>
+              <a:t>Recherche</a:t>
             </a:r>
             <a:r>
               <a:rPr lang="en-US" sz="1800" dirty="0" smtClean="0"/>
-              <a:t> </a:t>
+              <a:t> auf den Support </a:t>
             </a:r>
             <a:r>
               <a:rPr lang="en-US" sz="1800" dirty="0" err="1" smtClean="0"/>
-              <a:t>technischen</a:t>
-            </a:r>
-            <a:r>
-              <a:rPr lang="en-US" sz="1800" dirty="0" smtClean="0"/>
-              <a:t> </a:t>
-            </a:r>
-            <a:r>
-              <a:rPr lang="en-US" sz="1800" dirty="0" err="1" smtClean="0"/>
-              <a:t>Fragen</a:t>
-            </a:r>
-            <a:r>
-              <a:rPr lang="en-US" sz="1800" dirty="0" smtClean="0"/>
-              <a:t> hat </a:t>
-            </a:r>
-            <a:r>
-              <a:rPr lang="en-US" sz="1800" dirty="0" err="1" smtClean="0"/>
-              <a:t>sie</a:t>
-            </a:r>
-            <a:r>
-              <a:rPr lang="en-US" sz="1800" dirty="0" smtClean="0"/>
-              <a:t> in </a:t>
-            </a:r>
-            <a:r>
-              <a:rPr lang="en-US" sz="1800" dirty="0" err="1" smtClean="0"/>
-              <a:t>ihrer</a:t>
-            </a:r>
-            <a:r>
-              <a:rPr lang="en-US" sz="1800" dirty="0" smtClean="0"/>
-              <a:t> </a:t>
-            </a:r>
-            <a:r>
-              <a:rPr lang="en-US" sz="1800" dirty="0" err="1" smtClean="0"/>
-              <a:t>alten</a:t>
-            </a:r>
-            <a:r>
-              <a:rPr lang="en-US" sz="1800" dirty="0" smtClean="0"/>
-              <a:t> </a:t>
-            </a:r>
-            <a:r>
-              <a:rPr lang="en-US" sz="1800" dirty="0" err="1" smtClean="0"/>
-              <a:t>Universität</a:t>
-            </a:r>
-            <a:r>
-              <a:rPr lang="en-US" sz="1800" dirty="0" smtClean="0"/>
-              <a:t> </a:t>
-            </a:r>
-            <a:r>
-              <a:rPr lang="en-US" sz="1800" dirty="0" err="1" smtClean="0"/>
-              <a:t>immer</a:t>
-            </a:r>
-            <a:r>
-              <a:rPr lang="en-US" sz="1800" dirty="0" smtClean="0"/>
-              <a:t> den Support </a:t>
-            </a:r>
-            <a:r>
-              <a:rPr lang="en-US" sz="1800" dirty="0" err="1" smtClean="0"/>
-              <a:t>angerufen</a:t>
-            </a:r>
-            <a:r>
-              <a:rPr lang="en-US" sz="1800" dirty="0" smtClean="0"/>
-              <a:t>, </a:t>
-            </a:r>
-            <a:r>
-              <a:rPr lang="en-US" sz="1800" dirty="0" err="1" smtClean="0"/>
-              <a:t>welcher</a:t>
-            </a:r>
-            <a:r>
-              <a:rPr lang="en-US" sz="1800" dirty="0" smtClean="0"/>
-              <a:t> </a:t>
-            </a:r>
-            <a:r>
-              <a:rPr lang="en-US" sz="1800" dirty="0" err="1" smtClean="0"/>
-              <a:t>dann</a:t>
-            </a:r>
-            <a:r>
-              <a:rPr lang="en-US" sz="1800" dirty="0" smtClean="0"/>
-              <a:t> </a:t>
-            </a:r>
-            <a:r>
-              <a:rPr lang="en-US" sz="1800" dirty="0" err="1" smtClean="0"/>
-              <a:t>gekommen</a:t>
-            </a:r>
-            <a:r>
-              <a:rPr lang="en-US" sz="1800" dirty="0" smtClean="0"/>
-              <a:t> </a:t>
-            </a:r>
-            <a:r>
-              <a:rPr lang="en-US" sz="1800" dirty="0" err="1" smtClean="0"/>
-              <a:t>ist</a:t>
-            </a:r>
-            <a:r>
-              <a:rPr lang="en-US" sz="1800" dirty="0" smtClean="0"/>
-              <a:t> und </a:t>
-            </a:r>
-            <a:r>
-              <a:rPr lang="en-US" sz="1800" dirty="0" err="1" smtClean="0"/>
-              <a:t>ihr</a:t>
-            </a:r>
-            <a:r>
-              <a:rPr lang="en-US" sz="1800" dirty="0" smtClean="0"/>
-              <a:t> </a:t>
-            </a:r>
-            <a:r>
-              <a:rPr lang="en-US" sz="1800" dirty="0" err="1" smtClean="0"/>
-              <a:t>geholfen</a:t>
-            </a:r>
-            <a:r>
-              <a:rPr lang="en-US" sz="1800" dirty="0" smtClean="0"/>
-              <a:t> hat.</a:t>
-            </a:r>
-          </a:p>
-          <a:p>
-            <a:r>
-              <a:rPr lang="en-US" sz="1800" dirty="0" err="1" smtClean="0"/>
-              <a:t>Franziska</a:t>
-            </a:r>
-            <a:r>
-              <a:rPr lang="en-US" sz="1800" dirty="0" smtClean="0"/>
-              <a:t> </a:t>
-            </a:r>
-            <a:r>
-              <a:rPr lang="en-US" sz="1800" dirty="0" err="1" smtClean="0"/>
-              <a:t>ist</a:t>
-            </a:r>
-            <a:r>
-              <a:rPr lang="en-US" sz="1800" dirty="0" smtClean="0"/>
-              <a:t> </a:t>
-            </a:r>
-            <a:r>
-              <a:rPr lang="en-US" sz="1800" dirty="0" err="1" smtClean="0"/>
-              <a:t>ein</a:t>
-            </a:r>
-            <a:r>
-              <a:rPr lang="en-US" sz="1800" dirty="0" smtClean="0"/>
-              <a:t> </a:t>
-            </a:r>
-            <a:r>
-              <a:rPr lang="en-US" sz="1800" dirty="0" err="1" smtClean="0"/>
-              <a:t>typischer</a:t>
-            </a:r>
-            <a:r>
-              <a:rPr lang="en-US" sz="1800" dirty="0" smtClean="0"/>
-              <a:t> </a:t>
-            </a:r>
-            <a:r>
-              <a:rPr lang="en-US" sz="1800" dirty="0" err="1" smtClean="0"/>
-              <a:t>Verbraucher</a:t>
-            </a:r>
-            <a:r>
-              <a:rPr lang="en-US" sz="1800" dirty="0" smtClean="0"/>
-              <a:t>, </a:t>
-            </a:r>
-            <a:r>
-              <a:rPr lang="en-US" sz="1800" dirty="0" err="1" smtClean="0"/>
-              <a:t>wenn</a:t>
-            </a:r>
-            <a:r>
-              <a:rPr lang="en-US" sz="1800" dirty="0" smtClean="0"/>
-              <a:t> </a:t>
-            </a:r>
-            <a:r>
-              <a:rPr lang="en-US" sz="1800" dirty="0" err="1" smtClean="0"/>
-              <a:t>etwas</a:t>
-            </a:r>
-            <a:r>
-              <a:rPr lang="en-US" sz="1800" dirty="0" smtClean="0"/>
-              <a:t> </a:t>
-            </a:r>
-            <a:r>
-              <a:rPr lang="en-US" sz="1800" dirty="0" err="1" smtClean="0"/>
-              <a:t>nicht</a:t>
-            </a:r>
-            <a:r>
-              <a:rPr lang="en-US" sz="1800" dirty="0" smtClean="0"/>
-              <a:t> </a:t>
-            </a:r>
-            <a:r>
-              <a:rPr lang="en-US" sz="1800" dirty="0" err="1" smtClean="0"/>
-              <a:t>funkioniert</a:t>
-            </a:r>
-            <a:r>
-              <a:rPr lang="en-US" sz="1800" dirty="0" smtClean="0"/>
-              <a:t> </a:t>
-            </a:r>
-            <a:r>
-              <a:rPr lang="en-US" sz="1800" dirty="0" err="1" smtClean="0"/>
-              <a:t>erkundigt</a:t>
-            </a:r>
-            <a:r>
-              <a:rPr lang="en-US" sz="1800" dirty="0" smtClean="0"/>
-              <a:t> </a:t>
-            </a:r>
-            <a:r>
-              <a:rPr lang="en-US" sz="1800" dirty="0" err="1" smtClean="0"/>
-              <a:t>sie</a:t>
-            </a:r>
-            <a:r>
-              <a:rPr lang="en-US" sz="1800" dirty="0" smtClean="0"/>
-              <a:t> </a:t>
-            </a:r>
-            <a:r>
-              <a:rPr lang="en-US" sz="1800" dirty="0" err="1" smtClean="0"/>
-              <a:t>sich</a:t>
-            </a:r>
-            <a:r>
-              <a:rPr lang="en-US" sz="1800" dirty="0" smtClean="0"/>
-              <a:t> </a:t>
-            </a:r>
-            <a:r>
-              <a:rPr lang="en-US" sz="1800" dirty="0" err="1" smtClean="0"/>
-              <a:t>kurz</a:t>
-            </a:r>
-            <a:r>
-              <a:rPr lang="en-US" sz="1800" dirty="0" smtClean="0"/>
-              <a:t>, such </a:t>
-            </a:r>
-            <a:r>
-              <a:rPr lang="en-US" sz="1800" dirty="0" err="1" smtClean="0"/>
-              <a:t>jedoch</a:t>
-            </a:r>
-            <a:r>
-              <a:rPr lang="en-US" sz="1800" dirty="0" smtClean="0"/>
-              <a:t> </a:t>
-            </a:r>
-            <a:r>
-              <a:rPr lang="en-US" sz="1800" dirty="0" err="1" smtClean="0"/>
-              <a:t>schnell</a:t>
-            </a:r>
-            <a:r>
-              <a:rPr lang="en-US" sz="1800" dirty="0" smtClean="0"/>
-              <a:t> </a:t>
-            </a:r>
-            <a:r>
-              <a:rPr lang="en-US" sz="1800" dirty="0" err="1" smtClean="0"/>
-              <a:t>nach</a:t>
-            </a:r>
-            <a:r>
-              <a:rPr lang="en-US" sz="1800" dirty="0" smtClean="0"/>
-              <a:t> </a:t>
-            </a:r>
-            <a:r>
-              <a:rPr lang="en-US" sz="1800" dirty="0" err="1" smtClean="0"/>
-              <a:t>Hilfe</a:t>
-            </a:r>
-            <a:r>
-              <a:rPr lang="en-US" sz="1800" dirty="0" smtClean="0"/>
-              <a:t>, </a:t>
-            </a:r>
-            <a:r>
-              <a:rPr lang="en-US" sz="1800" dirty="0" err="1" smtClean="0"/>
-              <a:t>oder</a:t>
-            </a:r>
-            <a:r>
-              <a:rPr lang="en-US" sz="1800" dirty="0" smtClean="0"/>
-              <a:t> </a:t>
-            </a:r>
-            <a:r>
-              <a:rPr lang="en-US" sz="1800" dirty="0" err="1" smtClean="0"/>
-              <a:t>lässt</a:t>
-            </a:r>
-            <a:r>
-              <a:rPr lang="en-US" sz="1800" dirty="0" smtClean="0"/>
-              <a:t> </a:t>
-            </a:r>
-            <a:r>
-              <a:rPr lang="en-US" sz="1800" dirty="0" err="1" smtClean="0"/>
-              <a:t>es</a:t>
-            </a:r>
-            <a:r>
-              <a:rPr lang="en-US" sz="1800" dirty="0" smtClean="0"/>
-              <a:t> </a:t>
-            </a:r>
-            <a:r>
-              <a:rPr lang="en-US" sz="1800" dirty="0" err="1" smtClean="0"/>
-              <a:t>einfach</a:t>
-            </a:r>
-            <a:r>
-              <a:rPr lang="en-US" sz="1800" dirty="0" smtClean="0"/>
-              <a:t> </a:t>
-            </a:r>
-            <a:r>
-              <a:rPr lang="en-US" sz="1800" dirty="0" err="1" smtClean="0"/>
-              <a:t>bleiben</a:t>
-            </a:r>
-            <a:r>
-              <a:rPr lang="en-US" sz="1800" dirty="0" smtClean="0"/>
-              <a:t> </a:t>
-            </a:r>
-            <a:r>
-              <a:rPr lang="en-US" sz="1800" dirty="0" err="1" smtClean="0"/>
-              <a:t>sofern</a:t>
-            </a:r>
-            <a:r>
-              <a:rPr lang="en-US" sz="1800" dirty="0" smtClean="0"/>
-              <a:t> </a:t>
-            </a:r>
-            <a:r>
-              <a:rPr lang="en-US" sz="1800" dirty="0" err="1" smtClean="0"/>
-              <a:t>sie</a:t>
-            </a:r>
-            <a:r>
-              <a:rPr lang="en-US" sz="1800" dirty="0" smtClean="0"/>
-              <a:t> </a:t>
-            </a:r>
-            <a:r>
-              <a:rPr lang="en-US" sz="1800" dirty="0" err="1" smtClean="0"/>
-              <a:t>auch</a:t>
-            </a:r>
-            <a:r>
-              <a:rPr lang="en-US" sz="1800" dirty="0" smtClean="0"/>
-              <a:t> so </a:t>
-            </a:r>
-            <a:r>
-              <a:rPr lang="en-US" sz="1800" dirty="0" err="1" smtClean="0"/>
-              <a:t>weiter</a:t>
-            </a:r>
-            <a:r>
-              <a:rPr lang="en-US" sz="1800" dirty="0" smtClean="0"/>
-              <a:t> </a:t>
-            </a:r>
-            <a:r>
-              <a:rPr lang="en-US" sz="1800" dirty="0" err="1" smtClean="0"/>
-              <a:t>arbeiten</a:t>
-            </a:r>
-            <a:r>
-              <a:rPr lang="en-US" sz="1800" dirty="0" smtClean="0"/>
-              <a:t> </a:t>
-            </a:r>
-            <a:r>
-              <a:rPr lang="en-US" sz="1800" dirty="0" err="1" smtClean="0"/>
-              <a:t>kann</a:t>
+              <a:t>zurückgreift</a:t>
             </a:r>
             <a:r>
               <a:rPr lang="en-US" sz="1800" dirty="0" smtClean="0"/>
               <a:t>.</a:t>
             </a:r>
-          </a:p>
-          <a:p>
             <a:endParaRPr lang="de-DE" sz="1800" dirty="0" smtClean="0"/>
           </a:p>
         </p:txBody>
@@ -10453,7 +10120,7 @@
             </a:r>
             <a:r>
               <a:rPr lang="de-DE" sz="1500" dirty="0" smtClean="0"/>
-              <a:t>ändern und nachsehen wie viele Geräte sie Registriert hat.</a:t>
+              <a:t>ändern und nachsehen wie viele Geräte sie aktuell registriert hat.</a:t>
             </a:r>
             <a:endParaRPr lang="de-DE" sz="1800" dirty="0"/>
           </a:p>
@@ -10471,7 +10138,7 @@
             <a:pPr lvl="1"/>
             <a:r>
               <a:rPr lang="de-DE" sz="1500" dirty="0" smtClean="0"/>
-              <a:t> Franziska benötigt außerdem einen neuen Computer und Drucker, weshalb sie sich übers Rechenzentrum informiert wie sie einen bekommt.</a:t>
+              <a:t>Franziska benötigt außerdem einen neuen Computer und Drucker, weshalb sie sich beim Rechenzentrum über die notwendigen Schritte informiert.</a:t>
             </a:r>
             <a:endParaRPr lang="de-DE" sz="1500" dirty="0"/>
           </a:p>
@@ -10485,7 +10152,7 @@
             <a:pPr lvl="1"/>
             <a:r>
               <a:rPr lang="de-DE" sz="1500" dirty="0" smtClean="0"/>
-              <a:t> Nachdem ihr Computer angekommen ist bemerkt sie, dass noch kein Zugang für sie eingerichtet wurde, weshalb sie nach ihrem zuständigen Workgroup Manager sucht.</a:t>
+              <a:t>Nachdem ihr Computer angekommen ist bemerkt sie, dass noch kein gültiger RZ- Account für sie eingerichtet wurde, aus diesem Grund sich sie nach ihrem zuständigen Workgroup Manager.</a:t>
             </a:r>
             <a:endParaRPr lang="de-DE" sz="1500" dirty="0"/>
           </a:p>
@@ -10500,7 +10167,19 @@
             <a:pPr lvl="1"/>
             <a:r>
               <a:rPr lang="de-DE" sz="1500" dirty="0" smtClean="0"/>
-              <a:t>Nachdem ihr Zugang gewährt wurde, sucht sich Franziska zunächst das Office Paket aus dem Softwarekatalog und wie man dieses installiert.</a:t>
+              <a:t>Nachdem ihr Zugang eingerichtet wurde, sucht Franziska das Office Paket aus dem Softwarekatalog. Außerdem möchte sie hierfür eine </a:t>
+            </a:r>
+            <a:r>
+              <a:rPr lang="de-DE" sz="1500" dirty="0"/>
+              <a:t>I</a:t>
+            </a:r>
+            <a:r>
+              <a:rPr lang="de-DE" sz="1500" dirty="0" smtClean="0"/>
+              <a:t>nstallationsanleitung</a:t>
+            </a:r>
+            <a:r>
+              <a:rPr lang="de-DE" sz="1500" dirty="0" smtClean="0"/>
+              <a:t>.</a:t>
             </a:r>
           </a:p>
           <a:p>
@@ -10629,14 +10308,14 @@
           <p:nvPr>
             <p:extLst>
               <p:ext uri="{D42A27DB-BD31-4B8C-83A1-F6EECF244321}">
-                <p14:modId xmlns:p14="http://schemas.microsoft.com/office/powerpoint/2010/main" val="1924747202"/>
+                <p14:modId xmlns:p14="http://schemas.microsoft.com/office/powerpoint/2010/main" val="2622256724"/>
               </p:ext>
             </p:extLst>
           </p:nvPr>
         </p:nvGraphicFramePr>
         <p:xfrm>
           <a:off x="3203848" y="1772816"/>
-          <a:ext cx="5472608" cy="4237896"/>
+          <a:ext cx="5472608" cy="4465639"/>
         </p:xfrm>
         <a:graphic>
           <a:graphicData uri="http://schemas.openxmlformats.org/drawingml/2006/table">
@@ -11397,20 +11076,59 @@
                           <a:effectLst/>
                           <a:latin typeface="Arial" charset="0"/>
                         </a:rPr>
-                        <a:t> das Office </a:t>
-                      </a:r>
-                      <a:r>
-                        <a:rPr kumimoji="0" lang="en-US" sz="1000" b="0" i="0" u="none" strike="noStrike" cap="none" normalizeH="0" baseline="0" dirty="0" err="1" smtClean="0">
-                          <a:ln>
-                            <a:noFill/>
-                          </a:ln>
-                          <a:solidFill>
-                            <a:schemeClr val="tx1"/>
-                          </a:solidFill>
-                          <a:effectLst/>
-                          <a:latin typeface="Arial" charset="0"/>
-                        </a:rPr>
-                        <a:t>Paket</a:t>
+                        <a:t> </a:t>
+                      </a:r>
+                      <a:r>
+                        <a:rPr kumimoji="0" lang="en-US" sz="1000" b="0" i="0" u="none" strike="noStrike" cap="none" normalizeH="0" baseline="0" dirty="0" err="1" smtClean="0">
+                          <a:ln>
+                            <a:noFill/>
+                          </a:ln>
+                          <a:solidFill>
+                            <a:schemeClr val="tx1"/>
+                          </a:solidFill>
+                          <a:effectLst/>
+                          <a:latin typeface="Arial" charset="0"/>
+                        </a:rPr>
+                        <a:t>verschiedene</a:t>
+                      </a:r>
+                      <a:r>
+                        <a:rPr kumimoji="0" lang="en-US" sz="1000" b="0" i="0" u="none" strike="noStrike" cap="none" normalizeH="0" baseline="0" dirty="0" smtClean="0">
+                          <a:ln>
+                            <a:noFill/>
+                          </a:ln>
+                          <a:solidFill>
+                            <a:schemeClr val="tx1"/>
+                          </a:solidFill>
+                          <a:effectLst/>
+                          <a:latin typeface="Arial" charset="0"/>
+                        </a:rPr>
+                        <a:t> </a:t>
+                      </a:r>
+                      <a:r>
+                        <a:rPr kumimoji="0" lang="en-US" sz="1000" b="0" i="0" u="none" strike="noStrike" cap="none" normalizeH="0" baseline="0" dirty="0" smtClean="0">
+                          <a:ln>
+                            <a:noFill/>
+                          </a:ln>
+                          <a:solidFill>
+                            <a:schemeClr val="tx1"/>
+                          </a:solidFill>
+                          <a:effectLst/>
+                          <a:latin typeface="Arial" charset="0"/>
+                        </a:rPr>
+                        <a:t>Office </a:t>
+                      </a:r>
+                      <a:r>
+                        <a:rPr kumimoji="0" lang="en-US" sz="1000" b="0" i="0" u="none" strike="noStrike" cap="none" normalizeH="0" baseline="0" dirty="0" err="1" smtClean="0">
+                          <a:ln>
+                            <a:noFill/>
+                          </a:ln>
+                          <a:solidFill>
+                            <a:schemeClr val="tx1"/>
+                          </a:solidFill>
+                          <a:effectLst/>
+                          <a:latin typeface="Arial" charset="0"/>
+                        </a:rPr>
+                        <a:t>Anwendungen</a:t>
                       </a:r>
                       <a:r>
                         <a:rPr kumimoji="0" lang="en-US" sz="1000" b="0" i="0" u="none" strike="noStrike" cap="none" normalizeH="0" baseline="0" dirty="0" smtClean="0">
@@ -11488,7 +11206,7 @@
                           <a:effectLst/>
                           <a:latin typeface="Arial" charset="0"/>
                         </a:rPr>
-                        <a:t>hiermit</a:t>
+                        <a:t>damit</a:t>
                       </a:r>
                       <a:r>
                         <a:rPr kumimoji="0" lang="en-US" sz="1000" b="0" i="0" u="none" strike="noStrike" cap="none" normalizeH="0" baseline="0" dirty="0" smtClean="0">
@@ -11753,21 +11471,31 @@
                           <a:effectLst/>
                           <a:latin typeface="Arial" charset="0"/>
                         </a:rPr>
-                        <a:t>Sachen</a:t>
-                      </a:r>
-                      <a:r>
-                        <a:rPr kumimoji="0" lang="en-US" sz="1000" b="0" i="0" u="none" strike="noStrike" cap="none" normalizeH="0" baseline="0" dirty="0" smtClean="0">
-                          <a:ln>
-                            <a:noFill/>
-                          </a:ln>
-                          <a:solidFill>
-                            <a:schemeClr val="tx1"/>
-                          </a:solidFill>
-                          <a:effectLst/>
-                          <a:latin typeface="Arial" charset="0"/>
-                        </a:rPr>
-                        <a:t> </a:t>
-                      </a:r>
+                        <a:t>Problemen</a:t>
+                      </a:r>
+                      <a:r>
+                        <a:rPr kumimoji="0" lang="en-US" sz="1000" b="0" i="0" u="none" strike="noStrike" cap="none" normalizeH="0" baseline="0" dirty="0" smtClean="0">
+                          <a:ln>
+                            <a:noFill/>
+                          </a:ln>
+                          <a:solidFill>
+                            <a:schemeClr val="tx1"/>
+                          </a:solidFill>
+                          <a:effectLst/>
+                          <a:latin typeface="Arial" charset="0"/>
+                        </a:rPr>
+                        <a:t> </a:t>
+                      </a:r>
+                      <a:endParaRPr kumimoji="0" lang="en-US" sz="1000" b="0" i="0" u="none" strike="noStrike" cap="none" normalizeH="0" baseline="0" dirty="0" smtClean="0">
+                        <a:ln>
+                          <a:noFill/>
+                        </a:ln>
+                        <a:solidFill>
+                          <a:schemeClr val="tx1"/>
+                        </a:solidFill>
+                        <a:effectLst/>
+                        <a:latin typeface="Arial" charset="0"/>
+                      </a:endParaRPr>
                     </a:p>
                   </a:txBody>
                   <a:tcPr marL="90488" marR="90488" marT="44450" marB="44450" horzOverflow="overflow">
@@ -12026,20 +11754,7 @@
                           <a:effectLst/>
                           <a:latin typeface="Arial" charset="0"/>
                         </a:rPr>
-                        <a:t> </a:t>
-                      </a:r>
-                      <a:r>
-                        <a:rPr kumimoji="0" lang="en-US" sz="1000" b="0" i="0" u="none" strike="noStrike" cap="none" normalizeH="0" baseline="0" dirty="0" smtClean="0">
-                          <a:ln>
-                            <a:noFill/>
-                          </a:ln>
-                          <a:solidFill>
-                            <a:schemeClr val="tx1"/>
-                          </a:solidFill>
-                          <a:effectLst/>
-                          <a:latin typeface="Arial" charset="0"/>
-                        </a:rPr>
-                        <a:t>nun </a:t>
+                        <a:t> nun </a:t>
                       </a:r>
                       <a:r>
                         <a:rPr kumimoji="0" lang="en-US" sz="1000" b="0" i="0" u="none" strike="noStrike" cap="none" normalizeH="0" baseline="0" dirty="0" err="1" smtClean="0">
@@ -12078,7 +11793,59 @@
                           <a:effectLst/>
                           <a:latin typeface="Arial" charset="0"/>
                         </a:rPr>
-                        <a:t>Sachen</a:t>
+                        <a:t>gesuchte</a:t>
+                      </a:r>
+                      <a:r>
+                        <a:rPr kumimoji="0" lang="en-US" sz="1000" b="0" i="0" u="none" strike="noStrike" cap="none" normalizeH="0" baseline="0" dirty="0" smtClean="0">
+                          <a:ln>
+                            <a:noFill/>
+                          </a:ln>
+                          <a:solidFill>
+                            <a:schemeClr val="tx1"/>
+                          </a:solidFill>
+                          <a:effectLst/>
+                          <a:latin typeface="Arial" charset="0"/>
+                        </a:rPr>
+                        <a:t> </a:t>
+                      </a:r>
+                      <a:r>
+                        <a:rPr kumimoji="0" lang="en-US" sz="1000" b="0" i="0" u="none" strike="noStrike" cap="none" normalizeH="0" baseline="0" dirty="0" err="1" smtClean="0">
+                          <a:ln>
+                            <a:noFill/>
+                          </a:ln>
+                          <a:solidFill>
+                            <a:schemeClr val="tx1"/>
+                          </a:solidFill>
+                          <a:effectLst/>
+                          <a:latin typeface="Arial" charset="0"/>
+                        </a:rPr>
+                        <a:t>Themen</a:t>
+                      </a:r>
+                      <a:r>
+                        <a:rPr kumimoji="0" lang="en-US" sz="1000" b="0" i="0" u="none" strike="noStrike" cap="none" normalizeH="0" baseline="0" dirty="0" smtClean="0">
+                          <a:ln>
+                            <a:noFill/>
+                          </a:ln>
+                          <a:solidFill>
+                            <a:schemeClr val="tx1"/>
+                          </a:solidFill>
+                          <a:effectLst/>
+                          <a:latin typeface="Arial" charset="0"/>
+                        </a:rPr>
+                        <a:t> auf der </a:t>
+                      </a:r>
+                      <a:r>
+                        <a:rPr kumimoji="0" lang="en-US" sz="1000" b="0" i="0" u="none" strike="noStrike" cap="none" normalizeH="0" baseline="0" dirty="0" err="1" smtClean="0">
+                          <a:ln>
+                            <a:noFill/>
+                          </a:ln>
+                          <a:solidFill>
+                            <a:schemeClr val="tx1"/>
+                          </a:solidFill>
+                          <a:effectLst/>
+                          <a:latin typeface="Arial" charset="0"/>
+                        </a:rPr>
+                        <a:t>Rechenzentrumswebseite</a:t>
                       </a:r>
                       <a:r>
                         <a:rPr kumimoji="0" lang="en-US" sz="1000" b="0" i="0" u="none" strike="noStrike" cap="none" normalizeH="0" baseline="0" dirty="0" smtClean="0">
@@ -12189,17 +11956,30 @@
                         <a:tabLst/>
                       </a:pPr>
                       <a:r>
-                        <a:rPr kumimoji="0" lang="en-US" sz="1000" b="0" i="0" u="none" strike="noStrike" cap="none" normalizeH="0" baseline="0" dirty="0" err="1" smtClean="0">
-                          <a:ln>
-                            <a:noFill/>
-                          </a:ln>
-                          <a:solidFill>
-                            <a:schemeClr val="tx1"/>
-                          </a:solidFill>
-                          <a:effectLst/>
-                          <a:latin typeface="Arial" charset="0"/>
-                        </a:rPr>
-                        <a:t>Hofft</a:t>
+                        <a:rPr kumimoji="0" lang="en-US" sz="1000" b="0" i="0" u="none" strike="noStrike" cap="none" normalizeH="0" baseline="0" dirty="0" smtClean="0">
+                          <a:ln>
+                            <a:noFill/>
+                          </a:ln>
+                          <a:solidFill>
+                            <a:schemeClr val="tx1"/>
+                          </a:solidFill>
+                          <a:effectLst/>
+                          <a:latin typeface="Arial" charset="0"/>
+                        </a:rPr>
+                        <a:t> </a:t>
+                      </a:r>
+                      <a:r>
+                        <a:rPr kumimoji="0" lang="en-US" sz="1000" b="0" i="0" u="none" strike="noStrike" cap="none" normalizeH="0" baseline="0" dirty="0" err="1" smtClean="0">
+                          <a:ln>
+                            <a:noFill/>
+                          </a:ln>
+                          <a:solidFill>
+                            <a:schemeClr val="tx1"/>
+                          </a:solidFill>
+                          <a:effectLst/>
+                          <a:latin typeface="Arial" charset="0"/>
+                        </a:rPr>
+                        <a:t>Möchte</a:t>
                       </a:r>
                       <a:r>
                         <a:rPr kumimoji="0" lang="en-US" sz="1000" b="0" i="0" u="none" strike="noStrike" cap="none" normalizeH="0" baseline="0" dirty="0" smtClean="0">
@@ -12316,46 +12096,111 @@
                           <a:effectLst/>
                           <a:latin typeface="Arial" charset="0"/>
                         </a:rPr>
-                        <a:t> am </a:t>
-                      </a:r>
-                      <a:r>
-                        <a:rPr kumimoji="0" lang="en-US" sz="1000" b="0" i="0" u="none" strike="noStrike" cap="none" normalizeH="0" baseline="0" dirty="0" err="1" smtClean="0">
-                          <a:ln>
-                            <a:noFill/>
-                          </a:ln>
-                          <a:solidFill>
-                            <a:schemeClr val="tx1"/>
-                          </a:solidFill>
-                          <a:effectLst/>
-                          <a:latin typeface="Arial" charset="0"/>
-                        </a:rPr>
-                        <a:t>selben</a:t>
-                      </a:r>
-                      <a:r>
-                        <a:rPr kumimoji="0" lang="en-US" sz="1000" b="0" i="0" u="none" strike="noStrike" cap="none" normalizeH="0" baseline="0" dirty="0" smtClean="0">
-                          <a:ln>
-                            <a:noFill/>
-                          </a:ln>
-                          <a:solidFill>
-                            <a:schemeClr val="tx1"/>
-                          </a:solidFill>
-                          <a:effectLst/>
-                          <a:latin typeface="Arial" charset="0"/>
-                        </a:rPr>
-                        <a:t> </a:t>
-                      </a:r>
-                      <a:r>
-                        <a:rPr kumimoji="0" lang="en-US" sz="1000" b="0" i="0" u="none" strike="noStrike" cap="none" normalizeH="0" baseline="0" dirty="0" err="1" smtClean="0">
-                          <a:ln>
-                            <a:noFill/>
-                          </a:ln>
-                          <a:solidFill>
-                            <a:schemeClr val="tx1"/>
-                          </a:solidFill>
-                          <a:effectLst/>
-                          <a:latin typeface="Arial" charset="0"/>
-                        </a:rPr>
-                        <a:t>Platz</a:t>
+                        <a:t> </a:t>
+                      </a:r>
+                      <a:r>
+                        <a:rPr kumimoji="0" lang="en-US" sz="1000" b="0" i="0" u="none" strike="noStrike" cap="none" normalizeH="0" baseline="0" dirty="0" smtClean="0">
+                          <a:ln>
+                            <a:noFill/>
+                          </a:ln>
+                          <a:solidFill>
+                            <a:schemeClr val="tx1"/>
+                          </a:solidFill>
+                          <a:effectLst/>
+                          <a:latin typeface="Arial" charset="0"/>
+                        </a:rPr>
+                        <a:t>an </a:t>
+                      </a:r>
+                      <a:r>
+                        <a:rPr kumimoji="0" lang="en-US" sz="1000" b="0" i="0" u="none" strike="noStrike" cap="none" normalizeH="0" baseline="0" dirty="0" err="1" smtClean="0">
+                          <a:ln>
+                            <a:noFill/>
+                          </a:ln>
+                          <a:solidFill>
+                            <a:schemeClr val="tx1"/>
+                          </a:solidFill>
+                          <a:effectLst/>
+                          <a:latin typeface="Arial" charset="0"/>
+                        </a:rPr>
+                        <a:t>bekannten</a:t>
+                      </a:r>
+                      <a:r>
+                        <a:rPr kumimoji="0" lang="en-US" sz="1000" b="0" i="0" u="none" strike="noStrike" cap="none" normalizeH="0" baseline="0" dirty="0" smtClean="0">
+                          <a:ln>
+                            <a:noFill/>
+                          </a:ln>
+                          <a:solidFill>
+                            <a:schemeClr val="tx1"/>
+                          </a:solidFill>
+                          <a:effectLst/>
+                          <a:latin typeface="Arial" charset="0"/>
+                        </a:rPr>
+                        <a:t> </a:t>
+                      </a:r>
+                      <a:r>
+                        <a:rPr kumimoji="0" lang="en-US" sz="1000" b="0" i="0" u="none" strike="noStrike" cap="none" normalizeH="0" baseline="0" dirty="0" err="1" smtClean="0">
+                          <a:ln>
+                            <a:noFill/>
+                          </a:ln>
+                          <a:solidFill>
+                            <a:schemeClr val="tx1"/>
+                          </a:solidFill>
+                          <a:effectLst/>
+                          <a:latin typeface="Arial" charset="0"/>
+                        </a:rPr>
+                        <a:t>Orten</a:t>
+                      </a:r>
+                      <a:r>
+                        <a:rPr kumimoji="0" lang="en-US" sz="1000" b="0" i="0" u="none" strike="noStrike" cap="none" normalizeH="0" baseline="0" dirty="0" smtClean="0">
+                          <a:ln>
+                            <a:noFill/>
+                          </a:ln>
+                          <a:solidFill>
+                            <a:schemeClr val="tx1"/>
+                          </a:solidFill>
+                          <a:effectLst/>
+                          <a:latin typeface="Arial" charset="0"/>
+                        </a:rPr>
+                        <a:t> </a:t>
+                      </a:r>
+                      <a:r>
+                        <a:rPr kumimoji="0" lang="en-US" sz="1000" b="0" i="0" u="none" strike="noStrike" cap="none" normalizeH="0" baseline="0" dirty="0" err="1" smtClean="0">
+                          <a:ln>
+                            <a:noFill/>
+                          </a:ln>
+                          <a:solidFill>
+                            <a:schemeClr val="tx1"/>
+                          </a:solidFill>
+                          <a:effectLst/>
+                          <a:latin typeface="Arial" charset="0"/>
+                        </a:rPr>
+                        <a:t>zu</a:t>
+                      </a:r>
+                      <a:r>
+                        <a:rPr kumimoji="0" lang="en-US" sz="1000" b="0" i="0" u="none" strike="noStrike" cap="none" normalizeH="0" baseline="0" dirty="0" smtClean="0">
+                          <a:ln>
+                            <a:noFill/>
+                          </a:ln>
+                          <a:solidFill>
+                            <a:schemeClr val="tx1"/>
+                          </a:solidFill>
+                          <a:effectLst/>
+                          <a:latin typeface="Arial" charset="0"/>
+                        </a:rPr>
+                        <a:t> </a:t>
+                      </a:r>
+                      <a:r>
+                        <a:rPr kumimoji="0" lang="en-US" sz="1000" b="0" i="0" u="none" strike="noStrike" cap="none" normalizeH="0" baseline="0" dirty="0" err="1" smtClean="0">
+                          <a:ln>
+                            <a:noFill/>
+                          </a:ln>
+                          <a:solidFill>
+                            <a:schemeClr val="tx1"/>
+                          </a:solidFill>
+                          <a:effectLst/>
+                          <a:latin typeface="Arial" charset="0"/>
+                        </a:rPr>
+                        <a:t>finden</a:t>
                       </a:r>
                       <a:r>
                         <a:rPr kumimoji="0" lang="en-US" sz="1000" b="0" i="0" u="none" strike="noStrike" cap="none" normalizeH="0" baseline="0" dirty="0" smtClean="0">
@@ -12437,7 +12282,7 @@
                           <a:effectLst/>
                           <a:latin typeface="Arial" charset="0"/>
                         </a:rPr>
-                        <a:t>Füchtet</a:t>
+                        <a:t>Fürchtet</a:t>
                       </a:r>
                       <a:r>
                         <a:rPr kumimoji="0" lang="en-US" sz="1000" b="0" i="0" u="none" strike="noStrike" cap="none" normalizeH="0" baseline="0" dirty="0" smtClean="0">
@@ -13285,27 +13130,90 @@
           <a:p>
             <a:r>
               <a:rPr lang="de-DE" sz="1800" dirty="0" smtClean="0"/>
-              <a:t>Interesse hat Leopold vor allem an den Seiten welche Mitarbeiter betreffen, als auch rechtliche Seiten.</a:t>
-            </a:r>
-          </a:p>
-          <a:p>
+              <a:t>Interesse hat Leopold vor allem an den </a:t>
+            </a:r>
             <a:r>
               <a:rPr lang="de-DE" sz="1800" dirty="0" smtClean="0"/>
-              <a:t>Da Leopold sehr Technikaffin ist und auch selbst einige Erfahrung mit der Programmierung von Webseiten hat, weiß er sich meist zu helfen wenn er Fragen hat. </a:t>
+              <a:t>Seiten, </a:t>
+            </a:r>
+            <a:r>
+              <a:rPr lang="de-DE" sz="1800" dirty="0" smtClean="0"/>
+              <a:t>welche </a:t>
+            </a:r>
+            <a:r>
+              <a:rPr lang="de-DE" sz="1800" dirty="0" smtClean="0"/>
+              <a:t>Mitarbeiter und rechtliche </a:t>
+            </a:r>
+            <a:r>
+              <a:rPr lang="de-DE" sz="1800" dirty="0"/>
+              <a:t>A</a:t>
+            </a:r>
+            <a:r>
+              <a:rPr lang="de-DE" sz="1800" dirty="0" smtClean="0"/>
+              <a:t>ngelegenheiten betreffen.</a:t>
+            </a:r>
+            <a:endParaRPr lang="de-DE" sz="1800" dirty="0" smtClean="0"/>
+          </a:p>
+          <a:p>
+            <a:r>
+              <a:rPr lang="de-DE" sz="1800" dirty="0" smtClean="0"/>
+              <a:t>Da Leopold sehr </a:t>
+            </a:r>
+            <a:r>
+              <a:rPr lang="de-DE" sz="1800" dirty="0" smtClean="0"/>
+              <a:t>technikaffin </a:t>
+            </a:r>
+            <a:r>
+              <a:rPr lang="de-DE" sz="1800" dirty="0" smtClean="0"/>
+              <a:t>ist und </a:t>
+            </a:r>
+            <a:r>
+              <a:rPr lang="de-DE" sz="1800" dirty="0" smtClean="0"/>
+              <a:t>sogar </a:t>
+            </a:r>
+            <a:r>
+              <a:rPr lang="de-DE" sz="1800" dirty="0" smtClean="0"/>
+              <a:t>selbst einige Erfahrung mit der Programmierung von Webseiten hat, weiß er sich meist zu helfen wenn </a:t>
+            </a:r>
+            <a:r>
+              <a:rPr lang="de-DE" sz="1800" dirty="0" smtClean="0"/>
+              <a:t>er auf Probleme </a:t>
+            </a:r>
+            <a:r>
+              <a:rPr lang="de-DE" sz="1800" dirty="0" err="1" smtClean="0"/>
+              <a:t>stöst</a:t>
+            </a:r>
+            <a:r>
+              <a:rPr lang="de-DE" sz="1800" dirty="0" smtClean="0"/>
+              <a:t>. </a:t>
             </a:r>
             <a:endParaRPr lang="de-DE" sz="1800" dirty="0"/>
           </a:p>
           <a:p>
             <a:r>
               <a:rPr lang="de-DE" sz="1800" dirty="0" smtClean="0"/>
-              <a:t>Häufig benutzte Seiten hat sich Leopold gebookmarkt um diese nicht immer wieder erneut Suchen zu müssen.</a:t>
-            </a:r>
-          </a:p>
-          <a:p>
+              <a:t>Für häufig </a:t>
+            </a:r>
             <a:r>
               <a:rPr lang="de-DE" sz="1800" dirty="0" smtClean="0"/>
-              <a:t>Leopold benutzt Google, wenn er nach kurzer Zeit nicht findet nach was er sucht.</a:t>
-            </a:r>
+              <a:t>benutzte </a:t>
+            </a:r>
+            <a:r>
+              <a:rPr lang="de-DE" sz="1800" dirty="0" smtClean="0"/>
+              <a:t>Seiten verwendet Leopold Lesezeichen.</a:t>
+            </a:r>
+            <a:endParaRPr lang="de-DE" sz="1800" dirty="0" smtClean="0"/>
+          </a:p>
+          <a:p>
+            <a:r>
+              <a:rPr lang="de-DE" sz="1800" dirty="0" smtClean="0"/>
+              <a:t>Falls Leopold nach </a:t>
+            </a:r>
+            <a:r>
+              <a:rPr lang="de-DE" sz="1800" dirty="0" smtClean="0"/>
+              <a:t>kurzer Zeit die gewünschte Information nicht finden kann, benutzt er Google.</a:t>
+            </a:r>
+            <a:endParaRPr lang="de-DE" sz="1800" dirty="0" smtClean="0"/>
           </a:p>
           <a:p>
             <a:endParaRPr lang="de-DE" sz="1400" dirty="0"/>
@@ -13747,7 +13655,7 @@
         <p:spPr/>
         <p:txBody>
           <a:bodyPr>
-            <a:normAutofit lnSpcReduction="10000"/>
+            <a:normAutofit/>
           </a:bodyPr>
           <a:lstStyle/>
           <a:p>
@@ -13768,7 +13676,11 @@
             </a:r>
             <a:r>
               <a:rPr lang="de-DE" sz="1500" dirty="0" smtClean="0"/>
-              <a:t>ihr </a:t>
+              <a:t>sein</a:t>
+            </a:r>
+            <a:r>
+              <a:rPr lang="de-DE" sz="1500" dirty="0" smtClean="0"/>
+              <a:t> </a:t>
             </a:r>
             <a:r>
               <a:rPr lang="de-DE" sz="1500" dirty="0"/>
@@ -13776,7 +13688,19 @@
             </a:r>
             <a:r>
               <a:rPr lang="de-DE" sz="1500" dirty="0" smtClean="0"/>
-              <a:t>ändern und seinen SMS Service einrichten </a:t>
+              <a:t>ändern </a:t>
+            </a:r>
+            <a:r>
+              <a:rPr lang="de-DE" sz="1500" dirty="0" smtClean="0"/>
+              <a:t>und danach den </a:t>
+            </a:r>
+            <a:r>
+              <a:rPr lang="de-DE" sz="1500" dirty="0" smtClean="0"/>
+              <a:t>SMS Service </a:t>
+            </a:r>
+            <a:r>
+              <a:rPr lang="de-DE" sz="1500" dirty="0" smtClean="0"/>
+              <a:t>einrichten. </a:t>
             </a:r>
             <a:endParaRPr lang="de-DE" sz="1800" dirty="0"/>
           </a:p>
@@ -13794,7 +13718,11 @@
             <a:pPr lvl="1"/>
             <a:r>
               <a:rPr lang="de-DE" sz="1500" dirty="0" smtClean="0"/>
-              <a:t>Da Leopold viel mit Mitarbeitern zu tun hat, sucht er nach den Mitarbeitern die am Rechenzentrum arbeiten und ob die aufgelisteten Personen mit seiner Personalliste übereinstimmen.</a:t>
+              <a:t>Da Leopold </a:t>
+            </a:r>
+            <a:r>
+              <a:rPr lang="de-DE" sz="1500" dirty="0" smtClean="0"/>
+              <a:t>in der Personalabteilung arbeitet, sucht er oft nach Mitarbeitern die am Rechenzentrum arbeiten. Er möchte wissen ob die aufgelisteten Personen mit seiner Personalliste übereinstimmen.</a:t>
             </a:r>
             <a:endParaRPr lang="de-DE" sz="1500" dirty="0"/>
           </a:p>
@@ -13808,7 +13736,15 @@
             <a:pPr lvl="1"/>
             <a:r>
               <a:rPr lang="de-DE" sz="1500" dirty="0" smtClean="0"/>
-              <a:t>Danach sieht sich Leopold die aktuellen Stellenausschreibungen des Rechenzentrums an und ob diese korrekt ausgeschrieben und genehmigt sind.</a:t>
+              <a:t>Danach sieht sich Leopold die aktuellen Stellenausschreibungen des Rechenzentrums </a:t>
+            </a:r>
+            <a:r>
+              <a:rPr lang="de-DE" sz="1500" dirty="0" smtClean="0"/>
+              <a:t>an. Er möchte wissen ob diese korrekt </a:t>
+            </a:r>
+            <a:r>
+              <a:rPr lang="de-DE" sz="1500" dirty="0" smtClean="0"/>
+              <a:t>ausgeschrieben und genehmigt sind.</a:t>
             </a:r>
             <a:endParaRPr lang="de-DE" sz="1800" dirty="0"/>
           </a:p>
@@ -13822,16 +13758,33 @@
             <a:pPr lvl="1"/>
             <a:r>
               <a:rPr lang="de-DE" sz="1500" dirty="0" smtClean="0"/>
-              <a:t>Da sein alter Rechner schon recht alt ist, bekommt Leopold bald einen neuen Rechner, weshalb er sich das Beschaffungsformular herunterlädt und sich über den </a:t>
-            </a:r>
-            <a:r>
-              <a:rPr lang="de-DE" sz="1500" dirty="0" err="1" smtClean="0"/>
-              <a:t>Lieferserivice</a:t>
+              <a:t>Leopold benötigt demnächst einen neuen Rechner. </a:t>
             </a:r>
             <a:r>
               <a:rPr lang="de-DE" sz="1500" dirty="0" smtClean="0"/>
-              <a:t> informiert.</a:t>
-            </a:r>
+              <a:t>Aus diesem Grund lädt er sich das </a:t>
+            </a:r>
+            <a:r>
+              <a:rPr lang="de-DE" sz="1500" dirty="0" smtClean="0"/>
+              <a:t>Beschaffungsformular herunter </a:t>
+            </a:r>
+            <a:r>
+              <a:rPr lang="de-DE" sz="1500" dirty="0" smtClean="0"/>
+              <a:t>und </a:t>
+            </a:r>
+            <a:r>
+              <a:rPr lang="de-DE" sz="1500" dirty="0" smtClean="0"/>
+              <a:t>informiert sich </a:t>
+            </a:r>
+            <a:r>
+              <a:rPr lang="de-DE" sz="1500" dirty="0" smtClean="0"/>
+              <a:t>über den </a:t>
+            </a:r>
+            <a:r>
+              <a:rPr lang="de-DE" sz="1500" dirty="0" smtClean="0"/>
+              <a:t>Lieferservice.</a:t>
+            </a:r>
+            <a:endParaRPr lang="de-DE" sz="1500" dirty="0" smtClean="0"/>
           </a:p>
           <a:p>
             <a:r>
@@ -13844,8 +13797,21 @@
             <a:pPr lvl="1"/>
             <a:r>
               <a:rPr lang="de-DE" sz="1500" dirty="0" smtClean="0"/>
-              <a:t>Nach zwei Wochen beginnt Leopolds seltsame Geräusche zu machen, weshalb er sich erkundigt, ob das Rechenzentrum ihm hierbei helfen kann.</a:t>
-            </a:r>
+              <a:t>Nach zwei Wochen beginnt </a:t>
+            </a:r>
+            <a:r>
+              <a:rPr lang="de-DE" sz="1500" dirty="0" smtClean="0"/>
+              <a:t>Leopolds Computer </a:t>
+            </a:r>
+            <a:r>
+              <a:rPr lang="de-DE" sz="1500" dirty="0" smtClean="0"/>
+              <a:t>seltsame Geräusche zu machen, </a:t>
+            </a:r>
+            <a:r>
+              <a:rPr lang="de-DE" sz="1500" dirty="0" smtClean="0"/>
+              <a:t>deshalb sucht er Hilfe beim Rechenzentrum.</a:t>
+            </a:r>
+            <a:endParaRPr lang="de-DE" sz="1500" dirty="0" smtClean="0"/>
           </a:p>
           <a:p>
             <a:pPr lvl="1"/>
@@ -13973,14 +13939,14 @@
           <p:nvPr>
             <p:extLst>
               <p:ext uri="{D42A27DB-BD31-4B8C-83A1-F6EECF244321}">
-                <p14:modId xmlns:p14="http://schemas.microsoft.com/office/powerpoint/2010/main" val="2707125292"/>
+                <p14:modId xmlns:p14="http://schemas.microsoft.com/office/powerpoint/2010/main" val="1907482748"/>
               </p:ext>
             </p:extLst>
           </p:nvPr>
         </p:nvGraphicFramePr>
         <p:xfrm>
           <a:off x="3203848" y="1772816"/>
-          <a:ext cx="5472608" cy="4542696"/>
+          <a:ext cx="5472608" cy="4526599"/>
         </p:xfrm>
         <a:graphic>
           <a:graphicData uri="http://schemas.openxmlformats.org/drawingml/2006/table">
@@ -14447,46 +14413,59 @@
                           <a:effectLst/>
                           <a:latin typeface="Arial" charset="0"/>
                         </a:rPr>
-                        <a:t>Benutzt</a:t>
-                      </a:r>
-                      <a:r>
-                        <a:rPr kumimoji="0" lang="en-US" sz="1000" b="0" i="0" u="none" strike="noStrike" cap="none" normalizeH="0" baseline="0" dirty="0" smtClean="0">
-                          <a:ln>
-                            <a:noFill/>
-                          </a:ln>
-                          <a:solidFill>
-                            <a:schemeClr val="tx1"/>
-                          </a:solidFill>
-                          <a:effectLst/>
-                          <a:latin typeface="Arial" charset="0"/>
-                        </a:rPr>
-                        <a:t> </a:t>
-                      </a:r>
-                      <a:r>
-                        <a:rPr kumimoji="0" lang="en-US" sz="1000" b="0" i="0" u="none" strike="noStrike" cap="none" normalizeH="0" baseline="0" dirty="0" smtClean="0">
-                          <a:ln>
-                            <a:noFill/>
-                          </a:ln>
-                          <a:solidFill>
-                            <a:schemeClr val="tx1"/>
-                          </a:solidFill>
-                          <a:effectLst/>
-                          <a:latin typeface="Arial" charset="0"/>
-                        </a:rPr>
-                        <a:t>RZ </a:t>
-                      </a:r>
-                      <a:r>
-                        <a:rPr kumimoji="0" lang="en-US" sz="1000" b="0" i="0" u="none" strike="noStrike" cap="none" normalizeH="0" baseline="0" dirty="0" err="1" smtClean="0">
-                          <a:ln>
-                            <a:noFill/>
-                          </a:ln>
-                          <a:solidFill>
-                            <a:schemeClr val="tx1"/>
-                          </a:solidFill>
-                          <a:effectLst/>
-                          <a:latin typeface="Arial" charset="0"/>
-                        </a:rPr>
-                        <a:t>Seite</a:t>
+                        <a:t>Nutzt</a:t>
+                      </a:r>
+                      <a:r>
+                        <a:rPr kumimoji="0" lang="en-US" sz="1000" b="0" i="0" u="none" strike="noStrike" cap="none" normalizeH="0" baseline="0" dirty="0" smtClean="0">
+                          <a:ln>
+                            <a:noFill/>
+                          </a:ln>
+                          <a:solidFill>
+                            <a:schemeClr val="tx1"/>
+                          </a:solidFill>
+                          <a:effectLst/>
+                          <a:latin typeface="Arial" charset="0"/>
+                        </a:rPr>
+                        <a:t> die </a:t>
+                      </a:r>
+                      <a:r>
+                        <a:rPr kumimoji="0" lang="en-US" sz="1000" b="0" i="0" u="none" strike="noStrike" cap="none" normalizeH="0" baseline="0" dirty="0" err="1" smtClean="0">
+                          <a:ln>
+                            <a:noFill/>
+                          </a:ln>
+                          <a:solidFill>
+                            <a:schemeClr val="tx1"/>
+                          </a:solidFill>
+                          <a:effectLst/>
+                          <a:latin typeface="Arial" charset="0"/>
+                        </a:rPr>
+                        <a:t>Webseite</a:t>
+                      </a:r>
+                      <a:r>
+                        <a:rPr kumimoji="0" lang="en-US" sz="1000" b="0" i="0" u="none" strike="noStrike" cap="none" normalizeH="0" baseline="0" dirty="0" smtClean="0">
+                          <a:ln>
+                            <a:noFill/>
+                          </a:ln>
+                          <a:solidFill>
+                            <a:schemeClr val="tx1"/>
+                          </a:solidFill>
+                          <a:effectLst/>
+                          <a:latin typeface="Arial" charset="0"/>
+                        </a:rPr>
+                        <a:t> des </a:t>
+                      </a:r>
+                      <a:r>
+                        <a:rPr kumimoji="0" lang="en-US" sz="1000" b="0" i="0" u="none" strike="noStrike" cap="none" normalizeH="0" baseline="0" dirty="0" err="1" smtClean="0">
+                          <a:ln>
+                            <a:noFill/>
+                          </a:ln>
+                          <a:solidFill>
+                            <a:schemeClr val="tx1"/>
+                          </a:solidFill>
+                          <a:effectLst/>
+                          <a:latin typeface="Arial" charset="0"/>
+                        </a:rPr>
+                        <a:t>Rechenzentrums</a:t>
                       </a:r>
                       <a:r>
                         <a:rPr kumimoji="0" lang="en-US" sz="1000" b="0" i="0" u="none" strike="noStrike" cap="none" normalizeH="0" baseline="0" dirty="0" smtClean="0">
@@ -14660,20 +14639,20 @@
                           <a:effectLst/>
                           <a:latin typeface="Arial" charset="0"/>
                         </a:rPr>
-                        <a:t> </a:t>
-                      </a:r>
-                      <a:r>
-                        <a:rPr kumimoji="0" lang="en-US" sz="1000" b="0" i="0" u="none" strike="noStrike" cap="none" normalizeH="0" baseline="0" dirty="0" err="1" smtClean="0">
-                          <a:ln>
-                            <a:noFill/>
-                          </a:ln>
-                          <a:solidFill>
-                            <a:schemeClr val="tx1"/>
-                          </a:solidFill>
-                          <a:effectLst/>
-                          <a:latin typeface="Arial" charset="0"/>
-                        </a:rPr>
-                        <a:t>statt</a:t>
+                        <a:t>, </a:t>
+                      </a:r>
+                      <a:r>
+                        <a:rPr kumimoji="0" lang="en-US" sz="1000" b="0" i="0" u="none" strike="noStrike" cap="none" normalizeH="0" baseline="0" dirty="0" err="1" smtClean="0">
+                          <a:ln>
+                            <a:noFill/>
+                          </a:ln>
+                          <a:solidFill>
+                            <a:schemeClr val="tx1"/>
+                          </a:solidFill>
+                          <a:effectLst/>
+                          <a:latin typeface="Arial" charset="0"/>
+                        </a:rPr>
+                        <a:t>anstatt</a:t>
                       </a:r>
                       <a:r>
                         <a:rPr kumimoji="0" lang="en-US" sz="1000" b="0" i="0" u="none" strike="noStrike" cap="none" normalizeH="0" baseline="0" dirty="0" smtClean="0">
@@ -14751,7 +14730,7 @@
                           <a:effectLst/>
                           <a:latin typeface="Arial" charset="0"/>
                         </a:rPr>
-                        <a:t>Lösung</a:t>
+                        <a:t>Lösungen</a:t>
                       </a:r>
                       <a:r>
                         <a:rPr kumimoji="0" lang="en-US" sz="1000" b="0" i="0" u="none" strike="noStrike" cap="none" normalizeH="0" baseline="0" dirty="0" smtClean="0">
@@ -14873,20 +14852,7 @@
                           <a:effectLst/>
                           <a:latin typeface="Arial" charset="0"/>
                         </a:rPr>
-                        <a:t> </a:t>
-                      </a:r>
-                      <a:r>
-                        <a:rPr kumimoji="0" lang="en-US" sz="1000" b="0" i="0" u="none" strike="noStrike" cap="none" normalizeH="0" baseline="0" dirty="0" smtClean="0">
-                          <a:ln>
-                            <a:noFill/>
-                          </a:ln>
-                          <a:solidFill>
-                            <a:schemeClr val="tx1"/>
-                          </a:solidFill>
-                          <a:effectLst/>
-                          <a:latin typeface="Arial" charset="0"/>
-                        </a:rPr>
-                        <a:t>15 </a:t>
+                        <a:t> 15 </a:t>
                       </a:r>
                       <a:r>
                         <a:rPr kumimoji="0" lang="en-US" sz="1000" b="0" i="0" u="none" strike="noStrike" cap="none" normalizeH="0" baseline="0" dirty="0" err="1" smtClean="0">
@@ -14926,6 +14892,32 @@
                           <a:latin typeface="Arial" charset="0"/>
                         </a:rPr>
                         <a:t>Lehrstuhl</a:t>
+                      </a:r>
+                      <a:r>
+                        <a:rPr kumimoji="0" lang="en-US" sz="1000" b="0" i="0" u="none" strike="noStrike" cap="none" normalizeH="0" baseline="0" dirty="0" smtClean="0">
+                          <a:ln>
+                            <a:noFill/>
+                          </a:ln>
+                          <a:solidFill>
+                            <a:schemeClr val="tx1"/>
+                          </a:solidFill>
+                          <a:effectLst/>
+                          <a:latin typeface="Arial" charset="0"/>
+                        </a:rPr>
+                        <a:t> </a:t>
+                      </a:r>
+                      <a:r>
+                        <a:rPr kumimoji="0" lang="en-US" sz="1000" b="0" i="0" u="none" strike="noStrike" cap="none" normalizeH="0" baseline="0" dirty="0" err="1" smtClean="0">
+                          <a:ln>
+                            <a:noFill/>
+                          </a:ln>
+                          <a:solidFill>
+                            <a:schemeClr val="tx1"/>
+                          </a:solidFill>
+                          <a:effectLst/>
+                          <a:latin typeface="Arial" charset="0"/>
+                        </a:rPr>
+                        <a:t>angelstellt</a:t>
                       </a:r>
                       <a:endParaRPr kumimoji="0" lang="en-US" sz="1000" b="0" i="0" u="none" strike="noStrike" cap="none" normalizeH="0" baseline="0" dirty="0" smtClean="0">
                         <a:ln>
@@ -14995,7 +14987,59 @@
                           <a:effectLst/>
                           <a:latin typeface="Arial" charset="0"/>
                         </a:rPr>
-                        <a:t> Kinder von 7 </a:t>
+                        <a:t> Kinder </a:t>
+                      </a:r>
+                      <a:r>
+                        <a:rPr kumimoji="0" lang="en-US" sz="1000" b="0" i="0" u="none" strike="noStrike" cap="none" normalizeH="0" baseline="0" dirty="0" err="1" smtClean="0">
+                          <a:ln>
+                            <a:noFill/>
+                          </a:ln>
+                          <a:solidFill>
+                            <a:schemeClr val="tx1"/>
+                          </a:solidFill>
+                          <a:effectLst/>
+                          <a:latin typeface="Arial" charset="0"/>
+                        </a:rPr>
+                        <a:t>im</a:t>
+                      </a:r>
+                      <a:r>
+                        <a:rPr kumimoji="0" lang="en-US" sz="1000" b="0" i="0" u="none" strike="noStrike" cap="none" normalizeH="0" baseline="0" dirty="0" smtClean="0">
+                          <a:ln>
+                            <a:noFill/>
+                          </a:ln>
+                          <a:solidFill>
+                            <a:schemeClr val="tx1"/>
+                          </a:solidFill>
+                          <a:effectLst/>
+                          <a:latin typeface="Arial" charset="0"/>
+                        </a:rPr>
+                        <a:t> Alter von </a:t>
+                      </a:r>
+                      <a:r>
+                        <a:rPr kumimoji="0" lang="en-US" sz="1000" b="0" i="0" u="none" strike="noStrike" cap="none" normalizeH="0" baseline="0" dirty="0" err="1" smtClean="0">
+                          <a:ln>
+                            <a:noFill/>
+                          </a:ln>
+                          <a:solidFill>
+                            <a:schemeClr val="tx1"/>
+                          </a:solidFill>
+                          <a:effectLst/>
+                          <a:latin typeface="Arial" charset="0"/>
+                        </a:rPr>
+                        <a:t>sieben</a:t>
+                      </a:r>
+                      <a:r>
+                        <a:rPr kumimoji="0" lang="en-US" sz="1000" b="0" i="0" u="none" strike="noStrike" cap="none" normalizeH="0" baseline="0" dirty="0" smtClean="0">
+                          <a:ln>
+                            <a:noFill/>
+                          </a:ln>
+                          <a:solidFill>
+                            <a:schemeClr val="tx1"/>
+                          </a:solidFill>
+                          <a:effectLst/>
+                          <a:latin typeface="Arial" charset="0"/>
+                        </a:rPr>
+                        <a:t> </a:t>
                       </a:r>
                       <a:r>
                         <a:rPr kumimoji="0" lang="en-US" sz="1000" b="0" i="0" u="none" strike="noStrike" cap="none" normalizeH="0" baseline="0" dirty="0" err="1" smtClean="0">
@@ -15135,16 +15179,6 @@
                         </a:rPr>
                         <a:t> </a:t>
                       </a:r>
-                      <a:endParaRPr kumimoji="0" lang="en-US" sz="1000" b="0" i="0" u="none" strike="noStrike" cap="none" normalizeH="0" baseline="0" dirty="0" smtClean="0">
-                        <a:ln>
-                          <a:noFill/>
-                        </a:ln>
-                        <a:solidFill>
-                          <a:schemeClr val="tx1"/>
-                        </a:solidFill>
-                        <a:effectLst/>
-                        <a:latin typeface="Arial" charset="0"/>
-                      </a:endParaRPr>
                     </a:p>
                     <a:p>
                       <a:pPr marL="0" marR="0" lvl="0" indent="0" algn="l" defTabSz="914400" rtl="0" eaLnBrk="1" fontAlgn="base" latinLnBrk="0" hangingPunct="1">
@@ -15421,7 +15455,7 @@
                           <a:effectLst/>
                           <a:latin typeface="Arial" charset="0"/>
                         </a:rPr>
-                        <a:t>Erhofft</a:t>
+                        <a:t>Hofft</a:t>
                       </a:r>
                       <a:r>
                         <a:rPr kumimoji="0" lang="en-US" sz="1000" b="0" i="0" u="none" strike="noStrike" cap="none" normalizeH="0" baseline="0" dirty="0" smtClean="0">
@@ -15675,32 +15709,6 @@
                           <a:effectLst/>
                           <a:latin typeface="Arial" charset="0"/>
                         </a:rPr>
-                        <a:t>, </a:t>
-                      </a:r>
-                      <a:r>
-                        <a:rPr kumimoji="0" lang="en-US" sz="1000" b="0" i="0" u="none" strike="noStrike" cap="none" normalizeH="0" baseline="0" dirty="0" err="1" smtClean="0">
-                          <a:ln>
-                            <a:noFill/>
-                          </a:ln>
-                          <a:solidFill>
-                            <a:schemeClr val="tx1"/>
-                          </a:solidFill>
-                          <a:effectLst/>
-                          <a:latin typeface="Arial" charset="0"/>
-                        </a:rPr>
-                        <a:t>dass</a:t>
-                      </a:r>
-                      <a:r>
-                        <a:rPr kumimoji="0" lang="en-US" sz="1000" b="0" i="0" u="none" strike="noStrike" cap="none" normalizeH="0" baseline="0" dirty="0" smtClean="0">
-                          <a:ln>
-                            <a:noFill/>
-                          </a:ln>
-                          <a:solidFill>
-                            <a:schemeClr val="tx1"/>
-                          </a:solidFill>
-                          <a:effectLst/>
-                          <a:latin typeface="Arial" charset="0"/>
-                        </a:rPr>
                         <a:t> </a:t>
                       </a:r>
                       <a:r>
@@ -15753,85 +15761,7 @@
                           <a:effectLst/>
                           <a:latin typeface="Arial" charset="0"/>
                         </a:rPr>
-                        <a:t> der </a:t>
-                      </a:r>
-                      <a:r>
-                        <a:rPr kumimoji="0" lang="en-US" sz="1000" b="0" i="0" u="none" strike="noStrike" cap="none" normalizeH="0" baseline="0" dirty="0" err="1" smtClean="0">
-                          <a:ln>
-                            <a:noFill/>
-                          </a:ln>
-                          <a:solidFill>
-                            <a:schemeClr val="tx1"/>
-                          </a:solidFill>
-                          <a:effectLst/>
-                          <a:latin typeface="Arial" charset="0"/>
-                        </a:rPr>
-                        <a:t>Seite</a:t>
-                      </a:r>
-                      <a:r>
-                        <a:rPr kumimoji="0" lang="en-US" sz="1000" b="0" i="0" u="none" strike="noStrike" cap="none" normalizeH="0" baseline="0" dirty="0" smtClean="0">
-                          <a:ln>
-                            <a:noFill/>
-                          </a:ln>
-                          <a:solidFill>
-                            <a:schemeClr val="tx1"/>
-                          </a:solidFill>
-                          <a:effectLst/>
-                          <a:latin typeface="Arial" charset="0"/>
-                        </a:rPr>
-                        <a:t> die </a:t>
-                      </a:r>
-                      <a:r>
-                        <a:rPr kumimoji="0" lang="en-US" sz="1000" b="0" i="0" u="none" strike="noStrike" cap="none" normalizeH="0" baseline="0" dirty="0" err="1" smtClean="0">
-                          <a:ln>
-                            <a:noFill/>
-                          </a:ln>
-                          <a:solidFill>
-                            <a:schemeClr val="tx1"/>
-                          </a:solidFill>
-                          <a:effectLst/>
-                          <a:latin typeface="Arial" charset="0"/>
-                        </a:rPr>
-                        <a:t>sie</a:t>
-                      </a:r>
-                      <a:r>
-                        <a:rPr kumimoji="0" lang="en-US" sz="1000" b="0" i="0" u="none" strike="noStrike" cap="none" normalizeH="0" baseline="0" dirty="0" smtClean="0">
-                          <a:ln>
-                            <a:noFill/>
-                          </a:ln>
-                          <a:solidFill>
-                            <a:schemeClr val="tx1"/>
-                          </a:solidFill>
-                          <a:effectLst/>
-                          <a:latin typeface="Arial" charset="0"/>
-                        </a:rPr>
-                        <a:t> </a:t>
-                      </a:r>
-                      <a:r>
-                        <a:rPr kumimoji="0" lang="en-US" sz="1000" b="0" i="0" u="none" strike="noStrike" cap="none" normalizeH="0" baseline="0" dirty="0" err="1" smtClean="0">
-                          <a:ln>
-                            <a:noFill/>
-                          </a:ln>
-                          <a:solidFill>
-                            <a:schemeClr val="tx1"/>
-                          </a:solidFill>
-                          <a:effectLst/>
-                          <a:latin typeface="Arial" charset="0"/>
-                        </a:rPr>
-                        <a:t>verwendet</a:t>
-                      </a:r>
-                      <a:r>
-                        <a:rPr kumimoji="0" lang="en-US" sz="1000" b="0" i="0" u="none" strike="noStrike" cap="none" normalizeH="0" baseline="0" dirty="0" smtClean="0">
-                          <a:ln>
-                            <a:noFill/>
-                          </a:ln>
-                          <a:solidFill>
-                            <a:schemeClr val="tx1"/>
-                          </a:solidFill>
-                          <a:effectLst/>
-                          <a:latin typeface="Arial" charset="0"/>
-                        </a:rPr>
-                        <a:t> hat, </a:t>
+                        <a:t> </a:t>
                       </a:r>
                       <a:r>
                         <a:rPr kumimoji="0" lang="en-US" sz="1000" b="0" i="0" u="none" strike="noStrike" cap="none" normalizeH="0" baseline="0" dirty="0" err="1" smtClean="0">
@@ -15963,29 +15893,6 @@
                         </a:rPr>
                         <a:t> </a:t>
                       </a:r>
-                      <a:r>
-                        <a:rPr kumimoji="0" lang="en-US" sz="1000" b="0" i="0" u="none" strike="noStrike" cap="none" normalizeH="0" baseline="0" dirty="0" err="1" smtClean="0">
-                          <a:ln>
-                            <a:noFill/>
-                          </a:ln>
-                          <a:solidFill>
-                            <a:schemeClr val="tx1"/>
-                          </a:solidFill>
-                          <a:effectLst/>
-                          <a:latin typeface="Arial" charset="0"/>
-                        </a:rPr>
-                        <a:t>sind</a:t>
-                      </a:r>
-                      <a:endParaRPr kumimoji="0" lang="en-US" sz="1000" b="0" i="0" u="none" strike="noStrike" cap="none" normalizeH="0" baseline="0" dirty="0" smtClean="0">
-                        <a:ln>
-                          <a:noFill/>
-                        </a:ln>
-                        <a:solidFill>
-                          <a:schemeClr val="tx1"/>
-                        </a:solidFill>
-                        <a:effectLst/>
-                        <a:latin typeface="Arial" charset="0"/>
-                      </a:endParaRPr>
                     </a:p>
                     <a:p>
                       <a:pPr marL="0" marR="0" lvl="0" indent="0" algn="l" defTabSz="914400" rtl="0" eaLnBrk="1" fontAlgn="base" latinLnBrk="0" hangingPunct="1">
@@ -16212,7 +16119,7 @@
                           <a:effectLst/>
                           <a:latin typeface="Arial" charset="0"/>
                         </a:rPr>
-                        <a:t>verwirrender</a:t>
+                        <a:t>unübersichlticher</a:t>
                       </a:r>
                       <a:r>
                         <a:rPr kumimoji="0" lang="en-US" sz="1000" b="0" i="0" u="none" strike="noStrike" cap="none" normalizeH="0" baseline="0" dirty="0" smtClean="0">
@@ -16290,7 +16197,7 @@
                           <a:effectLst/>
                           <a:latin typeface="Arial" charset="0"/>
                         </a:rPr>
-                        <a:t>ist</a:t>
+                        <a:t>wird</a:t>
                       </a:r>
                       <a:endParaRPr kumimoji="0" lang="en-US" sz="1000" b="0" i="0" u="none" strike="noStrike" cap="none" normalizeH="0" baseline="0" dirty="0" smtClean="0">
                         <a:ln>
@@ -16492,7 +16399,7 @@
                           <a:effectLst/>
                           <a:latin typeface="Arial" charset="0"/>
                         </a:rPr>
-                        <a:t> </a:t>
+                        <a:t> die </a:t>
                       </a:r>
                       <a:r>
                         <a:rPr kumimoji="0" lang="en-US" sz="1000" b="0" i="0" u="none" strike="noStrike" cap="none" normalizeH="0" baseline="0" dirty="0" err="1" smtClean="0">
@@ -16610,32 +16517,6 @@
                           <a:latin typeface="Arial" charset="0"/>
                         </a:rPr>
                         <a:t>sie</a:t>
-                      </a:r>
-                      <a:r>
-                        <a:rPr kumimoji="0" lang="en-US" sz="1000" b="0" i="0" u="none" strike="noStrike" cap="none" normalizeH="0" baseline="0" dirty="0" smtClean="0">
-                          <a:ln>
-                            <a:noFill/>
-                          </a:ln>
-                          <a:solidFill>
-                            <a:schemeClr val="tx1"/>
-                          </a:solidFill>
-                          <a:effectLst/>
-                          <a:latin typeface="Arial" charset="0"/>
-                        </a:rPr>
-                        <a:t> </a:t>
-                      </a:r>
-                      <a:r>
-                        <a:rPr kumimoji="0" lang="en-US" sz="1000" b="0" i="0" u="none" strike="noStrike" cap="none" normalizeH="0" baseline="0" dirty="0" err="1" smtClean="0">
-                          <a:ln>
-                            <a:noFill/>
-                          </a:ln>
-                          <a:solidFill>
-                            <a:schemeClr val="tx1"/>
-                          </a:solidFill>
-                          <a:effectLst/>
-                          <a:latin typeface="Arial" charset="0"/>
-                        </a:rPr>
-                        <a:t>endlich</a:t>
                       </a:r>
                       <a:r>
                         <a:rPr kumimoji="0" lang="en-US" sz="1000" b="0" i="0" u="none" strike="noStrike" cap="none" normalizeH="0" baseline="0" dirty="0" smtClean="0">
@@ -17053,7 +16934,39 @@
             </a:r>
             <a:r>
               <a:rPr lang="de-DE" sz="1800" dirty="0" smtClean="0"/>
-              <a:t>Jahre alt und arbeitet seit sie mit ihrer Ausbildung fertig ist als Sekretärin der Kunstgeschichte. Die Rechenzentrum Seite benutzt sie regelmäßig um nach Mitarbeitern oder Telefonnummern zu suchen.</a:t>
+              <a:t>Jahre alt und arbeitet </a:t>
+            </a:r>
+            <a:r>
+              <a:rPr lang="de-DE" sz="1800" dirty="0" smtClean="0"/>
+              <a:t>seit dem Abschluss ihrer Ausbildung als </a:t>
+            </a:r>
+            <a:r>
+              <a:rPr lang="de-DE" sz="1800" dirty="0" smtClean="0"/>
+              <a:t>Sekretärin </a:t>
+            </a:r>
+            <a:r>
+              <a:rPr lang="de-DE" sz="1800" dirty="0" smtClean="0"/>
+              <a:t>des Lehrstuhls für Kunstgeschichte. </a:t>
+            </a:r>
+            <a:r>
+              <a:rPr lang="de-DE" sz="1800" dirty="0" smtClean="0"/>
+              <a:t>Die </a:t>
+            </a:r>
+            <a:r>
+              <a:rPr lang="de-DE" sz="1800" dirty="0" smtClean="0"/>
+              <a:t>Rechenzentrumswebseite </a:t>
+            </a:r>
+            <a:r>
+              <a:rPr lang="de-DE" sz="1800" dirty="0" smtClean="0"/>
+              <a:t>benutzt sie </a:t>
+            </a:r>
+            <a:r>
+              <a:rPr lang="de-DE" sz="1800" dirty="0" smtClean="0"/>
+              <a:t>regelmäßig, </a:t>
+            </a:r>
+            <a:r>
+              <a:rPr lang="de-DE" sz="1800" dirty="0" smtClean="0"/>
+              <a:t>um nach Mitarbeitern oder Telefonnummern zu suchen.</a:t>
             </a:r>
           </a:p>
           <a:p>
@@ -17063,19 +16976,101 @@
             </a:r>
             <a:r>
               <a:rPr lang="de-DE" sz="1800" dirty="0" smtClean="0"/>
-              <a:t>dem ersten benutzen der Rechenzentrumsseite, hat sie die Struktur sehr verwirrt und bei Problemen meist gleich den Support eingeschaltet. Seit dem neuen Layout hat sie mehrmals versucht selbst Lösungen für ihre Probleme zu finden, landete jedoch meist doch beim Support, welcher ihr jedoch immer weiterhelfen konnte.</a:t>
-            </a:r>
-          </a:p>
-          <a:p>
+              <a:t>der </a:t>
+            </a:r>
             <a:r>
               <a:rPr lang="de-DE" sz="1800" dirty="0" smtClean="0"/>
-              <a:t>Die Grundfunktionen welche Sofia häufig braucht hat sie mit Bookmarks versehen, dass sie diese sofort parat hat und nicht suchen muss.</a:t>
-            </a:r>
-          </a:p>
-          <a:p>
+              <a:t>ersten </a:t>
+            </a:r>
             <a:r>
               <a:rPr lang="de-DE" sz="1800" dirty="0" smtClean="0"/>
-              <a:t>Ihr Passwort ändert sie immer sofort wenn die E-Mail ankommt, damit sie nicht zum Rechenzentrum muss und ihr Passwort zurücksetzen muss. Vom SMS Service besitzt Sie keine Kenntnis.</a:t>
+              <a:t>Nutzung </a:t>
+            </a:r>
+            <a:r>
+              <a:rPr lang="de-DE" sz="1800" dirty="0" smtClean="0"/>
+              <a:t>der </a:t>
+            </a:r>
+            <a:r>
+              <a:rPr lang="de-DE" sz="1800" dirty="0" smtClean="0"/>
+              <a:t>Rechenzentrumsseite </a:t>
+            </a:r>
+            <a:r>
+              <a:rPr lang="de-DE" sz="1800" dirty="0" smtClean="0"/>
+              <a:t>hat sie die Struktur sehr </a:t>
+            </a:r>
+            <a:r>
+              <a:rPr lang="de-DE" sz="1800" dirty="0" smtClean="0"/>
+              <a:t>verwirrt. Bei Problemen hat sie </a:t>
+            </a:r>
+            <a:r>
+              <a:rPr lang="de-DE" sz="1800" dirty="0" smtClean="0"/>
+              <a:t>meist gleich den Support eingeschaltet. Seit </a:t>
+            </a:r>
+            <a:r>
+              <a:rPr lang="de-DE" sz="1800" dirty="0" smtClean="0"/>
+              <a:t>das neue Layout der Universitätshomepage eingeführt wurde hat sie mehrmals versucht selbst ihre </a:t>
+            </a:r>
+            <a:r>
+              <a:rPr lang="de-DE" sz="1800" dirty="0" smtClean="0"/>
+              <a:t>Probleme zu lösen, musste jedoch meist trotzdem den Support kontaktieren.</a:t>
+            </a:r>
+            <a:endParaRPr lang="de-DE" sz="1800" dirty="0" smtClean="0"/>
+          </a:p>
+          <a:p>
+            <a:r>
+              <a:rPr lang="de-DE" sz="1800" dirty="0" smtClean="0"/>
+              <a:t>Die Grundfunktionen welche Sofia häufig verwendet hat sie mit Bookmarks versehen. Somit hat sie diese sofort parat und muss nicht </a:t>
+            </a:r>
+            <a:r>
+              <a:rPr lang="de-DE" sz="1800" dirty="0" smtClean="0"/>
+              <a:t>danach suchen.</a:t>
+            </a:r>
+            <a:endParaRPr lang="de-DE" sz="1800" dirty="0" smtClean="0"/>
+          </a:p>
+          <a:p>
+            <a:r>
+              <a:rPr lang="de-DE" sz="1800" dirty="0" smtClean="0"/>
+              <a:t>Ihr </a:t>
+            </a:r>
+            <a:r>
+              <a:rPr lang="de-DE" sz="1800" dirty="0" smtClean="0"/>
+              <a:t>Passwort ändert sie immer sofort </a:t>
+            </a:r>
+            <a:r>
+              <a:rPr lang="de-DE" sz="1800" dirty="0" smtClean="0"/>
+              <a:t>wenn sie per </a:t>
+            </a:r>
+            <a:r>
+              <a:rPr lang="de-DE" sz="1800" dirty="0" smtClean="0"/>
+              <a:t>E-Mail </a:t>
+            </a:r>
+            <a:r>
+              <a:rPr lang="de-DE" sz="1800" dirty="0" smtClean="0"/>
+              <a:t>dazu aufgefordert wird. So vermeidet sie es den Infostand aufzusuchen. </a:t>
+            </a:r>
+            <a:r>
+              <a:rPr lang="de-DE" sz="1800" dirty="0" smtClean="0"/>
+              <a:t>Vom </a:t>
+            </a:r>
+            <a:r>
+              <a:rPr lang="de-DE" sz="1800" dirty="0" smtClean="0"/>
+              <a:t>SMS-Service </a:t>
+            </a:r>
+            <a:r>
+              <a:rPr lang="de-DE" sz="1800" dirty="0" smtClean="0"/>
+              <a:t>besitzt </a:t>
+            </a:r>
+            <a:r>
+              <a:rPr lang="de-DE" sz="1800" dirty="0"/>
+              <a:t>s</a:t>
+            </a:r>
+            <a:r>
+              <a:rPr lang="de-DE" sz="1800" dirty="0" smtClean="0"/>
+              <a:t>ie </a:t>
+            </a:r>
+            <a:r>
+              <a:rPr lang="de-DE" sz="1800" dirty="0" smtClean="0"/>
+              <a:t>keine Kenntnis.</a:t>
             </a:r>
             <a:endParaRPr lang="en-US" sz="1400" dirty="0"/>
           </a:p>
@@ -17217,7 +17212,15 @@
             </a:r>
             <a:r>
               <a:rPr lang="de-DE" sz="1500" dirty="0" smtClean="0"/>
-              <a:t>ändern und den SMS Service einrichten.</a:t>
+              <a:t>ändern und </a:t>
+            </a:r>
+            <a:r>
+              <a:rPr lang="de-DE" sz="1500" dirty="0" smtClean="0"/>
+              <a:t>anschließend den SMS-Service </a:t>
+            </a:r>
+            <a:r>
+              <a:rPr lang="de-DE" sz="1500" dirty="0" smtClean="0"/>
+              <a:t>einrichten.</a:t>
             </a:r>
             <a:endParaRPr lang="de-DE" sz="1800" dirty="0"/>
           </a:p>
@@ -17235,7 +17238,23 @@
             <a:pPr lvl="1"/>
             <a:r>
               <a:rPr lang="de-DE" sz="1500" dirty="0" smtClean="0"/>
-              <a:t>Sofia soll nun die Mitarbeitersuche benutzten um den Professor der Medieninformatik zu finden und dessen Telefonnummer heraussuchen.</a:t>
+              <a:t>Sofia soll nun die Mitarbeitersuche </a:t>
+            </a:r>
+            <a:r>
+              <a:rPr lang="de-DE" sz="1500" dirty="0" smtClean="0"/>
+              <a:t>benutzten, </a:t>
+            </a:r>
+            <a:r>
+              <a:rPr lang="de-DE" sz="1500" dirty="0" smtClean="0"/>
+              <a:t>um den Professor der Medieninformatik zu finden und dessen Telefonnummer </a:t>
+            </a:r>
+            <a:r>
+              <a:rPr lang="de-DE" sz="1500" dirty="0" smtClean="0"/>
+              <a:t>herauszusuchen</a:t>
+            </a:r>
+            <a:r>
+              <a:rPr lang="de-DE" sz="1500" dirty="0" smtClean="0"/>
+              <a:t>.</a:t>
             </a:r>
             <a:endParaRPr lang="de-DE" sz="1500" dirty="0"/>
           </a:p>
@@ -17249,15 +17268,35 @@
             <a:pPr lvl="1"/>
             <a:r>
               <a:rPr lang="de-DE" sz="1500" dirty="0" smtClean="0"/>
-              <a:t>Um eine dringende Frage zu beantworten, benötigt Sofia die Telefonnummer der </a:t>
-            </a:r>
-            <a:r>
-              <a:rPr lang="de-DE" sz="1500" dirty="0" err="1" smtClean="0"/>
-              <a:t>Cip</a:t>
+              <a:t>Da Sofia eine </a:t>
+            </a:r>
+            <a:r>
+              <a:rPr lang="de-DE" sz="1500" dirty="0"/>
+              <a:t>dringende Frage an den Professor des </a:t>
             </a:r>
             <a:r>
               <a:rPr lang="de-DE" sz="1500" dirty="0" smtClean="0"/>
-              <a:t>-Pools BIB 3 um den Professor des Lehrstuhl zu erreichen.</a:t>
+              <a:t>Lehrstuhl hat, </a:t>
+            </a:r>
+            <a:r>
+              <a:rPr lang="de-DE" sz="1500" dirty="0" smtClean="0"/>
+              <a:t>benötigt sie </a:t>
+            </a:r>
+            <a:r>
+              <a:rPr lang="de-DE" sz="1500" dirty="0" smtClean="0"/>
+              <a:t>die Telefonnummer </a:t>
+            </a:r>
+            <a:r>
+              <a:rPr lang="de-DE" sz="1500" dirty="0" smtClean="0"/>
+              <a:t>des CIP-Pools </a:t>
+            </a:r>
+            <a:r>
+              <a:rPr lang="de-DE" sz="1500" dirty="0" smtClean="0"/>
+              <a:t>BIB </a:t>
+            </a:r>
+            <a:r>
+              <a:rPr lang="de-DE" sz="1500" dirty="0" smtClean="0"/>
+              <a:t>3.</a:t>
             </a:r>
           </a:p>
           <a:p>
@@ -17270,7 +17309,23 @@
             <a:pPr lvl="1"/>
             <a:r>
               <a:rPr lang="de-DE" sz="1500" dirty="0" smtClean="0"/>
-              <a:t>Aufgrund der Informationen die Sofia vom Professor erhalten hat, muss sie nun eine Videokonferenz einrichten und informiert sich hierfür über das Rechenzentrum </a:t>
+              <a:t>Aufgrund </a:t>
+            </a:r>
+            <a:r>
+              <a:rPr lang="de-DE" sz="1500" dirty="0" smtClean="0"/>
+              <a:t>der </a:t>
+            </a:r>
+            <a:r>
+              <a:rPr lang="de-DE" sz="1500" dirty="0" smtClean="0"/>
+              <a:t>Informationen, </a:t>
+            </a:r>
+            <a:r>
+              <a:rPr lang="de-DE" sz="1500" dirty="0" smtClean="0"/>
+              <a:t>die Sofia vom Professor erhalten hat, muss sie nun eine Videokonferenz einrichten und informiert sich hierfür über das </a:t>
+            </a:r>
+            <a:r>
+              <a:rPr lang="de-DE" sz="1500" dirty="0" smtClean="0"/>
+              <a:t>Rechenzentrum. </a:t>
             </a:r>
             <a:endParaRPr lang="de-DE" sz="1500" dirty="0"/>
           </a:p>
@@ -17903,20 +17958,7 @@
                           <a:effectLst/>
                           <a:latin typeface="Arial" charset="0"/>
                         </a:rPr>
-                        <a:t> Ändert </a:t>
-                      </a:r>
-                      <a:r>
-                        <a:rPr kumimoji="0" lang="de-DE" sz="1000" b="0" i="0" u="none" strike="noStrike" cap="none" normalizeH="0" baseline="0" noProof="0" dirty="0" smtClean="0">
-                          <a:ln>
-                            <a:noFill/>
-                          </a:ln>
-                          <a:solidFill>
-                            <a:schemeClr val="tx1"/>
-                          </a:solidFill>
-                          <a:effectLst/>
-                          <a:latin typeface="Arial" charset="0"/>
-                        </a:rPr>
-                        <a:t>nur das Passwort wenn er dazu aufgefordert wird</a:t>
+                        <a:t> Ändert nur das Passwort wenn er dazu aufgefordert wird</a:t>
                       </a:r>
                     </a:p>
                     <a:p>
@@ -18441,35 +18483,14 @@
           <a:p>
             <a:r>
               <a:rPr lang="de-DE" sz="1800" dirty="0" smtClean="0"/>
-              <a:t>Seit dem ersten Semester wird er regelmäßig dazu aufgefordert sein Passwort zu ändern, was er jedes mal sofort nach </a:t>
-            </a:r>
+              <a:t>Seit dem ersten Semester wird er regelmäßig dazu aufgefordert sein Passwort zu ändern, was er jedes mal sofort nach Erhalt der E-Mail erledigt.</a:t>
+            </a:r>
+          </a:p>
+          <a:p>
             <a:r>
               <a:rPr lang="de-DE" sz="1800" dirty="0" smtClean="0"/>
-              <a:t>Erhalt </a:t>
-            </a:r>
-            <a:r>
-              <a:rPr lang="de-DE" sz="1800" dirty="0" smtClean="0"/>
-              <a:t>der E-Mail erledigt.</a:t>
-            </a:r>
-          </a:p>
-          <a:p>
-            <a:r>
-              <a:rPr lang="de-DE" sz="1800" dirty="0" smtClean="0"/>
-              <a:t>Über die verschiedenen Funktionen und Informationen die das </a:t>
-            </a:r>
-            <a:r>
-              <a:rPr lang="de-DE" sz="1800" dirty="0" smtClean="0"/>
-              <a:t>Rechenzentrum, </a:t>
-            </a:r>
-            <a:r>
-              <a:rPr lang="de-DE" sz="1800" dirty="0" smtClean="0"/>
-              <a:t>bietet weiß Max nur sehr wenig, da er sich hiermit kaum beschäftigt hat. </a:t>
-            </a:r>
-            <a:r>
-              <a:rPr lang="de-DE" sz="1800" dirty="0" smtClean="0"/>
-              <a:t>Außerdem erhielt er am Anfang seines Studiums vom Rechenzentrum lediglich Informationen zur Nutzung seines E-Mail Accounts.</a:t>
-            </a:r>
-            <a:endParaRPr lang="de-DE" sz="1800" dirty="0" smtClean="0"/>
+              <a:t>Über die verschiedenen Funktionen und Informationen die das Rechenzentrum, bietet weiß Max nur sehr wenig, da er sich hiermit kaum beschäftigt hat. Außerdem erhielt er am Anfang seines Studiums vom Rechenzentrum lediglich Informationen zur Nutzung seines E-Mail Accounts.</a:t>
+            </a:r>
           </a:p>
           <a:p>
             <a:endParaRPr lang="de-DE" sz="1800" dirty="0"/>
@@ -18587,11 +18608,7 @@
             <a:pPr lvl="1"/>
             <a:r>
               <a:rPr lang="de-DE" sz="1500" dirty="0" smtClean="0"/>
-              <a:t>Max soll zunächst sein Passwort </a:t>
-            </a:r>
-            <a:r>
-              <a:rPr lang="de-DE" sz="1500" dirty="0" smtClean="0"/>
-              <a:t>ändern.</a:t>
+              <a:t>Max soll zunächst sein Passwort ändern.</a:t>
             </a:r>
             <a:endParaRPr lang="de-DE" sz="1800" dirty="0" smtClean="0"/>
           </a:p>
@@ -18605,37 +18622,8 @@
             <a:pPr lvl="1"/>
             <a:r>
               <a:rPr lang="de-DE" sz="1500" dirty="0" smtClean="0"/>
-              <a:t>Max soll sich nun </a:t>
-            </a:r>
-            <a:r>
-              <a:rPr lang="de-DE" sz="1500" dirty="0" smtClean="0"/>
-              <a:t>informieren, </a:t>
-            </a:r>
-            <a:r>
-              <a:rPr lang="de-DE" sz="1500" dirty="0" smtClean="0"/>
-              <a:t>welche Grundfunktionen und </a:t>
-            </a:r>
-            <a:r>
-              <a:rPr lang="de-DE" sz="1500" dirty="0" smtClean="0"/>
-              <a:t>Dienste </a:t>
-            </a:r>
-            <a:r>
-              <a:rPr lang="de-DE" sz="1500" dirty="0" smtClean="0"/>
-              <a:t>das Rechenzentrum </a:t>
-            </a:r>
-            <a:r>
-              <a:rPr lang="de-DE" sz="1500" dirty="0" smtClean="0"/>
-              <a:t>bietet. Zusätzlich soll er beurteilen </a:t>
-            </a:r>
-            <a:r>
-              <a:rPr lang="de-DE" sz="1500" dirty="0" smtClean="0"/>
-              <a:t>ob diese Informationen für ihn nützlich und verständlich dargestellt </a:t>
-            </a:r>
-            <a:r>
-              <a:rPr lang="de-DE" sz="1500" dirty="0" smtClean="0"/>
-              <a:t>werden.</a:t>
-            </a:r>
-            <a:endParaRPr lang="de-DE" sz="1500" dirty="0" smtClean="0"/>
+              <a:t>Max soll sich nun informieren, welche Grundfunktionen und Dienste das Rechenzentrum bietet. Zusätzlich soll er beurteilen ob diese Informationen für ihn nützlich und verständlich dargestellt werden.</a:t>
+            </a:r>
           </a:p>
           <a:p>
             <a:pPr lvl="1"/>
@@ -19233,20 +19221,7 @@
                           <a:effectLst/>
                           <a:latin typeface="Arial" charset="0"/>
                         </a:rPr>
-                        <a:t> </a:t>
-                      </a:r>
-                      <a:r>
-                        <a:rPr kumimoji="0" lang="en-US" sz="1000" b="0" i="0" u="none" strike="noStrike" cap="none" normalizeH="0" baseline="0" dirty="0" smtClean="0">
-                          <a:ln>
-                            <a:noFill/>
-                          </a:ln>
-                          <a:solidFill>
-                            <a:schemeClr val="tx1"/>
-                          </a:solidFill>
-                          <a:effectLst/>
-                          <a:latin typeface="Arial" charset="0"/>
-                        </a:rPr>
-                        <a:t>7 </a:t>
+                        <a:t> 7 </a:t>
                       </a:r>
                       <a:r>
                         <a:rPr kumimoji="0" lang="en-US" sz="1000" b="0" i="0" u="none" strike="noStrike" cap="none" normalizeH="0" baseline="0" dirty="0" err="1" smtClean="0">
@@ -20042,20 +20017,7 @@
                           <a:effectLst/>
                           <a:latin typeface="Arial" charset="0"/>
                         </a:rPr>
-                        <a:t> </a:t>
-                      </a:r>
-                      <a:r>
-                        <a:rPr kumimoji="0" lang="en-US" sz="1000" b="0" i="0" u="none" strike="noStrike" cap="none" normalizeH="0" baseline="0" dirty="0" smtClean="0">
-                          <a:ln>
-                            <a:noFill/>
-                          </a:ln>
-                          <a:solidFill>
-                            <a:schemeClr val="tx1"/>
-                          </a:solidFill>
-                          <a:effectLst/>
-                          <a:latin typeface="Arial" charset="0"/>
-                        </a:rPr>
-                        <a:t>Navigation </a:t>
+                        <a:t> Navigation </a:t>
                       </a:r>
                       <a:r>
                         <a:rPr kumimoji="0" lang="en-US" sz="1000" b="0" i="0" u="none" strike="noStrike" cap="none" normalizeH="0" baseline="0" dirty="0" err="1" smtClean="0">
@@ -20339,20 +20301,7 @@
                           <a:effectLst/>
                           <a:latin typeface="Arial" charset="0"/>
                         </a:rPr>
-                        <a:t> Passende Bezeichnungen </a:t>
-                      </a:r>
-                      <a:r>
-                        <a:rPr kumimoji="0" lang="de-DE" sz="1000" b="0" i="0" u="none" strike="noStrike" cap="none" normalizeH="0" baseline="0" noProof="0" dirty="0" smtClean="0">
-                          <a:ln>
-                            <a:noFill/>
-                          </a:ln>
-                          <a:solidFill>
-                            <a:schemeClr val="tx1"/>
-                          </a:solidFill>
-                          <a:effectLst/>
-                          <a:latin typeface="Arial" charset="0"/>
-                        </a:rPr>
-                        <a:t>für die verschiedenen Menüpunkte</a:t>
+                        <a:t> Passende Bezeichnungen für die verschiedenen Menüpunkte</a:t>
                       </a:r>
                     </a:p>
                   </a:txBody>
@@ -20912,89 +20861,19 @@
             </a:r>
             <a:r>
               <a:rPr lang="de-DE" sz="1800" dirty="0" smtClean="0"/>
-              <a:t>ist 25 Jahre alt und schreibt gerade ihre Doktorarbeit </a:t>
-            </a:r>
+              <a:t>ist 25 Jahre alt und schreibt gerade ihre Doktorarbeit im Fach Physik. Hierfür benötigt sie einige kostenpflichtige Programme, welche kostenlos über da Rechenzentrum bezogen werden können.</a:t>
+            </a:r>
+          </a:p>
+          <a:p>
             <a:r>
               <a:rPr lang="de-DE" sz="1800" dirty="0" smtClean="0"/>
-              <a:t>im Fach </a:t>
-            </a:r>
+              <a:t>Das ändern des Passworts macht Christina immer so spät wie möglich, damit sie ihr aktuelles Passwort so lange wie möglich behalten kann. Die Passwortänderung führt sie direkt über die Rechenzentrumswebseite durch und nicht über den Direktlink in der E-Mail.</a:t>
+            </a:r>
+          </a:p>
+          <a:p>
             <a:r>
               <a:rPr lang="de-DE" sz="1800" dirty="0" smtClean="0"/>
-              <a:t>Physik. Hierfür benötigt sie einige kostenpflichtige Programme, </a:t>
-            </a:r>
-            <a:r>
-              <a:rPr lang="de-DE" sz="1800" dirty="0" smtClean="0"/>
-              <a:t>welche kostenlos über da Rechenzentrum bezogen werden können.</a:t>
-            </a:r>
-            <a:endParaRPr lang="de-DE" sz="1800" dirty="0" smtClean="0"/>
-          </a:p>
-          <a:p>
-            <a:r>
-              <a:rPr lang="de-DE" sz="1800" dirty="0" smtClean="0"/>
-              <a:t>Das ändern des Passworts macht Christina immer so spät wie möglich, damit </a:t>
-            </a:r>
-            <a:r>
-              <a:rPr lang="de-DE" sz="1800" dirty="0" smtClean="0"/>
-              <a:t>sie </a:t>
-            </a:r>
-            <a:r>
-              <a:rPr lang="de-DE" sz="1800" dirty="0" smtClean="0"/>
-              <a:t>ihr aktuelles Passwort so lange wie möglich behalten </a:t>
-            </a:r>
-            <a:r>
-              <a:rPr lang="de-DE" sz="1800" dirty="0" smtClean="0"/>
-              <a:t>kann. </a:t>
-            </a:r>
-            <a:r>
-              <a:rPr lang="de-DE" sz="1800" dirty="0" smtClean="0"/>
-              <a:t>Die </a:t>
-            </a:r>
-            <a:r>
-              <a:rPr lang="de-DE" sz="1800" dirty="0" smtClean="0"/>
-              <a:t>Passwortänderung führt sie </a:t>
-            </a:r>
-            <a:r>
-              <a:rPr lang="de-DE" sz="1800" dirty="0" smtClean="0"/>
-              <a:t>direkt über die </a:t>
-            </a:r>
-            <a:r>
-              <a:rPr lang="de-DE" sz="1800" dirty="0" smtClean="0"/>
-              <a:t>Rechenzentrumswebseite durch und </a:t>
-            </a:r>
-            <a:r>
-              <a:rPr lang="de-DE" sz="1800" dirty="0" smtClean="0"/>
-              <a:t>nicht über den </a:t>
-            </a:r>
-            <a:r>
-              <a:rPr lang="de-DE" sz="1800" dirty="0" smtClean="0"/>
-              <a:t>Direktlink </a:t>
-            </a:r>
-            <a:r>
-              <a:rPr lang="de-DE" sz="1800" dirty="0" smtClean="0"/>
-              <a:t>in der </a:t>
-            </a:r>
-            <a:r>
-              <a:rPr lang="de-DE" sz="1800" dirty="0" smtClean="0"/>
-              <a:t>E-Mail.</a:t>
-            </a:r>
-            <a:endParaRPr lang="de-DE" sz="1800" dirty="0" smtClean="0"/>
-          </a:p>
-          <a:p>
-            <a:r>
-              <a:rPr lang="de-DE" sz="1800" dirty="0" smtClean="0"/>
-              <a:t>Da Christina ihre Ergebnisse lieber auf Papier </a:t>
-            </a:r>
-            <a:r>
-              <a:rPr lang="de-DE" sz="1800" dirty="0" smtClean="0"/>
-              <a:t>ausdruckt und danach auswertet, </a:t>
-            </a:r>
-            <a:r>
-              <a:rPr lang="de-DE" sz="1800" dirty="0" smtClean="0"/>
-              <a:t>muss sie regelmäßig ihr </a:t>
-            </a:r>
-            <a:r>
-              <a:rPr lang="de-DE" sz="1800" dirty="0" smtClean="0"/>
-              <a:t>Druckerguthaben aufladen.</a:t>
+              <a:t>Da Christina ihre Ergebnisse lieber auf Papier ausdruckt und danach auswertet, muss sie regelmäßig ihr Druckerguthaben aufladen.</a:t>
             </a:r>
             <a:endParaRPr lang="en-US" sz="1400" dirty="0"/>
           </a:p>
@@ -21136,11 +21015,7 @@
             </a:r>
             <a:r>
               <a:rPr lang="de-DE" sz="1500" dirty="0" smtClean="0"/>
-              <a:t>ändern und Druckerguthaben </a:t>
-            </a:r>
-            <a:r>
-              <a:rPr lang="de-DE" sz="1500" dirty="0" smtClean="0"/>
-              <a:t>aufladen.</a:t>
+              <a:t>ändern und im Anschluss ihr Druckerguthaben aufladen.</a:t>
             </a:r>
             <a:endParaRPr lang="de-DE" sz="1800" dirty="0"/>
           </a:p>
@@ -21158,7 +21033,7 @@
             <a:pPr lvl="1"/>
             <a:r>
               <a:rPr lang="de-DE" sz="1500" dirty="0" smtClean="0"/>
-              <a:t>Christina bekommt demnächst einen neuen Laptop, da ihr alter bereits 5 Jahre alt ist und nicht mehr zu gebrauchen ist um größere Auswertungen laufen zu lassen. Deshalb informiert Sie sich, wie sie diesen im Uni Netz anmeldet und wie man das W-</a:t>
+              <a:t>Christina bekommt demnächst einen neuen Laptop, da ihr Momentanes Gerät bereits 5 Jahre alt, und für größere Auswertungen nicht mehr gebrauchen zu ist. Deshalb informiert sie sich, wie sie ihren neuen Laptop W-</a:t>
             </a:r>
             <a:r>
               <a:rPr lang="de-DE" sz="1500" dirty="0" err="1" smtClean="0"/>
@@ -21166,11 +21041,7 @@
             </a:r>
             <a:r>
               <a:rPr lang="de-DE" sz="1500" dirty="0" smtClean="0"/>
-              <a:t> </a:t>
-            </a:r>
-            <a:r>
-              <a:rPr lang="de-DE" sz="1500" dirty="0" smtClean="0"/>
-              <a:t>einrichtet.</a:t>
+              <a:t> Netz der Uni Regensburg registriert.</a:t>
             </a:r>
             <a:endParaRPr lang="de-DE" sz="1500" dirty="0"/>
           </a:p>
@@ -21184,15 +21055,7 @@
             <a:pPr lvl="1"/>
             <a:r>
               <a:rPr lang="de-DE" sz="1500" dirty="0" smtClean="0"/>
-              <a:t>Um jedoch bereits mit der Arbeit anzufangen sucht Christina nach </a:t>
-            </a:r>
-            <a:r>
-              <a:rPr lang="de-DE" sz="1500" dirty="0" err="1" smtClean="0"/>
-              <a:t>Cip</a:t>
-            </a:r>
-            <a:r>
-              <a:rPr lang="de-DE" sz="1500" dirty="0" smtClean="0"/>
-              <a:t> Pools welche </a:t>
+              <a:t>Da sie ihren aktuellen Laptop noch nicht zur Verfügung hat sucht Christina nach CIP-Pools welche </a:t>
             </a:r>
             <a:r>
               <a:rPr lang="de-DE" sz="1500" dirty="0" err="1" smtClean="0"/>
@@ -21200,7 +21063,7 @@
             </a:r>
             <a:r>
               <a:rPr lang="de-DE" sz="1500" dirty="0" smtClean="0"/>
-              <a:t> vorinstalliert und einen Drucker haben.</a:t>
+              <a:t> vorinstalliert und mit einem Drucker haben.</a:t>
             </a:r>
             <a:endParaRPr lang="de-DE" sz="1500" dirty="0"/>
           </a:p>
@@ -21215,7 +21078,7 @@
             <a:pPr lvl="1"/>
             <a:r>
               <a:rPr lang="de-DE" sz="1500" dirty="0" smtClean="0"/>
-              <a:t>Da Christina sobald Sie ihren neuen Laptop hat dort mit der Auswertung weiter machen möchte, sucht Sie nach dem Programm (</a:t>
+              <a:t>Im Softwarekatalog des Rechenzentrums sucht Christina nach dem Programm </a:t>
             </a:r>
             <a:r>
               <a:rPr lang="de-DE" sz="1500" dirty="0" err="1" smtClean="0"/>
@@ -21223,15 +21086,8 @@
             </a:r>
             <a:r>
               <a:rPr lang="de-DE" sz="1500" dirty="0" smtClean="0"/>
-              <a:t>) auf der RZ-Seite und ob hierfür Installationshilfen angeboten werden.</a:t>
-            </a:r>
-          </a:p>
-          <a:p>
-            <a:pPr lvl="1"/>
-            <a:endParaRPr lang="de-DE" sz="1500" dirty="0"/>
-          </a:p>
-          <a:p>
-            <a:pPr lvl="1"/>
+              <a:t> um schnellstmöglich mit ihrem neunen Laptop die Auswertung weiter führen können. Da sie nicht technisch Versiert ist, sucht Christina nach einer Installationshilfe.</a:t>
+            </a:r>
             <a:endParaRPr lang="de-DE" sz="700" dirty="0"/>
           </a:p>
           <a:p>
@@ -21352,7 +21208,7 @@
           <p:nvPr>
             <p:extLst>
               <p:ext uri="{D42A27DB-BD31-4B8C-83A1-F6EECF244321}">
-                <p14:modId xmlns:p14="http://schemas.microsoft.com/office/powerpoint/2010/main" val="950260242"/>
+                <p14:modId xmlns:p14="http://schemas.microsoft.com/office/powerpoint/2010/main" val="80555163"/>
               </p:ext>
             </p:extLst>
           </p:nvPr>
@@ -21710,7 +21566,7 @@
                         <a:tabLst/>
                       </a:pPr>
                       <a:r>
-                        <a:rPr kumimoji="0" lang="de-DE" sz="1000" b="1" i="0" u="none" strike="noStrike" cap="none" normalizeH="0" baseline="0" noProof="0" smtClean="0">
+                        <a:rPr kumimoji="0" lang="de-DE" sz="1000" b="1" i="0" u="none" strike="noStrike" cap="none" normalizeH="0" baseline="0" noProof="0" dirty="0" smtClean="0">
                           <a:ln>
                             <a:noFill/>
                           </a:ln>
@@ -22147,82 +22003,69 @@
                         <a:t> </a:t>
                       </a:r>
                       <a:r>
-                        <a:rPr kumimoji="0" lang="en-US" sz="1000" b="0" i="0" u="none" strike="noStrike" cap="none" normalizeH="0" baseline="0" dirty="0" smtClean="0">
-                          <a:ln>
-                            <a:noFill/>
-                          </a:ln>
-                          <a:solidFill>
-                            <a:schemeClr val="tx1"/>
-                          </a:solidFill>
-                          <a:effectLst/>
-                          <a:latin typeface="Arial" charset="0"/>
-                        </a:rPr>
-                        <a:t>Mag </a:t>
-                      </a:r>
-                      <a:r>
-                        <a:rPr kumimoji="0" lang="en-US" sz="1000" b="0" i="0" u="none" strike="noStrike" cap="none" normalizeH="0" baseline="0" dirty="0" err="1" smtClean="0">
-                          <a:ln>
-                            <a:noFill/>
-                          </a:ln>
-                          <a:solidFill>
-                            <a:schemeClr val="tx1"/>
-                          </a:solidFill>
-                          <a:effectLst/>
-                          <a:latin typeface="Arial" charset="0"/>
-                        </a:rPr>
-                        <a:t>es</a:t>
-                      </a:r>
-                      <a:r>
-                        <a:rPr kumimoji="0" lang="en-US" sz="1000" b="0" i="0" u="none" strike="noStrike" cap="none" normalizeH="0" baseline="0" dirty="0" smtClean="0">
-                          <a:ln>
-                            <a:noFill/>
-                          </a:ln>
-                          <a:solidFill>
-                            <a:schemeClr val="tx1"/>
-                          </a:solidFill>
-                          <a:effectLst/>
-                          <a:latin typeface="Arial" charset="0"/>
-                        </a:rPr>
-                        <a:t> </a:t>
-                      </a:r>
-                      <a:r>
-                        <a:rPr kumimoji="0" lang="en-US" sz="1000" b="0" i="0" u="none" strike="noStrike" cap="none" normalizeH="0" baseline="0" dirty="0" err="1" smtClean="0">
-                          <a:ln>
-                            <a:noFill/>
-                          </a:ln>
-                          <a:solidFill>
-                            <a:schemeClr val="tx1"/>
-                          </a:solidFill>
-                          <a:effectLst/>
-                          <a:latin typeface="Arial" charset="0"/>
-                        </a:rPr>
-                        <a:t>nicht</a:t>
-                      </a:r>
-                      <a:r>
-                        <a:rPr kumimoji="0" lang="en-US" sz="1000" b="0" i="0" u="none" strike="noStrike" cap="none" normalizeH="0" baseline="0" dirty="0" smtClean="0">
-                          <a:ln>
-                            <a:noFill/>
-                          </a:ln>
-                          <a:solidFill>
-                            <a:schemeClr val="tx1"/>
-                          </a:solidFill>
-                          <a:effectLst/>
-                          <a:latin typeface="Arial" charset="0"/>
-                        </a:rPr>
-                        <a:t> die </a:t>
-                      </a:r>
-                      <a:r>
-                        <a:rPr kumimoji="0" lang="en-US" sz="1000" b="0" i="0" u="none" strike="noStrike" cap="none" normalizeH="0" baseline="0" dirty="0" err="1" smtClean="0">
-                          <a:ln>
-                            <a:noFill/>
-                          </a:ln>
-                          <a:solidFill>
-                            <a:schemeClr val="tx1"/>
-                          </a:solidFill>
-                          <a:effectLst/>
-                          <a:latin typeface="Arial" charset="0"/>
-                        </a:rPr>
-                        <a:t>Leute</a:t>
+                        <a:rPr kumimoji="0" lang="en-US" sz="1000" b="0" i="0" u="none" strike="noStrike" cap="none" normalizeH="0" baseline="0" dirty="0" err="1" smtClean="0">
+                          <a:ln>
+                            <a:noFill/>
+                          </a:ln>
+                          <a:solidFill>
+                            <a:schemeClr val="tx1"/>
+                          </a:solidFill>
+                          <a:effectLst/>
+                          <a:latin typeface="Arial" charset="0"/>
+                        </a:rPr>
+                        <a:t>Sucht</a:t>
+                      </a:r>
+                      <a:r>
+                        <a:rPr kumimoji="0" lang="en-US" sz="1000" b="0" i="0" u="none" strike="noStrike" cap="none" normalizeH="0" baseline="0" dirty="0" smtClean="0">
+                          <a:ln>
+                            <a:noFill/>
+                          </a:ln>
+                          <a:solidFill>
+                            <a:schemeClr val="tx1"/>
+                          </a:solidFill>
+                          <a:effectLst/>
+                          <a:latin typeface="Arial" charset="0"/>
+                        </a:rPr>
+                        <a:t> </a:t>
+                      </a:r>
+                      <a:r>
+                        <a:rPr kumimoji="0" lang="en-US" sz="1000" b="0" i="0" u="none" strike="noStrike" cap="none" normalizeH="0" baseline="0" dirty="0" err="1" smtClean="0">
+                          <a:ln>
+                            <a:noFill/>
+                          </a:ln>
+                          <a:solidFill>
+                            <a:schemeClr val="tx1"/>
+                          </a:solidFill>
+                          <a:effectLst/>
+                          <a:latin typeface="Arial" charset="0"/>
+                        </a:rPr>
+                        <a:t>ungern</a:t>
+                      </a:r>
+                      <a:r>
+                        <a:rPr kumimoji="0" lang="en-US" sz="1000" b="0" i="0" u="none" strike="noStrike" cap="none" normalizeH="0" baseline="0" dirty="0" smtClean="0">
+                          <a:ln>
+                            <a:noFill/>
+                          </a:ln>
+                          <a:solidFill>
+                            <a:schemeClr val="tx1"/>
+                          </a:solidFill>
+                          <a:effectLst/>
+                          <a:latin typeface="Arial" charset="0"/>
+                        </a:rPr>
+                        <a:t> </a:t>
+                      </a:r>
+                      <a:r>
+                        <a:rPr kumimoji="0" lang="en-US" sz="1000" b="0" i="0" u="none" strike="noStrike" cap="none" normalizeH="0" baseline="0" dirty="0" err="1" smtClean="0">
+                          <a:ln>
+                            <a:noFill/>
+                          </a:ln>
+                          <a:solidFill>
+                            <a:schemeClr val="tx1"/>
+                          </a:solidFill>
+                          <a:effectLst/>
+                          <a:latin typeface="Arial" charset="0"/>
+                        </a:rPr>
+                        <a:t>Hilfe</a:t>
                       </a:r>
                       <a:r>
                         <a:rPr kumimoji="0" lang="en-US" sz="1000" b="0" i="0" u="none" strike="noStrike" cap="none" normalizeH="0" baseline="0" dirty="0" smtClean="0">
@@ -22261,57 +22104,8 @@
                           <a:effectLst/>
                           <a:latin typeface="Arial" charset="0"/>
                         </a:rPr>
-                        <a:t> Support </a:t>
-                      </a:r>
-                      <a:r>
-                        <a:rPr kumimoji="0" lang="en-US" sz="1000" b="0" i="0" u="none" strike="noStrike" cap="none" normalizeH="0" baseline="0" dirty="0" err="1" smtClean="0">
-                          <a:ln>
-                            <a:noFill/>
-                          </a:ln>
-                          <a:solidFill>
-                            <a:schemeClr val="tx1"/>
-                          </a:solidFill>
-                          <a:effectLst/>
-                          <a:latin typeface="Arial" charset="0"/>
-                        </a:rPr>
-                        <a:t>zu</a:t>
-                      </a:r>
-                      <a:r>
-                        <a:rPr kumimoji="0" lang="en-US" sz="1000" b="0" i="0" u="none" strike="noStrike" cap="none" normalizeH="0" baseline="0" dirty="0" smtClean="0">
-                          <a:ln>
-                            <a:noFill/>
-                          </a:ln>
-                          <a:solidFill>
-                            <a:schemeClr val="tx1"/>
-                          </a:solidFill>
-                          <a:effectLst/>
-                          <a:latin typeface="Arial" charset="0"/>
-                        </a:rPr>
-                        <a:t> </a:t>
-                      </a:r>
-                      <a:r>
-                        <a:rPr kumimoji="0" lang="en-US" sz="1000" b="0" i="0" u="none" strike="noStrike" cap="none" normalizeH="0" baseline="0" dirty="0" err="1" smtClean="0">
-                          <a:ln>
-                            <a:noFill/>
-                          </a:ln>
-                          <a:solidFill>
-                            <a:schemeClr val="tx1"/>
-                          </a:solidFill>
-                          <a:effectLst/>
-                          <a:latin typeface="Arial" charset="0"/>
-                        </a:rPr>
-                        <a:t>stören</a:t>
-                      </a:r>
-                      <a:endParaRPr kumimoji="0" lang="en-US" sz="1000" b="0" i="0" u="none" strike="noStrike" cap="none" normalizeH="0" baseline="0" dirty="0" smtClean="0">
-                        <a:ln>
-                          <a:noFill/>
-                        </a:ln>
-                        <a:solidFill>
-                          <a:schemeClr val="tx1"/>
-                        </a:solidFill>
-                        <a:effectLst/>
-                        <a:latin typeface="Arial" charset="0"/>
-                      </a:endParaRPr>
+                        <a:t> Support</a:t>
+                      </a:r>
                     </a:p>
                     <a:p>
                       <a:pPr marL="0" marR="0" lvl="0" indent="0" algn="l" defTabSz="914400" rtl="0" eaLnBrk="1" fontAlgn="base" latinLnBrk="0" hangingPunct="1">
@@ -22666,72 +22460,98 @@
                           <a:effectLst/>
                           <a:latin typeface="Arial" charset="0"/>
                         </a:rPr>
-                        <a:t>Hiilfe</a:t>
-                      </a:r>
-                      <a:r>
-                        <a:rPr kumimoji="0" lang="en-US" sz="1000" b="0" i="0" u="none" strike="noStrike" cap="none" normalizeH="0" baseline="0" dirty="0" smtClean="0">
-                          <a:ln>
-                            <a:noFill/>
-                          </a:ln>
-                          <a:solidFill>
-                            <a:schemeClr val="tx1"/>
-                          </a:solidFill>
-                          <a:effectLst/>
-                          <a:latin typeface="Arial" charset="0"/>
-                        </a:rPr>
-                        <a:t> </a:t>
-                      </a:r>
-                      <a:r>
-                        <a:rPr kumimoji="0" lang="en-US" sz="1000" b="0" i="0" u="none" strike="noStrike" cap="none" normalizeH="0" baseline="0" dirty="0" err="1" smtClean="0">
-                          <a:ln>
-                            <a:noFill/>
-                          </a:ln>
-                          <a:solidFill>
-                            <a:schemeClr val="tx1"/>
-                          </a:solidFill>
-                          <a:effectLst/>
-                          <a:latin typeface="Arial" charset="0"/>
-                        </a:rPr>
-                        <a:t>wenn</a:t>
-                      </a:r>
-                      <a:r>
-                        <a:rPr kumimoji="0" lang="en-US" sz="1000" b="0" i="0" u="none" strike="noStrike" cap="none" normalizeH="0" baseline="0" dirty="0" smtClean="0">
-                          <a:ln>
-                            <a:noFill/>
-                          </a:ln>
-                          <a:solidFill>
-                            <a:schemeClr val="tx1"/>
-                          </a:solidFill>
-                          <a:effectLst/>
-                          <a:latin typeface="Arial" charset="0"/>
-                        </a:rPr>
-                        <a:t> man </a:t>
-                      </a:r>
-                      <a:r>
-                        <a:rPr kumimoji="0" lang="en-US" sz="1000" b="0" i="0" u="none" strike="noStrike" cap="none" normalizeH="0" baseline="0" dirty="0" err="1" smtClean="0">
-                          <a:ln>
-                            <a:noFill/>
-                          </a:ln>
-                          <a:solidFill>
-                            <a:schemeClr val="tx1"/>
-                          </a:solidFill>
-                          <a:effectLst/>
-                          <a:latin typeface="Arial" charset="0"/>
-                        </a:rPr>
-                        <a:t>Probleme</a:t>
-                      </a:r>
-                      <a:r>
-                        <a:rPr kumimoji="0" lang="en-US" sz="1000" b="0" i="0" u="none" strike="noStrike" cap="none" normalizeH="0" baseline="0" dirty="0" smtClean="0">
-                          <a:ln>
-                            <a:noFill/>
-                          </a:ln>
-                          <a:solidFill>
-                            <a:schemeClr val="tx1"/>
-                          </a:solidFill>
-                          <a:effectLst/>
-                          <a:latin typeface="Arial" charset="0"/>
-                        </a:rPr>
-                        <a:t> hat</a:t>
+                        <a:t>Hilfe</a:t>
+                      </a:r>
+                      <a:r>
+                        <a:rPr kumimoji="0" lang="en-US" sz="1000" b="0" i="0" u="none" strike="noStrike" cap="none" normalizeH="0" baseline="0" dirty="0" smtClean="0">
+                          <a:ln>
+                            <a:noFill/>
+                          </a:ln>
+                          <a:solidFill>
+                            <a:schemeClr val="tx1"/>
+                          </a:solidFill>
+                          <a:effectLst/>
+                          <a:latin typeface="Arial" charset="0"/>
+                        </a:rPr>
+                        <a:t> </a:t>
+                      </a:r>
+                      <a:r>
+                        <a:rPr kumimoji="0" lang="en-US" sz="1000" b="0" i="0" u="none" strike="noStrike" cap="none" normalizeH="0" baseline="0" dirty="0" err="1" smtClean="0">
+                          <a:ln>
+                            <a:noFill/>
+                          </a:ln>
+                          <a:solidFill>
+                            <a:schemeClr val="tx1"/>
+                          </a:solidFill>
+                          <a:effectLst/>
+                          <a:latin typeface="Arial" charset="0"/>
+                        </a:rPr>
+                        <a:t>bei</a:t>
+                      </a:r>
+                      <a:r>
+                        <a:rPr kumimoji="0" lang="en-US" sz="1000" b="0" i="0" u="none" strike="noStrike" cap="none" normalizeH="0" baseline="0" dirty="0" smtClean="0">
+                          <a:ln>
+                            <a:noFill/>
+                          </a:ln>
+                          <a:solidFill>
+                            <a:schemeClr val="tx1"/>
+                          </a:solidFill>
+                          <a:effectLst/>
+                          <a:latin typeface="Arial" charset="0"/>
+                        </a:rPr>
+                        <a:t> </a:t>
+                      </a:r>
+                      <a:r>
+                        <a:rPr kumimoji="0" lang="en-US" sz="1000" b="0" i="0" u="none" strike="noStrike" cap="none" normalizeH="0" baseline="0" dirty="0" err="1" smtClean="0">
+                          <a:ln>
+                            <a:noFill/>
+                          </a:ln>
+                          <a:solidFill>
+                            <a:schemeClr val="tx1"/>
+                          </a:solidFill>
+                          <a:effectLst/>
+                          <a:latin typeface="Arial" charset="0"/>
+                        </a:rPr>
+                        <a:t>auftretenden</a:t>
+                      </a:r>
+                      <a:r>
+                        <a:rPr kumimoji="0" lang="en-US" sz="1000" b="0" i="0" u="none" strike="noStrike" cap="none" normalizeH="0" baseline="0" dirty="0" smtClean="0">
+                          <a:ln>
+                            <a:noFill/>
+                          </a:ln>
+                          <a:solidFill>
+                            <a:schemeClr val="tx1"/>
+                          </a:solidFill>
+                          <a:effectLst/>
+                          <a:latin typeface="Arial" charset="0"/>
+                        </a:rPr>
+                        <a:t> </a:t>
+                      </a:r>
+                      <a:r>
+                        <a:rPr kumimoji="0" lang="en-US" sz="1000" b="0" i="0" u="none" strike="noStrike" cap="none" normalizeH="0" baseline="0" dirty="0" err="1" smtClean="0">
+                          <a:ln>
+                            <a:noFill/>
+                          </a:ln>
+                          <a:solidFill>
+                            <a:schemeClr val="tx1"/>
+                          </a:solidFill>
+                          <a:effectLst/>
+                          <a:latin typeface="Arial" charset="0"/>
+                        </a:rPr>
+                        <a:t>Problemen</a:t>
+                      </a:r>
+                      <a:r>
+                        <a:rPr kumimoji="0" lang="en-US" sz="1000" b="0" i="0" u="none" strike="noStrike" cap="none" normalizeH="0" baseline="0" dirty="0" smtClean="0">
+                          <a:ln>
+                            <a:noFill/>
+                          </a:ln>
+                          <a:solidFill>
+                            <a:schemeClr val="tx1"/>
+                          </a:solidFill>
+                          <a:effectLst/>
+                          <a:latin typeface="Arial" charset="0"/>
+                        </a:rPr>
+                        <a:t> </a:t>
                       </a:r>
                     </a:p>
                     <a:p>
@@ -22777,7 +22597,7 @@
                           <a:effectLst/>
                           <a:latin typeface="Arial" charset="0"/>
                         </a:rPr>
-                        <a:t>Schnellere</a:t>
+                        <a:t>Kurze</a:t>
                       </a:r>
                       <a:r>
                         <a:rPr kumimoji="0" lang="en-US" sz="1000" b="0" i="0" u="none" strike="noStrike" cap="none" normalizeH="0" baseline="0" dirty="0" smtClean="0">
@@ -22855,33 +22675,59 @@
                           <a:effectLst/>
                           <a:latin typeface="Arial" charset="0"/>
                         </a:rPr>
-                        <a:t>wäre</a:t>
-                      </a:r>
-                      <a:r>
-                        <a:rPr kumimoji="0" lang="en-US" sz="1000" b="0" i="0" u="none" strike="noStrike" cap="none" normalizeH="0" baseline="0" dirty="0" smtClean="0">
-                          <a:ln>
-                            <a:noFill/>
-                          </a:ln>
-                          <a:solidFill>
-                            <a:schemeClr val="tx1"/>
-                          </a:solidFill>
-                          <a:effectLst/>
-                          <a:latin typeface="Arial" charset="0"/>
-                        </a:rPr>
-                        <a:t> </a:t>
-                      </a:r>
-                      <a:r>
-                        <a:rPr kumimoji="0" lang="en-US" sz="1000" b="0" i="0" u="none" strike="noStrike" cap="none" normalizeH="0" baseline="0" dirty="0" err="1" smtClean="0">
-                          <a:ln>
-                            <a:noFill/>
-                          </a:ln>
-                          <a:solidFill>
-                            <a:schemeClr val="tx1"/>
-                          </a:solidFill>
-                          <a:effectLst/>
-                          <a:latin typeface="Arial" charset="0"/>
-                        </a:rPr>
-                        <a:t>Wünchenswert</a:t>
+                        <a:t>ist</a:t>
+                      </a:r>
+                      <a:r>
+                        <a:rPr kumimoji="0" lang="en-US" sz="1000" b="0" i="0" u="none" strike="noStrike" cap="none" normalizeH="0" baseline="0" dirty="0" smtClean="0">
+                          <a:ln>
+                            <a:noFill/>
+                          </a:ln>
+                          <a:solidFill>
+                            <a:schemeClr val="tx1"/>
+                          </a:solidFill>
+                          <a:effectLst/>
+                          <a:latin typeface="Arial" charset="0"/>
+                        </a:rPr>
+                        <a:t> </a:t>
+                      </a:r>
+                      <a:r>
+                        <a:rPr kumimoji="0" lang="en-US" sz="1000" b="0" i="0" u="none" strike="noStrike" cap="none" normalizeH="0" baseline="0" dirty="0" err="1" smtClean="0">
+                          <a:ln>
+                            <a:noFill/>
+                          </a:ln>
+                          <a:solidFill>
+                            <a:schemeClr val="tx1"/>
+                          </a:solidFill>
+                          <a:effectLst/>
+                          <a:latin typeface="Arial" charset="0"/>
+                        </a:rPr>
+                        <a:t>ihr</a:t>
+                      </a:r>
+                      <a:r>
+                        <a:rPr kumimoji="0" lang="en-US" sz="1000" b="0" i="0" u="none" strike="noStrike" cap="none" normalizeH="0" baseline="0" dirty="0" smtClean="0">
+                          <a:ln>
+                            <a:noFill/>
+                          </a:ln>
+                          <a:solidFill>
+                            <a:schemeClr val="tx1"/>
+                          </a:solidFill>
+                          <a:effectLst/>
+                          <a:latin typeface="Arial" charset="0"/>
+                        </a:rPr>
+                        <a:t> </a:t>
+                      </a:r>
+                      <a:r>
+                        <a:rPr kumimoji="0" lang="en-US" sz="1000" b="0" i="0" u="none" strike="noStrike" cap="none" normalizeH="0" baseline="0" dirty="0" err="1" smtClean="0">
+                          <a:ln>
+                            <a:noFill/>
+                          </a:ln>
+                          <a:solidFill>
+                            <a:schemeClr val="tx1"/>
+                          </a:solidFill>
+                          <a:effectLst/>
+                          <a:latin typeface="Arial" charset="0"/>
+                        </a:rPr>
+                        <a:t>wichtig</a:t>
                       </a:r>
                       <a:endParaRPr kumimoji="0" lang="en-US" sz="1000" b="0" i="0" u="none" strike="noStrike" cap="none" normalizeH="0" baseline="0" dirty="0" smtClean="0">
                         <a:ln>
@@ -23031,46 +22877,20 @@
                           <a:effectLst/>
                           <a:latin typeface="Arial" charset="0"/>
                         </a:rPr>
-                        <a:t> Hat </a:t>
-                      </a:r>
-                      <a:r>
-                        <a:rPr kumimoji="0" lang="en-US" sz="1000" b="0" i="0" u="none" strike="noStrike" cap="none" normalizeH="0" baseline="0" dirty="0" err="1" smtClean="0">
-                          <a:ln>
-                            <a:noFill/>
-                          </a:ln>
-                          <a:solidFill>
-                            <a:schemeClr val="tx1"/>
-                          </a:solidFill>
-                          <a:effectLst/>
-                          <a:latin typeface="Arial" charset="0"/>
-                        </a:rPr>
-                        <a:t>schon</a:t>
-                      </a:r>
-                      <a:r>
-                        <a:rPr kumimoji="0" lang="en-US" sz="1000" b="0" i="0" u="none" strike="noStrike" cap="none" normalizeH="0" baseline="0" dirty="0" smtClean="0">
-                          <a:ln>
-                            <a:noFill/>
-                          </a:ln>
-                          <a:solidFill>
-                            <a:schemeClr val="tx1"/>
-                          </a:solidFill>
-                          <a:effectLst/>
-                          <a:latin typeface="Arial" charset="0"/>
-                        </a:rPr>
-                        <a:t> </a:t>
-                      </a:r>
-                      <a:r>
-                        <a:rPr kumimoji="0" lang="en-US" sz="1000" b="0" i="0" u="none" strike="noStrike" cap="none" normalizeH="0" baseline="0" dirty="0" err="1" smtClean="0">
-                          <a:ln>
-                            <a:noFill/>
-                          </a:ln>
-                          <a:solidFill>
-                            <a:schemeClr val="tx1"/>
-                          </a:solidFill>
-                          <a:effectLst/>
-                          <a:latin typeface="Arial" charset="0"/>
-                        </a:rPr>
-                        <a:t>seit</a:t>
+                        <a:t> </a:t>
+                      </a:r>
+                      <a:r>
+                        <a:rPr kumimoji="0" lang="en-US" sz="1000" b="0" i="0" u="none" strike="noStrike" cap="none" normalizeH="0" baseline="0" dirty="0" err="1" smtClean="0">
+                          <a:ln>
+                            <a:noFill/>
+                          </a:ln>
+                          <a:solidFill>
+                            <a:schemeClr val="tx1"/>
+                          </a:solidFill>
+                          <a:effectLst/>
+                          <a:latin typeface="Arial" charset="0"/>
+                        </a:rPr>
+                        <a:t>Seit</a:t>
                       </a:r>
                       <a:r>
                         <a:rPr kumimoji="0" lang="en-US" sz="1000" b="0" i="0" u="none" strike="noStrike" cap="none" normalizeH="0" baseline="0" dirty="0" smtClean="0">
@@ -23148,33 +22968,85 @@
                           <a:effectLst/>
                           <a:latin typeface="Arial" charset="0"/>
                         </a:rPr>
-                        <a:t>immer</a:t>
-                      </a:r>
-                      <a:r>
-                        <a:rPr kumimoji="0" lang="en-US" sz="1000" b="0" i="0" u="none" strike="noStrike" cap="none" normalizeH="0" baseline="0" dirty="0" smtClean="0">
-                          <a:ln>
-                            <a:noFill/>
-                          </a:ln>
-                          <a:solidFill>
-                            <a:schemeClr val="tx1"/>
-                          </a:solidFill>
-                          <a:effectLst/>
-                          <a:latin typeface="Arial" charset="0"/>
-                        </a:rPr>
-                        <a:t> </a:t>
-                      </a:r>
-                      <a:r>
-                        <a:rPr kumimoji="0" lang="en-US" sz="1000" b="0" i="0" u="none" strike="noStrike" cap="none" normalizeH="0" baseline="0" dirty="0" err="1" smtClean="0">
-                          <a:ln>
-                            <a:noFill/>
-                          </a:ln>
-                          <a:solidFill>
-                            <a:schemeClr val="tx1"/>
-                          </a:solidFill>
-                          <a:effectLst/>
-                          <a:latin typeface="Arial" charset="0"/>
-                        </a:rPr>
-                        <a:t>wieder</a:t>
+                        <a:t>löst</a:t>
+                      </a:r>
+                      <a:r>
+                        <a:rPr kumimoji="0" lang="en-US" sz="1000" b="0" i="0" u="none" strike="noStrike" cap="none" normalizeH="0" baseline="0" dirty="0" smtClean="0">
+                          <a:ln>
+                            <a:noFill/>
+                          </a:ln>
+                          <a:solidFill>
+                            <a:schemeClr val="tx1"/>
+                          </a:solidFill>
+                          <a:effectLst/>
+                          <a:latin typeface="Arial" charset="0"/>
+                        </a:rPr>
+                        <a:t> </a:t>
+                      </a:r>
+                      <a:r>
+                        <a:rPr kumimoji="0" lang="en-US" sz="1000" b="0" i="0" u="none" strike="noStrike" cap="none" normalizeH="0" baseline="0" dirty="0" err="1" smtClean="0">
+                          <a:ln>
+                            <a:noFill/>
+                          </a:ln>
+                          <a:solidFill>
+                            <a:schemeClr val="tx1"/>
+                          </a:solidFill>
+                          <a:effectLst/>
+                          <a:latin typeface="Arial" charset="0"/>
+                        </a:rPr>
+                        <a:t>sie</a:t>
+                      </a:r>
+                      <a:r>
+                        <a:rPr kumimoji="0" lang="en-US" sz="1000" b="0" i="0" u="none" strike="noStrike" cap="none" normalizeH="0" baseline="0" dirty="0" smtClean="0">
+                          <a:ln>
+                            <a:noFill/>
+                          </a:ln>
+                          <a:solidFill>
+                            <a:schemeClr val="tx1"/>
+                          </a:solidFill>
+                          <a:effectLst/>
+                          <a:latin typeface="Arial" charset="0"/>
+                        </a:rPr>
+                        <a:t> </a:t>
+                      </a:r>
+                      <a:r>
+                        <a:rPr kumimoji="0" lang="en-US" sz="1000" b="0" i="0" u="none" strike="noStrike" cap="none" normalizeH="0" baseline="0" dirty="0" err="1" smtClean="0">
+                          <a:ln>
+                            <a:noFill/>
+                          </a:ln>
+                          <a:solidFill>
+                            <a:schemeClr val="tx1"/>
+                          </a:solidFill>
+                          <a:effectLst/>
+                          <a:latin typeface="Arial" charset="0"/>
+                        </a:rPr>
+                        <a:t>gerne</a:t>
+                      </a:r>
+                      <a:r>
+                        <a:rPr kumimoji="0" lang="en-US" sz="1000" b="0" i="0" u="none" strike="noStrike" cap="none" normalizeH="0" baseline="0" dirty="0" smtClean="0">
+                          <a:ln>
+                            <a:noFill/>
+                          </a:ln>
+                          <a:solidFill>
+                            <a:schemeClr val="tx1"/>
+                          </a:solidFill>
+                          <a:effectLst/>
+                          <a:latin typeface="Arial" charset="0"/>
+                        </a:rPr>
+                        <a:t> </a:t>
+                      </a:r>
+                      <a:r>
+                        <a:rPr kumimoji="0" lang="en-US" sz="1000" b="0" i="0" u="none" strike="noStrike" cap="none" normalizeH="0" baseline="0" dirty="0" err="1" smtClean="0">
+                          <a:ln>
+                            <a:noFill/>
+                          </a:ln>
+                          <a:solidFill>
+                            <a:schemeClr val="tx1"/>
+                          </a:solidFill>
+                          <a:effectLst/>
+                          <a:latin typeface="Arial" charset="0"/>
+                        </a:rPr>
+                        <a:t>ihre</a:t>
                       </a:r>
                       <a:r>
                         <a:rPr kumimoji="0" lang="en-US" sz="1000" b="0" i="0" u="none" strike="noStrike" cap="none" normalizeH="0" baseline="0" dirty="0" smtClean="0">
@@ -23213,84 +23085,6 @@
                           <a:effectLst/>
                           <a:latin typeface="Arial" charset="0"/>
                         </a:rPr>
-                        <a:t> und </a:t>
-                      </a:r>
-                      <a:r>
-                        <a:rPr kumimoji="0" lang="en-US" sz="1000" b="0" i="0" u="none" strike="noStrike" cap="none" normalizeH="0" baseline="0" dirty="0" err="1" smtClean="0">
-                          <a:ln>
-                            <a:noFill/>
-                          </a:ln>
-                          <a:solidFill>
-                            <a:schemeClr val="tx1"/>
-                          </a:solidFill>
-                          <a:effectLst/>
-                          <a:latin typeface="Arial" charset="0"/>
-                        </a:rPr>
-                        <a:t>löst</a:t>
-                      </a:r>
-                      <a:r>
-                        <a:rPr kumimoji="0" lang="en-US" sz="1000" b="0" i="0" u="none" strike="noStrike" cap="none" normalizeH="0" baseline="0" dirty="0" smtClean="0">
-                          <a:ln>
-                            <a:noFill/>
-                          </a:ln>
-                          <a:solidFill>
-                            <a:schemeClr val="tx1"/>
-                          </a:solidFill>
-                          <a:effectLst/>
-                          <a:latin typeface="Arial" charset="0"/>
-                        </a:rPr>
-                        <a:t> </a:t>
-                      </a:r>
-                      <a:r>
-                        <a:rPr kumimoji="0" lang="en-US" sz="1000" b="0" i="0" u="none" strike="noStrike" cap="none" normalizeH="0" baseline="0" dirty="0" err="1" smtClean="0">
-                          <a:ln>
-                            <a:noFill/>
-                          </a:ln>
-                          <a:solidFill>
-                            <a:schemeClr val="tx1"/>
-                          </a:solidFill>
-                          <a:effectLst/>
-                          <a:latin typeface="Arial" charset="0"/>
-                        </a:rPr>
-                        <a:t>diese</a:t>
-                      </a:r>
-                      <a:r>
-                        <a:rPr kumimoji="0" lang="en-US" sz="1000" b="0" i="0" u="none" strike="noStrike" cap="none" normalizeH="0" baseline="0" dirty="0" smtClean="0">
-                          <a:ln>
-                            <a:noFill/>
-                          </a:ln>
-                          <a:solidFill>
-                            <a:schemeClr val="tx1"/>
-                          </a:solidFill>
-                          <a:effectLst/>
-                          <a:latin typeface="Arial" charset="0"/>
-                        </a:rPr>
-                        <a:t> </a:t>
-                      </a:r>
-                      <a:r>
-                        <a:rPr kumimoji="0" lang="en-US" sz="1000" b="0" i="0" u="none" strike="noStrike" cap="none" normalizeH="0" baseline="0" dirty="0" err="1" smtClean="0">
-                          <a:ln>
-                            <a:noFill/>
-                          </a:ln>
-                          <a:solidFill>
-                            <a:schemeClr val="tx1"/>
-                          </a:solidFill>
-                          <a:effectLst/>
-                          <a:latin typeface="Arial" charset="0"/>
-                        </a:rPr>
-                        <a:t>gerne</a:t>
-                      </a:r>
-                      <a:r>
-                        <a:rPr kumimoji="0" lang="en-US" sz="1000" b="0" i="0" u="none" strike="noStrike" cap="none" normalizeH="0" baseline="0" dirty="0" smtClean="0">
-                          <a:ln>
-                            <a:noFill/>
-                          </a:ln>
-                          <a:solidFill>
-                            <a:schemeClr val="tx1"/>
-                          </a:solidFill>
-                          <a:effectLst/>
-                          <a:latin typeface="Arial" charset="0"/>
-                        </a:rPr>
                         <a:t> </a:t>
                       </a:r>
                       <a:r>
@@ -23317,7 +23111,7 @@
                           <a:effectLst/>
                           <a:latin typeface="Arial" charset="0"/>
                         </a:rPr>
-                        <a:t>, </a:t>
+                        <a:t> </a:t>
                       </a:r>
                       <a:r>
                         <a:rPr kumimoji="0" lang="en-US" sz="1000" b="0" i="0" u="none" strike="noStrike" cap="none" normalizeH="0" baseline="0" dirty="0" err="1" smtClean="0">
@@ -23343,59 +23137,7 @@
                           <a:effectLst/>
                           <a:latin typeface="Arial" charset="0"/>
                         </a:rPr>
-                        <a:t> </a:t>
-                      </a:r>
-                      <a:r>
-                        <a:rPr kumimoji="0" lang="en-US" sz="1000" b="0" i="0" u="none" strike="noStrike" cap="none" normalizeH="0" baseline="0" dirty="0" err="1" smtClean="0">
-                          <a:ln>
-                            <a:noFill/>
-                          </a:ln>
-                          <a:solidFill>
-                            <a:schemeClr val="tx1"/>
-                          </a:solidFill>
-                          <a:effectLst/>
-                          <a:latin typeface="Arial" charset="0"/>
-                        </a:rPr>
-                        <a:t>immer</a:t>
-                      </a:r>
-                      <a:r>
-                        <a:rPr kumimoji="0" lang="en-US" sz="1000" b="0" i="0" u="none" strike="noStrike" cap="none" normalizeH="0" baseline="0" dirty="0" smtClean="0">
-                          <a:ln>
-                            <a:noFill/>
-                          </a:ln>
-                          <a:solidFill>
-                            <a:schemeClr val="tx1"/>
-                          </a:solidFill>
-                          <a:effectLst/>
-                          <a:latin typeface="Arial" charset="0"/>
-                        </a:rPr>
-                        <a:t> </a:t>
-                      </a:r>
-                      <a:r>
-                        <a:rPr kumimoji="0" lang="en-US" sz="1000" b="0" i="0" u="none" strike="noStrike" cap="none" normalizeH="0" baseline="0" dirty="0" err="1" smtClean="0">
-                          <a:ln>
-                            <a:noFill/>
-                          </a:ln>
-                          <a:solidFill>
-                            <a:schemeClr val="tx1"/>
-                          </a:solidFill>
-                          <a:effectLst/>
-                          <a:latin typeface="Arial" charset="0"/>
-                        </a:rPr>
-                        <a:t>nach</a:t>
-                      </a:r>
-                      <a:r>
-                        <a:rPr kumimoji="0" lang="en-US" sz="1000" b="0" i="0" u="none" strike="noStrike" cap="none" normalizeH="0" baseline="0" dirty="0" smtClean="0">
-                          <a:ln>
-                            <a:noFill/>
-                          </a:ln>
-                          <a:solidFill>
-                            <a:schemeClr val="tx1"/>
-                          </a:solidFill>
-                          <a:effectLst/>
-                          <a:latin typeface="Arial" charset="0"/>
-                        </a:rPr>
-                        <a:t> </a:t>
+                        <a:t> die </a:t>
                       </a:r>
                       <a:r>
                         <a:rPr kumimoji="0" lang="en-US" sz="1000" b="0" i="0" u="none" strike="noStrike" cap="none" normalizeH="0" baseline="0" dirty="0" err="1" smtClean="0">
@@ -23434,7 +23176,59 @@
                           <a:effectLst/>
                           <a:latin typeface="Arial" charset="0"/>
                         </a:rPr>
-                        <a:t>fragen</a:t>
+                        <a:t>anderer</a:t>
+                      </a:r>
+                      <a:r>
+                        <a:rPr kumimoji="0" lang="en-US" sz="1000" b="0" i="0" u="none" strike="noStrike" cap="none" normalizeH="0" baseline="0" dirty="0" smtClean="0">
+                          <a:ln>
+                            <a:noFill/>
+                          </a:ln>
+                          <a:solidFill>
+                            <a:schemeClr val="tx1"/>
+                          </a:solidFill>
+                          <a:effectLst/>
+                          <a:latin typeface="Arial" charset="0"/>
+                        </a:rPr>
+                        <a:t> in </a:t>
+                      </a:r>
+                      <a:r>
+                        <a:rPr kumimoji="0" lang="en-US" sz="1000" b="0" i="0" u="none" strike="noStrike" cap="none" normalizeH="0" baseline="0" dirty="0" err="1" smtClean="0">
+                          <a:ln>
+                            <a:noFill/>
+                          </a:ln>
+                          <a:solidFill>
+                            <a:schemeClr val="tx1"/>
+                          </a:solidFill>
+                          <a:effectLst/>
+                          <a:latin typeface="Arial" charset="0"/>
+                        </a:rPr>
+                        <a:t>Anspruch</a:t>
+                      </a:r>
+                      <a:r>
+                        <a:rPr kumimoji="0" lang="en-US" sz="1000" b="0" i="0" u="none" strike="noStrike" cap="none" normalizeH="0" baseline="0" dirty="0" smtClean="0">
+                          <a:ln>
+                            <a:noFill/>
+                          </a:ln>
+                          <a:solidFill>
+                            <a:schemeClr val="tx1"/>
+                          </a:solidFill>
+                          <a:effectLst/>
+                          <a:latin typeface="Arial" charset="0"/>
+                        </a:rPr>
+                        <a:t> </a:t>
+                      </a:r>
+                      <a:r>
+                        <a:rPr kumimoji="0" lang="en-US" sz="1000" b="0" i="0" u="none" strike="noStrike" cap="none" normalizeH="0" baseline="0" dirty="0" err="1" smtClean="0">
+                          <a:ln>
+                            <a:noFill/>
+                          </a:ln>
+                          <a:solidFill>
+                            <a:schemeClr val="tx1"/>
+                          </a:solidFill>
+                          <a:effectLst/>
+                          <a:latin typeface="Arial" charset="0"/>
+                        </a:rPr>
+                        <a:t>nehmen</a:t>
                       </a:r>
                       <a:r>
                         <a:rPr kumimoji="0" lang="en-US" sz="1000" b="0" i="0" u="none" strike="noStrike" cap="none" normalizeH="0" baseline="0" dirty="0" smtClean="0">
@@ -23488,19 +23282,16 @@
                         </a:rPr>
                         <a:t>müssen</a:t>
                       </a:r>
-                      <a:r>
-                        <a:rPr kumimoji="0" lang="en-US" sz="1000" b="0" i="0" u="none" strike="noStrike" cap="none" normalizeH="0" baseline="0" dirty="0" smtClean="0">
-                          <a:ln>
-                            <a:noFill/>
-                          </a:ln>
-                          <a:solidFill>
-                            <a:schemeClr val="tx1"/>
-                          </a:solidFill>
-                          <a:effectLst/>
-                          <a:latin typeface="Arial" charset="0"/>
-                        </a:rPr>
-                        <a:t>.</a:t>
-                      </a:r>
+                      <a:endParaRPr kumimoji="0" lang="en-US" sz="1000" b="0" i="0" u="none" strike="noStrike" cap="none" normalizeH="0" baseline="0" dirty="0" smtClean="0">
+                        <a:ln>
+                          <a:noFill/>
+                        </a:ln>
+                        <a:solidFill>
+                          <a:schemeClr val="tx1"/>
+                        </a:solidFill>
+                        <a:effectLst/>
+                        <a:latin typeface="Arial" charset="0"/>
+                      </a:endParaRPr>
                     </a:p>
                   </a:txBody>
                   <a:tcPr marL="90488" marR="90488" marT="44450" marB="44450" horzOverflow="overflow">
